--- a/doc/Презентация.pptx
+++ b/doc/Презентация.pptx
@@ -1,9 +1,12 @@
 
 <file path=ppt/presentation.xml><?xml version="1.0" encoding="utf-8"?>
-<p:presentation xmlns:a="http://schemas.openxmlformats.org/drawingml/2006/main" xmlns:r="http://schemas.openxmlformats.org/officeDocument/2006/relationships" xmlns:p="http://schemas.openxmlformats.org/presentationml/2006/main" saveSubsetFonts="1">
+<p:presentation xmlns:a="http://schemas.openxmlformats.org/drawingml/2006/main" xmlns:r="http://schemas.openxmlformats.org/officeDocument/2006/relationships" xmlns:p="http://schemas.openxmlformats.org/presentationml/2006/main" showSpecialPlsOnTitleSld="0" saveSubsetFonts="1">
   <p:sldMasterIdLst>
     <p:sldMasterId id="2147483660" r:id="rId1"/>
   </p:sldMasterIdLst>
+  <p:notesMasterIdLst>
+    <p:notesMasterId r:id="rId14"/>
+  </p:notesMasterIdLst>
   <p:sldIdLst>
     <p:sldId id="256" r:id="rId2"/>
     <p:sldId id="258" r:id="rId3"/>
@@ -15,7 +18,8 @@
     <p:sldId id="262" r:id="rId9"/>
     <p:sldId id="263" r:id="rId10"/>
     <p:sldId id="264" r:id="rId11"/>
-    <p:sldId id="266" r:id="rId12"/>
+    <p:sldId id="268" r:id="rId12"/>
+    <p:sldId id="266" r:id="rId13"/>
   </p:sldIdLst>
   <p:sldSz cx="9144000" cy="6858000" type="screen4x3"/>
   <p:notesSz cx="6858000" cy="9144000"/>
@@ -122,6 +126,355 @@
 </p:presentation>
 </file>
 
+<file path=ppt/notesMasters/notesMaster1.xml><?xml version="1.0" encoding="utf-8"?>
+<p:notesMaster xmlns:a="http://schemas.openxmlformats.org/drawingml/2006/main" xmlns:r="http://schemas.openxmlformats.org/officeDocument/2006/relationships" xmlns:p="http://schemas.openxmlformats.org/presentationml/2006/main">
+  <p:cSld>
+    <p:bg>
+      <p:bgRef idx="1001">
+        <a:schemeClr val="bg1"/>
+      </p:bgRef>
+    </p:bg>
+    <p:spTree>
+      <p:nvGrpSpPr>
+        <p:cNvPr id="1" name=""/>
+        <p:cNvGrpSpPr/>
+        <p:nvPr/>
+      </p:nvGrpSpPr>
+      <p:grpSpPr>
+        <a:xfrm>
+          <a:off x="0" y="0"/>
+          <a:ext cx="0" cy="0"/>
+          <a:chOff x="0" y="0"/>
+          <a:chExt cx="0" cy="0"/>
+        </a:xfrm>
+      </p:grpSpPr>
+      <p:sp>
+        <p:nvSpPr>
+          <p:cNvPr id="2" name="Верхний колонтитул 1"/>
+          <p:cNvSpPr>
+            <a:spLocks noGrp="1"/>
+          </p:cNvSpPr>
+          <p:nvPr>
+            <p:ph type="hdr" sz="quarter"/>
+          </p:nvPr>
+        </p:nvSpPr>
+        <p:spPr>
+          <a:xfrm>
+            <a:off x="0" y="0"/>
+            <a:ext cx="2971800" cy="458788"/>
+          </a:xfrm>
+          <a:prstGeom prst="rect">
+            <a:avLst/>
+          </a:prstGeom>
+        </p:spPr>
+        <p:txBody>
+          <a:bodyPr vert="horz" lIns="91440" tIns="45720" rIns="91440" bIns="45720" rtlCol="0"/>
+          <a:lstStyle>
+            <a:lvl1pPr algn="l">
+              <a:defRPr sz="1200"/>
+            </a:lvl1pPr>
+          </a:lstStyle>
+          <a:p>
+            <a:endParaRPr lang="ru-RU"/>
+          </a:p>
+        </p:txBody>
+      </p:sp>
+      <p:sp>
+        <p:nvSpPr>
+          <p:cNvPr id="3" name="Дата 2"/>
+          <p:cNvSpPr>
+            <a:spLocks noGrp="1"/>
+          </p:cNvSpPr>
+          <p:nvPr>
+            <p:ph type="dt" idx="1"/>
+          </p:nvPr>
+        </p:nvSpPr>
+        <p:spPr>
+          <a:xfrm>
+            <a:off x="3884613" y="0"/>
+            <a:ext cx="2971800" cy="458788"/>
+          </a:xfrm>
+          <a:prstGeom prst="rect">
+            <a:avLst/>
+          </a:prstGeom>
+        </p:spPr>
+        <p:txBody>
+          <a:bodyPr vert="horz" lIns="91440" tIns="45720" rIns="91440" bIns="45720" rtlCol="0"/>
+          <a:lstStyle>
+            <a:lvl1pPr algn="r">
+              <a:defRPr sz="1200"/>
+            </a:lvl1pPr>
+          </a:lstStyle>
+          <a:p>
+            <a:fld id="{00508DE2-56E3-4C9D-8706-AAC98AF6EC0E}" type="datetimeFigureOut">
+              <a:rPr lang="ru-RU" smtClean="0"/>
+              <a:t>08.06.2025</a:t>
+            </a:fld>
+            <a:endParaRPr lang="ru-RU"/>
+          </a:p>
+        </p:txBody>
+      </p:sp>
+      <p:sp>
+        <p:nvSpPr>
+          <p:cNvPr id="4" name="Образ слайда 3"/>
+          <p:cNvSpPr>
+            <a:spLocks noGrp="1" noRot="1" noChangeAspect="1"/>
+          </p:cNvSpPr>
+          <p:nvPr>
+            <p:ph type="sldImg" idx="2"/>
+          </p:nvPr>
+        </p:nvSpPr>
+        <p:spPr>
+          <a:xfrm>
+            <a:off x="1371600" y="1143000"/>
+            <a:ext cx="4114800" cy="3086100"/>
+          </a:xfrm>
+          <a:prstGeom prst="rect">
+            <a:avLst/>
+          </a:prstGeom>
+          <a:noFill/>
+          <a:ln w="12700">
+            <a:solidFill>
+              <a:prstClr val="black"/>
+            </a:solidFill>
+          </a:ln>
+        </p:spPr>
+        <p:txBody>
+          <a:bodyPr vert="horz" lIns="91440" tIns="45720" rIns="91440" bIns="45720" rtlCol="0" anchor="ctr"/>
+          <a:lstStyle/>
+          <a:p>
+            <a:endParaRPr lang="ru-RU"/>
+          </a:p>
+        </p:txBody>
+      </p:sp>
+      <p:sp>
+        <p:nvSpPr>
+          <p:cNvPr id="5" name="Заметки 4"/>
+          <p:cNvSpPr>
+            <a:spLocks noGrp="1"/>
+          </p:cNvSpPr>
+          <p:nvPr>
+            <p:ph type="body" sz="quarter" idx="3"/>
+          </p:nvPr>
+        </p:nvSpPr>
+        <p:spPr>
+          <a:xfrm>
+            <a:off x="685800" y="4400550"/>
+            <a:ext cx="5486400" cy="3600450"/>
+          </a:xfrm>
+          <a:prstGeom prst="rect">
+            <a:avLst/>
+          </a:prstGeom>
+        </p:spPr>
+        <p:txBody>
+          <a:bodyPr vert="horz" lIns="91440" tIns="45720" rIns="91440" bIns="45720" rtlCol="0"/>
+          <a:lstStyle/>
+          <a:p>
+            <a:pPr lvl="0"/>
+            <a:r>
+              <a:rPr lang="ru-RU"/>
+              <a:t>Образец текста</a:t>
+            </a:r>
+          </a:p>
+          <a:p>
+            <a:pPr lvl="1"/>
+            <a:r>
+              <a:rPr lang="ru-RU"/>
+              <a:t>Второй уровень</a:t>
+            </a:r>
+          </a:p>
+          <a:p>
+            <a:pPr lvl="2"/>
+            <a:r>
+              <a:rPr lang="ru-RU"/>
+              <a:t>Третий уровень</a:t>
+            </a:r>
+          </a:p>
+          <a:p>
+            <a:pPr lvl="3"/>
+            <a:r>
+              <a:rPr lang="ru-RU"/>
+              <a:t>Четвертый уровень</a:t>
+            </a:r>
+          </a:p>
+          <a:p>
+            <a:pPr lvl="4"/>
+            <a:r>
+              <a:rPr lang="ru-RU"/>
+              <a:t>Пятый уровень</a:t>
+            </a:r>
+          </a:p>
+        </p:txBody>
+      </p:sp>
+      <p:sp>
+        <p:nvSpPr>
+          <p:cNvPr id="6" name="Нижний колонтитул 5"/>
+          <p:cNvSpPr>
+            <a:spLocks noGrp="1"/>
+          </p:cNvSpPr>
+          <p:nvPr>
+            <p:ph type="ftr" sz="quarter" idx="4"/>
+          </p:nvPr>
+        </p:nvSpPr>
+        <p:spPr>
+          <a:xfrm>
+            <a:off x="0" y="8685213"/>
+            <a:ext cx="2971800" cy="458787"/>
+          </a:xfrm>
+          <a:prstGeom prst="rect">
+            <a:avLst/>
+          </a:prstGeom>
+        </p:spPr>
+        <p:txBody>
+          <a:bodyPr vert="horz" lIns="91440" tIns="45720" rIns="91440" bIns="45720" rtlCol="0" anchor="b"/>
+          <a:lstStyle>
+            <a:lvl1pPr algn="l">
+              <a:defRPr sz="1200"/>
+            </a:lvl1pPr>
+          </a:lstStyle>
+          <a:p>
+            <a:endParaRPr lang="ru-RU"/>
+          </a:p>
+        </p:txBody>
+      </p:sp>
+      <p:sp>
+        <p:nvSpPr>
+          <p:cNvPr id="7" name="Номер слайда 6"/>
+          <p:cNvSpPr>
+            <a:spLocks noGrp="1"/>
+          </p:cNvSpPr>
+          <p:nvPr>
+            <p:ph type="sldNum" sz="quarter" idx="5"/>
+          </p:nvPr>
+        </p:nvSpPr>
+        <p:spPr>
+          <a:xfrm>
+            <a:off x="3884613" y="8685213"/>
+            <a:ext cx="2971800" cy="458787"/>
+          </a:xfrm>
+          <a:prstGeom prst="rect">
+            <a:avLst/>
+          </a:prstGeom>
+        </p:spPr>
+        <p:txBody>
+          <a:bodyPr vert="horz" lIns="91440" tIns="45720" rIns="91440" bIns="45720" rtlCol="0" anchor="b"/>
+          <a:lstStyle>
+            <a:lvl1pPr algn="r">
+              <a:defRPr sz="1200"/>
+            </a:lvl1pPr>
+          </a:lstStyle>
+          <a:p>
+            <a:fld id="{541E6DE8-4744-47A8-854C-89ED78425920}" type="slidenum">
+              <a:rPr lang="ru-RU" smtClean="0"/>
+              <a:t>‹#›</a:t>
+            </a:fld>
+            <a:endParaRPr lang="ru-RU"/>
+          </a:p>
+        </p:txBody>
+      </p:sp>
+    </p:spTree>
+    <p:extLst>
+      <p:ext uri="{BB962C8B-B14F-4D97-AF65-F5344CB8AC3E}">
+        <p14:creationId xmlns:p14="http://schemas.microsoft.com/office/powerpoint/2010/main" val="230799393"/>
+      </p:ext>
+    </p:extLst>
+  </p:cSld>
+  <p:clrMap bg1="lt1" tx1="dk1" bg2="lt2" tx2="dk2" accent1="accent1" accent2="accent2" accent3="accent3" accent4="accent4" accent5="accent5" accent6="accent6" hlink="hlink" folHlink="folHlink"/>
+  <p:notesStyle>
+    <a:lvl1pPr marL="0" algn="l" defTabSz="914400" rtl="0" eaLnBrk="1" latinLnBrk="0" hangingPunct="1">
+      <a:defRPr sz="1200" kern="1200">
+        <a:solidFill>
+          <a:schemeClr val="tx1"/>
+        </a:solidFill>
+        <a:latin typeface="+mn-lt"/>
+        <a:ea typeface="+mn-ea"/>
+        <a:cs typeface="+mn-cs"/>
+      </a:defRPr>
+    </a:lvl1pPr>
+    <a:lvl2pPr marL="457200" algn="l" defTabSz="914400" rtl="0" eaLnBrk="1" latinLnBrk="0" hangingPunct="1">
+      <a:defRPr sz="1200" kern="1200">
+        <a:solidFill>
+          <a:schemeClr val="tx1"/>
+        </a:solidFill>
+        <a:latin typeface="+mn-lt"/>
+        <a:ea typeface="+mn-ea"/>
+        <a:cs typeface="+mn-cs"/>
+      </a:defRPr>
+    </a:lvl2pPr>
+    <a:lvl3pPr marL="914400" algn="l" defTabSz="914400" rtl="0" eaLnBrk="1" latinLnBrk="0" hangingPunct="1">
+      <a:defRPr sz="1200" kern="1200">
+        <a:solidFill>
+          <a:schemeClr val="tx1"/>
+        </a:solidFill>
+        <a:latin typeface="+mn-lt"/>
+        <a:ea typeface="+mn-ea"/>
+        <a:cs typeface="+mn-cs"/>
+      </a:defRPr>
+    </a:lvl3pPr>
+    <a:lvl4pPr marL="1371600" algn="l" defTabSz="914400" rtl="0" eaLnBrk="1" latinLnBrk="0" hangingPunct="1">
+      <a:defRPr sz="1200" kern="1200">
+        <a:solidFill>
+          <a:schemeClr val="tx1"/>
+        </a:solidFill>
+        <a:latin typeface="+mn-lt"/>
+        <a:ea typeface="+mn-ea"/>
+        <a:cs typeface="+mn-cs"/>
+      </a:defRPr>
+    </a:lvl4pPr>
+    <a:lvl5pPr marL="1828800" algn="l" defTabSz="914400" rtl="0" eaLnBrk="1" latinLnBrk="0" hangingPunct="1">
+      <a:defRPr sz="1200" kern="1200">
+        <a:solidFill>
+          <a:schemeClr val="tx1"/>
+        </a:solidFill>
+        <a:latin typeface="+mn-lt"/>
+        <a:ea typeface="+mn-ea"/>
+        <a:cs typeface="+mn-cs"/>
+      </a:defRPr>
+    </a:lvl5pPr>
+    <a:lvl6pPr marL="2286000" algn="l" defTabSz="914400" rtl="0" eaLnBrk="1" latinLnBrk="0" hangingPunct="1">
+      <a:defRPr sz="1200" kern="1200">
+        <a:solidFill>
+          <a:schemeClr val="tx1"/>
+        </a:solidFill>
+        <a:latin typeface="+mn-lt"/>
+        <a:ea typeface="+mn-ea"/>
+        <a:cs typeface="+mn-cs"/>
+      </a:defRPr>
+    </a:lvl6pPr>
+    <a:lvl7pPr marL="2743200" algn="l" defTabSz="914400" rtl="0" eaLnBrk="1" latinLnBrk="0" hangingPunct="1">
+      <a:defRPr sz="1200" kern="1200">
+        <a:solidFill>
+          <a:schemeClr val="tx1"/>
+        </a:solidFill>
+        <a:latin typeface="+mn-lt"/>
+        <a:ea typeface="+mn-ea"/>
+        <a:cs typeface="+mn-cs"/>
+      </a:defRPr>
+    </a:lvl7pPr>
+    <a:lvl8pPr marL="3200400" algn="l" defTabSz="914400" rtl="0" eaLnBrk="1" latinLnBrk="0" hangingPunct="1">
+      <a:defRPr sz="1200" kern="1200">
+        <a:solidFill>
+          <a:schemeClr val="tx1"/>
+        </a:solidFill>
+        <a:latin typeface="+mn-lt"/>
+        <a:ea typeface="+mn-ea"/>
+        <a:cs typeface="+mn-cs"/>
+      </a:defRPr>
+    </a:lvl8pPr>
+    <a:lvl9pPr marL="3657600" algn="l" defTabSz="914400" rtl="0" eaLnBrk="1" latinLnBrk="0" hangingPunct="1">
+      <a:defRPr sz="1200" kern="1200">
+        <a:solidFill>
+          <a:schemeClr val="tx1"/>
+        </a:solidFill>
+        <a:latin typeface="+mn-lt"/>
+        <a:ea typeface="+mn-ea"/>
+        <a:cs typeface="+mn-cs"/>
+      </a:defRPr>
+    </a:lvl9pPr>
+  </p:notesStyle>
+</p:notesMaster>
+</file>
+
 <file path=ppt/slideLayouts/slideLayout1.xml><?xml version="1.0" encoding="utf-8"?>
 <p:sldLayout xmlns:a="http://schemas.openxmlformats.org/drawingml/2006/main" xmlns:r="http://schemas.openxmlformats.org/officeDocument/2006/relationships" xmlns:p="http://schemas.openxmlformats.org/presentationml/2006/main" type="title" preserve="1">
   <p:cSld name="Титульный слайд">
@@ -251,9 +604,9 @@
           <a:bodyPr/>
           <a:lstStyle/>
           <a:p>
-            <a:fld id="{20C96FA7-2183-4B71-904D-81B31F2DBA63}" type="datetimeFigureOut">
+            <a:fld id="{4809B9FD-3EB7-4750-AD34-3240FF4EA2E2}" type="datetime1">
               <a:rPr lang="ru-RU" smtClean="0"/>
-              <a:t>03.06.2025</a:t>
+              <a:t>08.06.2025</a:t>
             </a:fld>
             <a:endParaRPr lang="ru-RU"/>
           </a:p>
@@ -421,9 +774,9 @@
           <a:bodyPr/>
           <a:lstStyle/>
           <a:p>
-            <a:fld id="{20C96FA7-2183-4B71-904D-81B31F2DBA63}" type="datetimeFigureOut">
+            <a:fld id="{79EAEE0F-B241-4881-9884-0AC1EBDB3CF4}" type="datetime1">
               <a:rPr lang="ru-RU" smtClean="0"/>
-              <a:t>03.06.2025</a:t>
+              <a:t>08.06.2025</a:t>
             </a:fld>
             <a:endParaRPr lang="ru-RU"/>
           </a:p>
@@ -601,9 +954,9 @@
           <a:bodyPr/>
           <a:lstStyle/>
           <a:p>
-            <a:fld id="{20C96FA7-2183-4B71-904D-81B31F2DBA63}" type="datetimeFigureOut">
+            <a:fld id="{C3792946-917E-4583-979D-C5DC6F3996B0}" type="datetime1">
               <a:rPr lang="ru-RU" smtClean="0"/>
-              <a:t>03.06.2025</a:t>
+              <a:t>08.06.2025</a:t>
             </a:fld>
             <a:endParaRPr lang="ru-RU"/>
           </a:p>
@@ -771,9 +1124,9 @@
           <a:bodyPr/>
           <a:lstStyle/>
           <a:p>
-            <a:fld id="{20C96FA7-2183-4B71-904D-81B31F2DBA63}" type="datetimeFigureOut">
+            <a:fld id="{96116439-D4D5-4BE1-BC35-A3E3D712C6FE}" type="datetime1">
               <a:rPr lang="ru-RU" smtClean="0"/>
-              <a:t>03.06.2025</a:t>
+              <a:t>08.06.2025</a:t>
             </a:fld>
             <a:endParaRPr lang="ru-RU"/>
           </a:p>
@@ -1015,9 +1368,9 @@
           <a:bodyPr/>
           <a:lstStyle/>
           <a:p>
-            <a:fld id="{20C96FA7-2183-4B71-904D-81B31F2DBA63}" type="datetimeFigureOut">
+            <a:fld id="{0DACFD73-FE64-4D9D-8710-32532E2D95E6}" type="datetime1">
               <a:rPr lang="ru-RU" smtClean="0"/>
-              <a:t>03.06.2025</a:t>
+              <a:t>08.06.2025</a:t>
             </a:fld>
             <a:endParaRPr lang="ru-RU"/>
           </a:p>
@@ -1247,9 +1600,9 @@
           <a:bodyPr/>
           <a:lstStyle/>
           <a:p>
-            <a:fld id="{20C96FA7-2183-4B71-904D-81B31F2DBA63}" type="datetimeFigureOut">
+            <a:fld id="{C0FFDF7D-B288-4DFC-92F2-7CC08805B1D6}" type="datetime1">
               <a:rPr lang="ru-RU" smtClean="0"/>
-              <a:t>03.06.2025</a:t>
+              <a:t>08.06.2025</a:t>
             </a:fld>
             <a:endParaRPr lang="ru-RU"/>
           </a:p>
@@ -1614,9 +1967,9 @@
           <a:bodyPr/>
           <a:lstStyle/>
           <a:p>
-            <a:fld id="{20C96FA7-2183-4B71-904D-81B31F2DBA63}" type="datetimeFigureOut">
+            <a:fld id="{4FC2E585-4892-4CF6-998F-0474A72C01A1}" type="datetime1">
               <a:rPr lang="ru-RU" smtClean="0"/>
-              <a:t>03.06.2025</a:t>
+              <a:t>08.06.2025</a:t>
             </a:fld>
             <a:endParaRPr lang="ru-RU"/>
           </a:p>
@@ -1732,9 +2085,9 @@
           <a:bodyPr/>
           <a:lstStyle/>
           <a:p>
-            <a:fld id="{20C96FA7-2183-4B71-904D-81B31F2DBA63}" type="datetimeFigureOut">
+            <a:fld id="{B5D1F70F-D3F4-4F61-9951-326E2DBEE675}" type="datetime1">
               <a:rPr lang="ru-RU" smtClean="0"/>
-              <a:t>03.06.2025</a:t>
+              <a:t>08.06.2025</a:t>
             </a:fld>
             <a:endParaRPr lang="ru-RU"/>
           </a:p>
@@ -1827,9 +2180,9 @@
           <a:bodyPr/>
           <a:lstStyle/>
           <a:p>
-            <a:fld id="{20C96FA7-2183-4B71-904D-81B31F2DBA63}" type="datetimeFigureOut">
+            <a:fld id="{C944E742-8B29-4283-A9E4-C62AB0BAFAA3}" type="datetime1">
               <a:rPr lang="ru-RU" smtClean="0"/>
-              <a:t>03.06.2025</a:t>
+              <a:t>08.06.2025</a:t>
             </a:fld>
             <a:endParaRPr lang="ru-RU"/>
           </a:p>
@@ -2104,9 +2457,9 @@
           <a:bodyPr/>
           <a:lstStyle/>
           <a:p>
-            <a:fld id="{20C96FA7-2183-4B71-904D-81B31F2DBA63}" type="datetimeFigureOut">
+            <a:fld id="{8208315C-255A-438D-AB33-2DFB0819CB5F}" type="datetime1">
               <a:rPr lang="ru-RU" smtClean="0"/>
-              <a:t>03.06.2025</a:t>
+              <a:t>08.06.2025</a:t>
             </a:fld>
             <a:endParaRPr lang="ru-RU"/>
           </a:p>
@@ -2361,9 +2714,9 @@
           <a:bodyPr/>
           <a:lstStyle/>
           <a:p>
-            <a:fld id="{20C96FA7-2183-4B71-904D-81B31F2DBA63}" type="datetimeFigureOut">
+            <a:fld id="{E40ED026-223E-4398-A373-3D5E6FA207ED}" type="datetime1">
               <a:rPr lang="ru-RU" smtClean="0"/>
-              <a:t>03.06.2025</a:t>
+              <a:t>08.06.2025</a:t>
             </a:fld>
             <a:endParaRPr lang="ru-RU"/>
           </a:p>
@@ -2574,9 +2927,9 @@
             </a:lvl1pPr>
           </a:lstStyle>
           <a:p>
-            <a:fld id="{20C96FA7-2183-4B71-904D-81B31F2DBA63}" type="datetimeFigureOut">
+            <a:fld id="{3EABAF89-EB28-4AB6-BEF6-F8CFC39F668A}" type="datetime1">
               <a:rPr lang="ru-RU" smtClean="0"/>
-              <a:t>03.06.2025</a:t>
+              <a:t>08.06.2025</a:t>
             </a:fld>
             <a:endParaRPr lang="ru-RU"/>
           </a:p>
@@ -2681,6 +3034,7 @@
     <p:sldLayoutId id="2147483670" r:id="rId10"/>
     <p:sldLayoutId id="2147483671" r:id="rId11"/>
   </p:sldLayoutIdLst>
+  <p:hf hdr="0" ftr="0" dt="0"/>
   <p:txStyles>
     <p:titleStyle>
       <a:lvl1pPr algn="l" defTabSz="914400" rtl="0" eaLnBrk="1" latinLnBrk="0" hangingPunct="1">
@@ -3751,7 +4105,7 @@
         </p:blipFill>
         <p:spPr>
           <a:xfrm>
-            <a:off x="4684014" y="3954612"/>
+            <a:off x="4907949" y="3688589"/>
             <a:ext cx="3831336" cy="2667762"/>
           </a:xfrm>
           <a:prstGeom prst="rect">
@@ -3779,7 +4133,7 @@
         </p:blipFill>
         <p:spPr>
           <a:xfrm>
-            <a:off x="451802" y="924941"/>
+            <a:off x="451802" y="806472"/>
             <a:ext cx="5039995" cy="2703830"/>
           </a:xfrm>
           <a:prstGeom prst="rect">
@@ -3814,6 +4168,35 @@
           </a:prstGeom>
         </p:spPr>
       </p:pic>
+      <p:sp>
+        <p:nvSpPr>
+          <p:cNvPr id="2" name="Номер слайда 1">
+            <a:extLst>
+              <a:ext uri="{FF2B5EF4-FFF2-40B4-BE49-F238E27FC236}">
+                <a16:creationId xmlns:a16="http://schemas.microsoft.com/office/drawing/2014/main" id="{904A0405-3FCC-4D5F-9283-67EEDBF14205}"/>
+              </a:ext>
+            </a:extLst>
+          </p:cNvPr>
+          <p:cNvSpPr>
+            <a:spLocks noGrp="1"/>
+          </p:cNvSpPr>
+          <p:nvPr>
+            <p:ph type="sldNum" sz="quarter" idx="12"/>
+          </p:nvPr>
+        </p:nvSpPr>
+        <p:spPr/>
+        <p:txBody>
+          <a:bodyPr/>
+          <a:lstStyle/>
+          <a:p>
+            <a:fld id="{44641D0F-78C1-463B-93D6-F54005450624}" type="slidenum">
+              <a:rPr lang="ru-RU" smtClean="0"/>
+              <a:t>10</a:t>
+            </a:fld>
+            <a:endParaRPr lang="ru-RU"/>
+          </a:p>
+        </p:txBody>
+      </p:sp>
     </p:spTree>
     <p:extLst>
       <p:ext uri="{BB962C8B-B14F-4D97-AF65-F5344CB8AC3E}">
@@ -3849,6 +4232,1875 @@
           <p:cNvPr id="4" name="Заголовок 1">
             <a:extLst>
               <a:ext uri="{FF2B5EF4-FFF2-40B4-BE49-F238E27FC236}">
+                <a16:creationId xmlns:a16="http://schemas.microsoft.com/office/drawing/2014/main" id="{86488CBF-4ABD-4985-A4B6-215C4650C1BF}"/>
+              </a:ext>
+            </a:extLst>
+          </p:cNvPr>
+          <p:cNvSpPr>
+            <a:spLocks noGrp="1"/>
+          </p:cNvSpPr>
+          <p:nvPr>
+            <p:ph type="title"/>
+          </p:nvPr>
+        </p:nvSpPr>
+        <p:spPr>
+          <a:xfrm>
+            <a:off x="628650" y="188763"/>
+            <a:ext cx="7886700" cy="649706"/>
+          </a:xfrm>
+        </p:spPr>
+        <p:txBody>
+          <a:bodyPr>
+            <a:normAutofit/>
+          </a:bodyPr>
+          <a:lstStyle/>
+          <a:p>
+            <a:pPr algn="ctr"/>
+            <a:r>
+              <a:rPr lang="ru-RU" sz="2200" dirty="0">
+                <a:latin typeface="Times New Roman" panose="02020603050405020304" pitchFamily="18" charset="0"/>
+                <a:cs typeface="Times New Roman" panose="02020603050405020304" pitchFamily="18" charset="0"/>
+              </a:rPr>
+              <a:t>Матрица соответствия тестов</a:t>
+            </a:r>
+          </a:p>
+        </p:txBody>
+      </p:sp>
+      <p:graphicFrame>
+        <p:nvGraphicFramePr>
+          <p:cNvPr id="7" name="Таблица 6">
+            <a:extLst>
+              <a:ext uri="{FF2B5EF4-FFF2-40B4-BE49-F238E27FC236}">
+                <a16:creationId xmlns:a16="http://schemas.microsoft.com/office/drawing/2014/main" id="{181DCA73-D40A-4671-9F12-C9EB17D8EC2E}"/>
+              </a:ext>
+            </a:extLst>
+          </p:cNvPr>
+          <p:cNvGraphicFramePr>
+            <a:graphicFrameLocks noGrp="1"/>
+          </p:cNvGraphicFramePr>
+          <p:nvPr>
+            <p:extLst>
+              <p:ext uri="{D42A27DB-BD31-4B8C-83A1-F6EECF244321}">
+                <p14:modId xmlns:p14="http://schemas.microsoft.com/office/powerpoint/2010/main" val="1016291310"/>
+              </p:ext>
+            </p:extLst>
+          </p:nvPr>
+        </p:nvGraphicFramePr>
+        <p:xfrm>
+          <a:off x="850167" y="1359281"/>
+          <a:ext cx="7443666" cy="4139438"/>
+        </p:xfrm>
+        <a:graphic>
+          <a:graphicData uri="http://schemas.openxmlformats.org/drawingml/2006/table">
+            <a:tbl>
+              <a:tblPr firstRow="1" firstCol="1" bandRow="1">
+                <a:tableStyleId>{8799B23B-EC83-4686-B30A-512413B5E67A}</a:tableStyleId>
+              </a:tblPr>
+              <a:tblGrid>
+                <a:gridCol w="1042363">
+                  <a:extLst>
+                    <a:ext uri="{9D8B030D-6E8A-4147-A177-3AD203B41FA5}">
+                      <a16:colId xmlns:a16="http://schemas.microsoft.com/office/drawing/2014/main" val="3831343252"/>
+                    </a:ext>
+                  </a:extLst>
+                </a:gridCol>
+                <a:gridCol w="919517">
+                  <a:extLst>
+                    <a:ext uri="{9D8B030D-6E8A-4147-A177-3AD203B41FA5}">
+                      <a16:colId xmlns:a16="http://schemas.microsoft.com/office/drawing/2014/main" val="1259303269"/>
+                    </a:ext>
+                  </a:extLst>
+                </a:gridCol>
+                <a:gridCol w="917309">
+                  <a:extLst>
+                    <a:ext uri="{9D8B030D-6E8A-4147-A177-3AD203B41FA5}">
+                      <a16:colId xmlns:a16="http://schemas.microsoft.com/office/drawing/2014/main" val="3880099055"/>
+                    </a:ext>
+                  </a:extLst>
+                </a:gridCol>
+                <a:gridCol w="917309">
+                  <a:extLst>
+                    <a:ext uri="{9D8B030D-6E8A-4147-A177-3AD203B41FA5}">
+                      <a16:colId xmlns:a16="http://schemas.microsoft.com/office/drawing/2014/main" val="3147549853"/>
+                    </a:ext>
+                  </a:extLst>
+                </a:gridCol>
+                <a:gridCol w="917309">
+                  <a:extLst>
+                    <a:ext uri="{9D8B030D-6E8A-4147-A177-3AD203B41FA5}">
+                      <a16:colId xmlns:a16="http://schemas.microsoft.com/office/drawing/2014/main" val="2696729813"/>
+                    </a:ext>
+                  </a:extLst>
+                </a:gridCol>
+                <a:gridCol w="917309">
+                  <a:extLst>
+                    <a:ext uri="{9D8B030D-6E8A-4147-A177-3AD203B41FA5}">
+                      <a16:colId xmlns:a16="http://schemas.microsoft.com/office/drawing/2014/main" val="1969579564"/>
+                    </a:ext>
+                  </a:extLst>
+                </a:gridCol>
+                <a:gridCol w="917309">
+                  <a:extLst>
+                    <a:ext uri="{9D8B030D-6E8A-4147-A177-3AD203B41FA5}">
+                      <a16:colId xmlns:a16="http://schemas.microsoft.com/office/drawing/2014/main" val="1637131066"/>
+                    </a:ext>
+                  </a:extLst>
+                </a:gridCol>
+                <a:gridCol w="895241">
+                  <a:extLst>
+                    <a:ext uri="{9D8B030D-6E8A-4147-A177-3AD203B41FA5}">
+                      <a16:colId xmlns:a16="http://schemas.microsoft.com/office/drawing/2014/main" val="344870814"/>
+                    </a:ext>
+                  </a:extLst>
+                </a:gridCol>
+              </a:tblGrid>
+              <a:tr h="674690">
+                <a:tc>
+                  <a:txBody>
+                    <a:bodyPr/>
+                    <a:lstStyle/>
+                    <a:p>
+                      <a:pPr algn="just">
+                        <a:lnSpc>
+                          <a:spcPct val="115000"/>
+                        </a:lnSpc>
+                        <a:spcAft>
+                          <a:spcPts val="1000"/>
+                        </a:spcAft>
+                      </a:pPr>
+                      <a:r>
+                        <a:rPr lang="ru-RU" sz="1000">
+                          <a:effectLst/>
+                        </a:rPr>
+                        <a:t> </a:t>
+                      </a:r>
+                      <a:endParaRPr lang="ru-RU" sz="1100">
+                        <a:effectLst/>
+                        <a:latin typeface="Calibri" panose="020F0502020204030204" pitchFamily="34" charset="0"/>
+                        <a:ea typeface="Calibri" panose="020F0502020204030204" pitchFamily="34" charset="0"/>
+                        <a:cs typeface="Times New Roman" panose="02020603050405020304" pitchFamily="18" charset="0"/>
+                      </a:endParaRPr>
+                    </a:p>
+                  </a:txBody>
+                  <a:tcPr marL="68580" marR="68580" marT="0" marB="0"/>
+                </a:tc>
+                <a:tc>
+                  <a:txBody>
+                    <a:bodyPr/>
+                    <a:lstStyle/>
+                    <a:p>
+                      <a:pPr algn="just">
+                        <a:lnSpc>
+                          <a:spcPct val="115000"/>
+                        </a:lnSpc>
+                        <a:spcAft>
+                          <a:spcPts val="1000"/>
+                        </a:spcAft>
+                      </a:pPr>
+                      <a:r>
+                        <a:rPr lang="ru-RU" sz="1000">
+                          <a:effectLst/>
+                        </a:rPr>
+                        <a:t>Тест 1 (Архивация)</a:t>
+                      </a:r>
+                      <a:endParaRPr lang="ru-RU" sz="1100">
+                        <a:effectLst/>
+                        <a:latin typeface="Calibri" panose="020F0502020204030204" pitchFamily="34" charset="0"/>
+                        <a:ea typeface="Calibri" panose="020F0502020204030204" pitchFamily="34" charset="0"/>
+                        <a:cs typeface="Times New Roman" panose="02020603050405020304" pitchFamily="18" charset="0"/>
+                      </a:endParaRPr>
+                    </a:p>
+                  </a:txBody>
+                  <a:tcPr marL="68580" marR="68580" marT="0" marB="0"/>
+                </a:tc>
+                <a:tc>
+                  <a:txBody>
+                    <a:bodyPr/>
+                    <a:lstStyle/>
+                    <a:p>
+                      <a:pPr algn="just">
+                        <a:lnSpc>
+                          <a:spcPct val="115000"/>
+                        </a:lnSpc>
+                        <a:spcAft>
+                          <a:spcPts val="1000"/>
+                        </a:spcAft>
+                      </a:pPr>
+                      <a:r>
+                        <a:rPr lang="ru-RU" sz="1000">
+                          <a:effectLst/>
+                        </a:rPr>
+                        <a:t>Тест 2 (Сортировка)</a:t>
+                      </a:r>
+                      <a:endParaRPr lang="ru-RU" sz="1100">
+                        <a:effectLst/>
+                        <a:latin typeface="Calibri" panose="020F0502020204030204" pitchFamily="34" charset="0"/>
+                        <a:ea typeface="Calibri" panose="020F0502020204030204" pitchFamily="34" charset="0"/>
+                        <a:cs typeface="Times New Roman" panose="02020603050405020304" pitchFamily="18" charset="0"/>
+                      </a:endParaRPr>
+                    </a:p>
+                  </a:txBody>
+                  <a:tcPr marL="68580" marR="68580" marT="0" marB="0"/>
+                </a:tc>
+                <a:tc>
+                  <a:txBody>
+                    <a:bodyPr/>
+                    <a:lstStyle/>
+                    <a:p>
+                      <a:pPr algn="just">
+                        <a:lnSpc>
+                          <a:spcPct val="115000"/>
+                        </a:lnSpc>
+                        <a:spcAft>
+                          <a:spcPts val="1000"/>
+                        </a:spcAft>
+                      </a:pPr>
+                      <a:r>
+                        <a:rPr lang="ru-RU" sz="1000">
+                          <a:effectLst/>
+                        </a:rPr>
+                        <a:t>Тест 3 (Валидация)</a:t>
+                      </a:r>
+                      <a:endParaRPr lang="ru-RU" sz="1100">
+                        <a:effectLst/>
+                        <a:latin typeface="Calibri" panose="020F0502020204030204" pitchFamily="34" charset="0"/>
+                        <a:ea typeface="Calibri" panose="020F0502020204030204" pitchFamily="34" charset="0"/>
+                        <a:cs typeface="Times New Roman" panose="02020603050405020304" pitchFamily="18" charset="0"/>
+                      </a:endParaRPr>
+                    </a:p>
+                  </a:txBody>
+                  <a:tcPr marL="68580" marR="68580" marT="0" marB="0"/>
+                </a:tc>
+                <a:tc>
+                  <a:txBody>
+                    <a:bodyPr/>
+                    <a:lstStyle/>
+                    <a:p>
+                      <a:pPr algn="just">
+                        <a:lnSpc>
+                          <a:spcPct val="115000"/>
+                        </a:lnSpc>
+                        <a:spcAft>
+                          <a:spcPts val="1000"/>
+                        </a:spcAft>
+                      </a:pPr>
+                      <a:r>
+                        <a:rPr lang="ru-RU" sz="1000">
+                          <a:effectLst/>
+                        </a:rPr>
+                        <a:t>Тест 4 (Автоназначение)</a:t>
+                      </a:r>
+                      <a:endParaRPr lang="ru-RU" sz="1100">
+                        <a:effectLst/>
+                        <a:latin typeface="Calibri" panose="020F0502020204030204" pitchFamily="34" charset="0"/>
+                        <a:ea typeface="Calibri" panose="020F0502020204030204" pitchFamily="34" charset="0"/>
+                        <a:cs typeface="Times New Roman" panose="02020603050405020304" pitchFamily="18" charset="0"/>
+                      </a:endParaRPr>
+                    </a:p>
+                  </a:txBody>
+                  <a:tcPr marL="68580" marR="68580" marT="0" marB="0"/>
+                </a:tc>
+                <a:tc>
+                  <a:txBody>
+                    <a:bodyPr/>
+                    <a:lstStyle/>
+                    <a:p>
+                      <a:pPr algn="just">
+                        <a:lnSpc>
+                          <a:spcPct val="115000"/>
+                        </a:lnSpc>
+                        <a:spcAft>
+                          <a:spcPts val="1000"/>
+                        </a:spcAft>
+                      </a:pPr>
+                      <a:r>
+                        <a:rPr lang="ru-RU" sz="1000">
+                          <a:effectLst/>
+                        </a:rPr>
+                        <a:t>Тест 5 (Добавление)</a:t>
+                      </a:r>
+                      <a:endParaRPr lang="ru-RU" sz="1100">
+                        <a:effectLst/>
+                        <a:latin typeface="Calibri" panose="020F0502020204030204" pitchFamily="34" charset="0"/>
+                        <a:ea typeface="Calibri" panose="020F0502020204030204" pitchFamily="34" charset="0"/>
+                        <a:cs typeface="Times New Roman" panose="02020603050405020304" pitchFamily="18" charset="0"/>
+                      </a:endParaRPr>
+                    </a:p>
+                  </a:txBody>
+                  <a:tcPr marL="68580" marR="68580" marT="0" marB="0"/>
+                </a:tc>
+                <a:tc>
+                  <a:txBody>
+                    <a:bodyPr/>
+                    <a:lstStyle/>
+                    <a:p>
+                      <a:pPr algn="just">
+                        <a:lnSpc>
+                          <a:spcPct val="115000"/>
+                        </a:lnSpc>
+                        <a:spcAft>
+                          <a:spcPts val="1000"/>
+                        </a:spcAft>
+                      </a:pPr>
+                      <a:r>
+                        <a:rPr lang="ru-RU" sz="1000">
+                          <a:effectLst/>
+                        </a:rPr>
+                        <a:t>Тест 6 (</a:t>
+                      </a:r>
+                      <a:r>
+                        <a:rPr lang="en-US" sz="1000">
+                          <a:effectLst/>
+                        </a:rPr>
+                        <a:t>Excel)</a:t>
+                      </a:r>
+                      <a:endParaRPr lang="ru-RU" sz="1100">
+                        <a:effectLst/>
+                        <a:latin typeface="Calibri" panose="020F0502020204030204" pitchFamily="34" charset="0"/>
+                        <a:ea typeface="Calibri" panose="020F0502020204030204" pitchFamily="34" charset="0"/>
+                        <a:cs typeface="Times New Roman" panose="02020603050405020304" pitchFamily="18" charset="0"/>
+                      </a:endParaRPr>
+                    </a:p>
+                  </a:txBody>
+                  <a:tcPr marL="68580" marR="68580" marT="0" marB="0"/>
+                </a:tc>
+                <a:tc>
+                  <a:txBody>
+                    <a:bodyPr/>
+                    <a:lstStyle/>
+                    <a:p>
+                      <a:pPr algn="just">
+                        <a:lnSpc>
+                          <a:spcPct val="115000"/>
+                        </a:lnSpc>
+                        <a:spcAft>
+                          <a:spcPts val="1000"/>
+                        </a:spcAft>
+                      </a:pPr>
+                      <a:r>
+                        <a:rPr lang="ru-RU" sz="1000">
+                          <a:effectLst/>
+                        </a:rPr>
+                        <a:t>Количество тестов</a:t>
+                      </a:r>
+                      <a:endParaRPr lang="ru-RU" sz="1100">
+                        <a:effectLst/>
+                        <a:latin typeface="Calibri" panose="020F0502020204030204" pitchFamily="34" charset="0"/>
+                        <a:ea typeface="Calibri" panose="020F0502020204030204" pitchFamily="34" charset="0"/>
+                        <a:cs typeface="Times New Roman" panose="02020603050405020304" pitchFamily="18" charset="0"/>
+                      </a:endParaRPr>
+                    </a:p>
+                  </a:txBody>
+                  <a:tcPr marL="68580" marR="68580" marT="0" marB="0"/>
+                </a:tc>
+                <a:extLst>
+                  <a:ext uri="{0D108BD9-81ED-4DB2-BD59-A6C34878D82A}">
+                    <a16:rowId xmlns:a16="http://schemas.microsoft.com/office/drawing/2014/main" val="494471296"/>
+                  </a:ext>
+                </a:extLst>
+              </a:tr>
+              <a:tr h="651264">
+                <a:tc>
+                  <a:txBody>
+                    <a:bodyPr/>
+                    <a:lstStyle/>
+                    <a:p>
+                      <a:pPr algn="just">
+                        <a:lnSpc>
+                          <a:spcPct val="115000"/>
+                        </a:lnSpc>
+                        <a:spcAft>
+                          <a:spcPts val="1000"/>
+                        </a:spcAft>
+                      </a:pPr>
+                      <a:r>
+                        <a:rPr lang="ru-RU" sz="1000">
+                          <a:effectLst/>
+                        </a:rPr>
+                        <a:t>Архивация удаленных сотрудников</a:t>
+                      </a:r>
+                      <a:endParaRPr lang="ru-RU" sz="1100">
+                        <a:effectLst/>
+                        <a:latin typeface="Calibri" panose="020F0502020204030204" pitchFamily="34" charset="0"/>
+                        <a:ea typeface="Calibri" panose="020F0502020204030204" pitchFamily="34" charset="0"/>
+                        <a:cs typeface="Times New Roman" panose="02020603050405020304" pitchFamily="18" charset="0"/>
+                      </a:endParaRPr>
+                    </a:p>
+                  </a:txBody>
+                  <a:tcPr marL="68580" marR="68580" marT="0" marB="0"/>
+                </a:tc>
+                <a:tc>
+                  <a:txBody>
+                    <a:bodyPr/>
+                    <a:lstStyle/>
+                    <a:p>
+                      <a:pPr algn="just">
+                        <a:lnSpc>
+                          <a:spcPct val="115000"/>
+                        </a:lnSpc>
+                        <a:spcAft>
+                          <a:spcPts val="1000"/>
+                        </a:spcAft>
+                      </a:pPr>
+                      <a:r>
+                        <a:rPr lang="ru-RU" sz="1000">
+                          <a:effectLst/>
+                        </a:rPr>
+                        <a:t>+</a:t>
+                      </a:r>
+                      <a:endParaRPr lang="ru-RU" sz="1100">
+                        <a:effectLst/>
+                        <a:latin typeface="Calibri" panose="020F0502020204030204" pitchFamily="34" charset="0"/>
+                        <a:ea typeface="Calibri" panose="020F0502020204030204" pitchFamily="34" charset="0"/>
+                        <a:cs typeface="Times New Roman" panose="02020603050405020304" pitchFamily="18" charset="0"/>
+                      </a:endParaRPr>
+                    </a:p>
+                  </a:txBody>
+                  <a:tcPr marL="68580" marR="68580" marT="0" marB="0"/>
+                </a:tc>
+                <a:tc>
+                  <a:txBody>
+                    <a:bodyPr/>
+                    <a:lstStyle/>
+                    <a:p>
+                      <a:pPr algn="just">
+                        <a:lnSpc>
+                          <a:spcPct val="115000"/>
+                        </a:lnSpc>
+                        <a:spcAft>
+                          <a:spcPts val="1000"/>
+                        </a:spcAft>
+                      </a:pPr>
+                      <a:r>
+                        <a:rPr lang="ru-RU" sz="1000">
+                          <a:effectLst/>
+                        </a:rPr>
+                        <a:t> </a:t>
+                      </a:r>
+                      <a:endParaRPr lang="ru-RU" sz="1100">
+                        <a:effectLst/>
+                        <a:latin typeface="Calibri" panose="020F0502020204030204" pitchFamily="34" charset="0"/>
+                        <a:ea typeface="Calibri" panose="020F0502020204030204" pitchFamily="34" charset="0"/>
+                        <a:cs typeface="Times New Roman" panose="02020603050405020304" pitchFamily="18" charset="0"/>
+                      </a:endParaRPr>
+                    </a:p>
+                  </a:txBody>
+                  <a:tcPr marL="68580" marR="68580" marT="0" marB="0"/>
+                </a:tc>
+                <a:tc>
+                  <a:txBody>
+                    <a:bodyPr/>
+                    <a:lstStyle/>
+                    <a:p>
+                      <a:pPr algn="just">
+                        <a:lnSpc>
+                          <a:spcPct val="115000"/>
+                        </a:lnSpc>
+                        <a:spcAft>
+                          <a:spcPts val="1000"/>
+                        </a:spcAft>
+                      </a:pPr>
+                      <a:r>
+                        <a:rPr lang="ru-RU" sz="1000">
+                          <a:effectLst/>
+                        </a:rPr>
+                        <a:t> </a:t>
+                      </a:r>
+                      <a:endParaRPr lang="ru-RU" sz="1100">
+                        <a:effectLst/>
+                        <a:latin typeface="Calibri" panose="020F0502020204030204" pitchFamily="34" charset="0"/>
+                        <a:ea typeface="Calibri" panose="020F0502020204030204" pitchFamily="34" charset="0"/>
+                        <a:cs typeface="Times New Roman" panose="02020603050405020304" pitchFamily="18" charset="0"/>
+                      </a:endParaRPr>
+                    </a:p>
+                  </a:txBody>
+                  <a:tcPr marL="68580" marR="68580" marT="0" marB="0"/>
+                </a:tc>
+                <a:tc>
+                  <a:txBody>
+                    <a:bodyPr/>
+                    <a:lstStyle/>
+                    <a:p>
+                      <a:pPr algn="just">
+                        <a:lnSpc>
+                          <a:spcPct val="115000"/>
+                        </a:lnSpc>
+                        <a:spcAft>
+                          <a:spcPts val="1000"/>
+                        </a:spcAft>
+                      </a:pPr>
+                      <a:r>
+                        <a:rPr lang="ru-RU" sz="1000" dirty="0">
+                          <a:effectLst/>
+                        </a:rPr>
+                        <a:t> </a:t>
+                      </a:r>
+                      <a:endParaRPr lang="ru-RU" sz="1100" dirty="0">
+                        <a:effectLst/>
+                        <a:latin typeface="Calibri" panose="020F0502020204030204" pitchFamily="34" charset="0"/>
+                        <a:ea typeface="Calibri" panose="020F0502020204030204" pitchFamily="34" charset="0"/>
+                        <a:cs typeface="Times New Roman" panose="02020603050405020304" pitchFamily="18" charset="0"/>
+                      </a:endParaRPr>
+                    </a:p>
+                  </a:txBody>
+                  <a:tcPr marL="68580" marR="68580" marT="0" marB="0"/>
+                </a:tc>
+                <a:tc>
+                  <a:txBody>
+                    <a:bodyPr/>
+                    <a:lstStyle/>
+                    <a:p>
+                      <a:pPr algn="just">
+                        <a:lnSpc>
+                          <a:spcPct val="115000"/>
+                        </a:lnSpc>
+                        <a:spcAft>
+                          <a:spcPts val="1000"/>
+                        </a:spcAft>
+                      </a:pPr>
+                      <a:r>
+                        <a:rPr lang="ru-RU" sz="1000">
+                          <a:effectLst/>
+                        </a:rPr>
+                        <a:t> </a:t>
+                      </a:r>
+                      <a:endParaRPr lang="ru-RU" sz="1100">
+                        <a:effectLst/>
+                        <a:latin typeface="Calibri" panose="020F0502020204030204" pitchFamily="34" charset="0"/>
+                        <a:ea typeface="Calibri" panose="020F0502020204030204" pitchFamily="34" charset="0"/>
+                        <a:cs typeface="Times New Roman" panose="02020603050405020304" pitchFamily="18" charset="0"/>
+                      </a:endParaRPr>
+                    </a:p>
+                  </a:txBody>
+                  <a:tcPr marL="68580" marR="68580" marT="0" marB="0"/>
+                </a:tc>
+                <a:tc>
+                  <a:txBody>
+                    <a:bodyPr/>
+                    <a:lstStyle/>
+                    <a:p>
+                      <a:pPr algn="just">
+                        <a:lnSpc>
+                          <a:spcPct val="115000"/>
+                        </a:lnSpc>
+                        <a:spcAft>
+                          <a:spcPts val="1000"/>
+                        </a:spcAft>
+                      </a:pPr>
+                      <a:r>
+                        <a:rPr lang="ru-RU" sz="1000">
+                          <a:effectLst/>
+                        </a:rPr>
+                        <a:t> </a:t>
+                      </a:r>
+                      <a:endParaRPr lang="ru-RU" sz="1100">
+                        <a:effectLst/>
+                        <a:latin typeface="Calibri" panose="020F0502020204030204" pitchFamily="34" charset="0"/>
+                        <a:ea typeface="Calibri" panose="020F0502020204030204" pitchFamily="34" charset="0"/>
+                        <a:cs typeface="Times New Roman" panose="02020603050405020304" pitchFamily="18" charset="0"/>
+                      </a:endParaRPr>
+                    </a:p>
+                  </a:txBody>
+                  <a:tcPr marL="68580" marR="68580" marT="0" marB="0"/>
+                </a:tc>
+                <a:tc>
+                  <a:txBody>
+                    <a:bodyPr/>
+                    <a:lstStyle/>
+                    <a:p>
+                      <a:pPr algn="just">
+                        <a:lnSpc>
+                          <a:spcPct val="115000"/>
+                        </a:lnSpc>
+                        <a:spcAft>
+                          <a:spcPts val="1000"/>
+                        </a:spcAft>
+                      </a:pPr>
+                      <a:r>
+                        <a:rPr lang="ru-RU" sz="1000">
+                          <a:effectLst/>
+                        </a:rPr>
+                        <a:t>1</a:t>
+                      </a:r>
+                      <a:endParaRPr lang="ru-RU" sz="1100">
+                        <a:effectLst/>
+                        <a:latin typeface="Calibri" panose="020F0502020204030204" pitchFamily="34" charset="0"/>
+                        <a:ea typeface="Calibri" panose="020F0502020204030204" pitchFamily="34" charset="0"/>
+                        <a:cs typeface="Times New Roman" panose="02020603050405020304" pitchFamily="18" charset="0"/>
+                      </a:endParaRPr>
+                    </a:p>
+                  </a:txBody>
+                  <a:tcPr marL="68580" marR="68580" marT="0" marB="0"/>
+                </a:tc>
+                <a:extLst>
+                  <a:ext uri="{0D108BD9-81ED-4DB2-BD59-A6C34878D82A}">
+                    <a16:rowId xmlns:a16="http://schemas.microsoft.com/office/drawing/2014/main" val="3127175397"/>
+                  </a:ext>
+                </a:extLst>
+              </a:tr>
+              <a:tr h="651264">
+                <a:tc>
+                  <a:txBody>
+                    <a:bodyPr/>
+                    <a:lstStyle/>
+                    <a:p>
+                      <a:pPr algn="just">
+                        <a:lnSpc>
+                          <a:spcPct val="115000"/>
+                        </a:lnSpc>
+                        <a:spcAft>
+                          <a:spcPts val="1000"/>
+                        </a:spcAft>
+                      </a:pPr>
+                      <a:r>
+                        <a:rPr lang="ru-RU" sz="1000">
+                          <a:effectLst/>
+                        </a:rPr>
+                        <a:t>Сортировка списка сотрудников</a:t>
+                      </a:r>
+                      <a:endParaRPr lang="ru-RU" sz="1100">
+                        <a:effectLst/>
+                        <a:latin typeface="Calibri" panose="020F0502020204030204" pitchFamily="34" charset="0"/>
+                        <a:ea typeface="Calibri" panose="020F0502020204030204" pitchFamily="34" charset="0"/>
+                        <a:cs typeface="Times New Roman" panose="02020603050405020304" pitchFamily="18" charset="0"/>
+                      </a:endParaRPr>
+                    </a:p>
+                  </a:txBody>
+                  <a:tcPr marL="68580" marR="68580" marT="0" marB="0"/>
+                </a:tc>
+                <a:tc>
+                  <a:txBody>
+                    <a:bodyPr/>
+                    <a:lstStyle/>
+                    <a:p>
+                      <a:pPr algn="just">
+                        <a:lnSpc>
+                          <a:spcPct val="115000"/>
+                        </a:lnSpc>
+                        <a:spcAft>
+                          <a:spcPts val="1000"/>
+                        </a:spcAft>
+                      </a:pPr>
+                      <a:r>
+                        <a:rPr lang="ru-RU" sz="1000">
+                          <a:effectLst/>
+                        </a:rPr>
+                        <a:t> </a:t>
+                      </a:r>
+                      <a:endParaRPr lang="ru-RU" sz="1100">
+                        <a:effectLst/>
+                        <a:latin typeface="Calibri" panose="020F0502020204030204" pitchFamily="34" charset="0"/>
+                        <a:ea typeface="Calibri" panose="020F0502020204030204" pitchFamily="34" charset="0"/>
+                        <a:cs typeface="Times New Roman" panose="02020603050405020304" pitchFamily="18" charset="0"/>
+                      </a:endParaRPr>
+                    </a:p>
+                  </a:txBody>
+                  <a:tcPr marL="68580" marR="68580" marT="0" marB="0"/>
+                </a:tc>
+                <a:tc>
+                  <a:txBody>
+                    <a:bodyPr/>
+                    <a:lstStyle/>
+                    <a:p>
+                      <a:pPr algn="just">
+                        <a:lnSpc>
+                          <a:spcPct val="115000"/>
+                        </a:lnSpc>
+                        <a:spcAft>
+                          <a:spcPts val="1000"/>
+                        </a:spcAft>
+                      </a:pPr>
+                      <a:r>
+                        <a:rPr lang="ru-RU" sz="1000">
+                          <a:effectLst/>
+                        </a:rPr>
+                        <a:t>+</a:t>
+                      </a:r>
+                      <a:endParaRPr lang="ru-RU" sz="1100">
+                        <a:effectLst/>
+                        <a:latin typeface="Calibri" panose="020F0502020204030204" pitchFamily="34" charset="0"/>
+                        <a:ea typeface="Calibri" panose="020F0502020204030204" pitchFamily="34" charset="0"/>
+                        <a:cs typeface="Times New Roman" panose="02020603050405020304" pitchFamily="18" charset="0"/>
+                      </a:endParaRPr>
+                    </a:p>
+                  </a:txBody>
+                  <a:tcPr marL="68580" marR="68580" marT="0" marB="0"/>
+                </a:tc>
+                <a:tc>
+                  <a:txBody>
+                    <a:bodyPr/>
+                    <a:lstStyle/>
+                    <a:p>
+                      <a:pPr algn="just">
+                        <a:lnSpc>
+                          <a:spcPct val="115000"/>
+                        </a:lnSpc>
+                        <a:spcAft>
+                          <a:spcPts val="1000"/>
+                        </a:spcAft>
+                      </a:pPr>
+                      <a:r>
+                        <a:rPr lang="ru-RU" sz="1000">
+                          <a:effectLst/>
+                        </a:rPr>
+                        <a:t> </a:t>
+                      </a:r>
+                      <a:endParaRPr lang="ru-RU" sz="1100">
+                        <a:effectLst/>
+                        <a:latin typeface="Calibri" panose="020F0502020204030204" pitchFamily="34" charset="0"/>
+                        <a:ea typeface="Calibri" panose="020F0502020204030204" pitchFamily="34" charset="0"/>
+                        <a:cs typeface="Times New Roman" panose="02020603050405020304" pitchFamily="18" charset="0"/>
+                      </a:endParaRPr>
+                    </a:p>
+                  </a:txBody>
+                  <a:tcPr marL="68580" marR="68580" marT="0" marB="0"/>
+                </a:tc>
+                <a:tc>
+                  <a:txBody>
+                    <a:bodyPr/>
+                    <a:lstStyle/>
+                    <a:p>
+                      <a:pPr algn="just">
+                        <a:lnSpc>
+                          <a:spcPct val="115000"/>
+                        </a:lnSpc>
+                        <a:spcAft>
+                          <a:spcPts val="1000"/>
+                        </a:spcAft>
+                      </a:pPr>
+                      <a:r>
+                        <a:rPr lang="ru-RU" sz="1000">
+                          <a:effectLst/>
+                        </a:rPr>
+                        <a:t> </a:t>
+                      </a:r>
+                      <a:endParaRPr lang="ru-RU" sz="1100">
+                        <a:effectLst/>
+                        <a:latin typeface="Calibri" panose="020F0502020204030204" pitchFamily="34" charset="0"/>
+                        <a:ea typeface="Calibri" panose="020F0502020204030204" pitchFamily="34" charset="0"/>
+                        <a:cs typeface="Times New Roman" panose="02020603050405020304" pitchFamily="18" charset="0"/>
+                      </a:endParaRPr>
+                    </a:p>
+                  </a:txBody>
+                  <a:tcPr marL="68580" marR="68580" marT="0" marB="0"/>
+                </a:tc>
+                <a:tc>
+                  <a:txBody>
+                    <a:bodyPr/>
+                    <a:lstStyle/>
+                    <a:p>
+                      <a:pPr algn="just">
+                        <a:lnSpc>
+                          <a:spcPct val="115000"/>
+                        </a:lnSpc>
+                        <a:spcAft>
+                          <a:spcPts val="1000"/>
+                        </a:spcAft>
+                      </a:pPr>
+                      <a:r>
+                        <a:rPr lang="ru-RU" sz="1000">
+                          <a:effectLst/>
+                        </a:rPr>
+                        <a:t> </a:t>
+                      </a:r>
+                      <a:endParaRPr lang="ru-RU" sz="1100">
+                        <a:effectLst/>
+                        <a:latin typeface="Calibri" panose="020F0502020204030204" pitchFamily="34" charset="0"/>
+                        <a:ea typeface="Calibri" panose="020F0502020204030204" pitchFamily="34" charset="0"/>
+                        <a:cs typeface="Times New Roman" panose="02020603050405020304" pitchFamily="18" charset="0"/>
+                      </a:endParaRPr>
+                    </a:p>
+                  </a:txBody>
+                  <a:tcPr marL="68580" marR="68580" marT="0" marB="0"/>
+                </a:tc>
+                <a:tc>
+                  <a:txBody>
+                    <a:bodyPr/>
+                    <a:lstStyle/>
+                    <a:p>
+                      <a:pPr algn="just">
+                        <a:lnSpc>
+                          <a:spcPct val="115000"/>
+                        </a:lnSpc>
+                        <a:spcAft>
+                          <a:spcPts val="1000"/>
+                        </a:spcAft>
+                      </a:pPr>
+                      <a:r>
+                        <a:rPr lang="ru-RU" sz="1000">
+                          <a:effectLst/>
+                        </a:rPr>
+                        <a:t> </a:t>
+                      </a:r>
+                      <a:endParaRPr lang="ru-RU" sz="1100">
+                        <a:effectLst/>
+                        <a:latin typeface="Calibri" panose="020F0502020204030204" pitchFamily="34" charset="0"/>
+                        <a:ea typeface="Calibri" panose="020F0502020204030204" pitchFamily="34" charset="0"/>
+                        <a:cs typeface="Times New Roman" panose="02020603050405020304" pitchFamily="18" charset="0"/>
+                      </a:endParaRPr>
+                    </a:p>
+                  </a:txBody>
+                  <a:tcPr marL="68580" marR="68580" marT="0" marB="0"/>
+                </a:tc>
+                <a:tc>
+                  <a:txBody>
+                    <a:bodyPr/>
+                    <a:lstStyle/>
+                    <a:p>
+                      <a:pPr algn="just">
+                        <a:lnSpc>
+                          <a:spcPct val="115000"/>
+                        </a:lnSpc>
+                        <a:spcAft>
+                          <a:spcPts val="1000"/>
+                        </a:spcAft>
+                      </a:pPr>
+                      <a:r>
+                        <a:rPr lang="ru-RU" sz="1000">
+                          <a:effectLst/>
+                        </a:rPr>
+                        <a:t>1</a:t>
+                      </a:r>
+                      <a:endParaRPr lang="ru-RU" sz="1100">
+                        <a:effectLst/>
+                        <a:latin typeface="Calibri" panose="020F0502020204030204" pitchFamily="34" charset="0"/>
+                        <a:ea typeface="Calibri" panose="020F0502020204030204" pitchFamily="34" charset="0"/>
+                        <a:cs typeface="Times New Roman" panose="02020603050405020304" pitchFamily="18" charset="0"/>
+                      </a:endParaRPr>
+                    </a:p>
+                  </a:txBody>
+                  <a:tcPr marL="68580" marR="68580" marT="0" marB="0"/>
+                </a:tc>
+                <a:extLst>
+                  <a:ext uri="{0D108BD9-81ED-4DB2-BD59-A6C34878D82A}">
+                    <a16:rowId xmlns:a16="http://schemas.microsoft.com/office/drawing/2014/main" val="1185248298"/>
+                  </a:ext>
+                </a:extLst>
+              </a:tr>
+              <a:tr h="429846">
+                <a:tc>
+                  <a:txBody>
+                    <a:bodyPr/>
+                    <a:lstStyle/>
+                    <a:p>
+                      <a:pPr algn="just">
+                        <a:lnSpc>
+                          <a:spcPct val="115000"/>
+                        </a:lnSpc>
+                        <a:spcAft>
+                          <a:spcPts val="1000"/>
+                        </a:spcAft>
+                      </a:pPr>
+                      <a:r>
+                        <a:rPr lang="ru-RU" sz="1000">
+                          <a:effectLst/>
+                        </a:rPr>
+                        <a:t>Валидация поля "ФИО"</a:t>
+                      </a:r>
+                      <a:endParaRPr lang="ru-RU" sz="1100">
+                        <a:effectLst/>
+                        <a:latin typeface="Calibri" panose="020F0502020204030204" pitchFamily="34" charset="0"/>
+                        <a:ea typeface="Calibri" panose="020F0502020204030204" pitchFamily="34" charset="0"/>
+                        <a:cs typeface="Times New Roman" panose="02020603050405020304" pitchFamily="18" charset="0"/>
+                      </a:endParaRPr>
+                    </a:p>
+                  </a:txBody>
+                  <a:tcPr marL="68580" marR="68580" marT="0" marB="0"/>
+                </a:tc>
+                <a:tc>
+                  <a:txBody>
+                    <a:bodyPr/>
+                    <a:lstStyle/>
+                    <a:p>
+                      <a:pPr algn="just">
+                        <a:lnSpc>
+                          <a:spcPct val="115000"/>
+                        </a:lnSpc>
+                        <a:spcAft>
+                          <a:spcPts val="1000"/>
+                        </a:spcAft>
+                      </a:pPr>
+                      <a:r>
+                        <a:rPr lang="ru-RU" sz="1000">
+                          <a:effectLst/>
+                        </a:rPr>
+                        <a:t> </a:t>
+                      </a:r>
+                      <a:endParaRPr lang="ru-RU" sz="1100">
+                        <a:effectLst/>
+                        <a:latin typeface="Calibri" panose="020F0502020204030204" pitchFamily="34" charset="0"/>
+                        <a:ea typeface="Calibri" panose="020F0502020204030204" pitchFamily="34" charset="0"/>
+                        <a:cs typeface="Times New Roman" panose="02020603050405020304" pitchFamily="18" charset="0"/>
+                      </a:endParaRPr>
+                    </a:p>
+                  </a:txBody>
+                  <a:tcPr marL="68580" marR="68580" marT="0" marB="0"/>
+                </a:tc>
+                <a:tc>
+                  <a:txBody>
+                    <a:bodyPr/>
+                    <a:lstStyle/>
+                    <a:p>
+                      <a:pPr algn="just">
+                        <a:lnSpc>
+                          <a:spcPct val="115000"/>
+                        </a:lnSpc>
+                        <a:spcAft>
+                          <a:spcPts val="1000"/>
+                        </a:spcAft>
+                      </a:pPr>
+                      <a:r>
+                        <a:rPr lang="ru-RU" sz="1000">
+                          <a:effectLst/>
+                        </a:rPr>
+                        <a:t> </a:t>
+                      </a:r>
+                      <a:endParaRPr lang="ru-RU" sz="1100">
+                        <a:effectLst/>
+                        <a:latin typeface="Calibri" panose="020F0502020204030204" pitchFamily="34" charset="0"/>
+                        <a:ea typeface="Calibri" panose="020F0502020204030204" pitchFamily="34" charset="0"/>
+                        <a:cs typeface="Times New Roman" panose="02020603050405020304" pitchFamily="18" charset="0"/>
+                      </a:endParaRPr>
+                    </a:p>
+                  </a:txBody>
+                  <a:tcPr marL="68580" marR="68580" marT="0" marB="0"/>
+                </a:tc>
+                <a:tc>
+                  <a:txBody>
+                    <a:bodyPr/>
+                    <a:lstStyle/>
+                    <a:p>
+                      <a:pPr algn="just">
+                        <a:lnSpc>
+                          <a:spcPct val="115000"/>
+                        </a:lnSpc>
+                        <a:spcAft>
+                          <a:spcPts val="1000"/>
+                        </a:spcAft>
+                      </a:pPr>
+                      <a:r>
+                        <a:rPr lang="ru-RU" sz="1000">
+                          <a:effectLst/>
+                        </a:rPr>
+                        <a:t>+</a:t>
+                      </a:r>
+                      <a:endParaRPr lang="ru-RU" sz="1100">
+                        <a:effectLst/>
+                        <a:latin typeface="Calibri" panose="020F0502020204030204" pitchFamily="34" charset="0"/>
+                        <a:ea typeface="Calibri" panose="020F0502020204030204" pitchFamily="34" charset="0"/>
+                        <a:cs typeface="Times New Roman" panose="02020603050405020304" pitchFamily="18" charset="0"/>
+                      </a:endParaRPr>
+                    </a:p>
+                  </a:txBody>
+                  <a:tcPr marL="68580" marR="68580" marT="0" marB="0"/>
+                </a:tc>
+                <a:tc>
+                  <a:txBody>
+                    <a:bodyPr/>
+                    <a:lstStyle/>
+                    <a:p>
+                      <a:pPr algn="just">
+                        <a:lnSpc>
+                          <a:spcPct val="115000"/>
+                        </a:lnSpc>
+                        <a:spcAft>
+                          <a:spcPts val="1000"/>
+                        </a:spcAft>
+                      </a:pPr>
+                      <a:r>
+                        <a:rPr lang="ru-RU" sz="1000">
+                          <a:effectLst/>
+                        </a:rPr>
+                        <a:t> </a:t>
+                      </a:r>
+                      <a:endParaRPr lang="ru-RU" sz="1100">
+                        <a:effectLst/>
+                        <a:latin typeface="Calibri" panose="020F0502020204030204" pitchFamily="34" charset="0"/>
+                        <a:ea typeface="Calibri" panose="020F0502020204030204" pitchFamily="34" charset="0"/>
+                        <a:cs typeface="Times New Roman" panose="02020603050405020304" pitchFamily="18" charset="0"/>
+                      </a:endParaRPr>
+                    </a:p>
+                  </a:txBody>
+                  <a:tcPr marL="68580" marR="68580" marT="0" marB="0"/>
+                </a:tc>
+                <a:tc>
+                  <a:txBody>
+                    <a:bodyPr/>
+                    <a:lstStyle/>
+                    <a:p>
+                      <a:pPr algn="just">
+                        <a:lnSpc>
+                          <a:spcPct val="115000"/>
+                        </a:lnSpc>
+                        <a:spcAft>
+                          <a:spcPts val="1000"/>
+                        </a:spcAft>
+                      </a:pPr>
+                      <a:r>
+                        <a:rPr lang="ru-RU" sz="1000">
+                          <a:effectLst/>
+                        </a:rPr>
+                        <a:t> </a:t>
+                      </a:r>
+                      <a:endParaRPr lang="ru-RU" sz="1100">
+                        <a:effectLst/>
+                        <a:latin typeface="Calibri" panose="020F0502020204030204" pitchFamily="34" charset="0"/>
+                        <a:ea typeface="Calibri" panose="020F0502020204030204" pitchFamily="34" charset="0"/>
+                        <a:cs typeface="Times New Roman" panose="02020603050405020304" pitchFamily="18" charset="0"/>
+                      </a:endParaRPr>
+                    </a:p>
+                  </a:txBody>
+                  <a:tcPr marL="68580" marR="68580" marT="0" marB="0"/>
+                </a:tc>
+                <a:tc>
+                  <a:txBody>
+                    <a:bodyPr/>
+                    <a:lstStyle/>
+                    <a:p>
+                      <a:pPr algn="just">
+                        <a:lnSpc>
+                          <a:spcPct val="115000"/>
+                        </a:lnSpc>
+                        <a:spcAft>
+                          <a:spcPts val="1000"/>
+                        </a:spcAft>
+                      </a:pPr>
+                      <a:r>
+                        <a:rPr lang="ru-RU" sz="1000">
+                          <a:effectLst/>
+                        </a:rPr>
+                        <a:t> </a:t>
+                      </a:r>
+                      <a:endParaRPr lang="ru-RU" sz="1100">
+                        <a:effectLst/>
+                        <a:latin typeface="Calibri" panose="020F0502020204030204" pitchFamily="34" charset="0"/>
+                        <a:ea typeface="Calibri" panose="020F0502020204030204" pitchFamily="34" charset="0"/>
+                        <a:cs typeface="Times New Roman" panose="02020603050405020304" pitchFamily="18" charset="0"/>
+                      </a:endParaRPr>
+                    </a:p>
+                  </a:txBody>
+                  <a:tcPr marL="68580" marR="68580" marT="0" marB="0"/>
+                </a:tc>
+                <a:tc>
+                  <a:txBody>
+                    <a:bodyPr/>
+                    <a:lstStyle/>
+                    <a:p>
+                      <a:pPr algn="just">
+                        <a:lnSpc>
+                          <a:spcPct val="115000"/>
+                        </a:lnSpc>
+                        <a:spcAft>
+                          <a:spcPts val="1000"/>
+                        </a:spcAft>
+                      </a:pPr>
+                      <a:r>
+                        <a:rPr lang="ru-RU" sz="1000">
+                          <a:effectLst/>
+                        </a:rPr>
+                        <a:t>1</a:t>
+                      </a:r>
+                      <a:endParaRPr lang="ru-RU" sz="1100">
+                        <a:effectLst/>
+                        <a:latin typeface="Calibri" panose="020F0502020204030204" pitchFamily="34" charset="0"/>
+                        <a:ea typeface="Calibri" panose="020F0502020204030204" pitchFamily="34" charset="0"/>
+                        <a:cs typeface="Times New Roman" panose="02020603050405020304" pitchFamily="18" charset="0"/>
+                      </a:endParaRPr>
+                    </a:p>
+                  </a:txBody>
+                  <a:tcPr marL="68580" marR="68580" marT="0" marB="0"/>
+                </a:tc>
+                <a:extLst>
+                  <a:ext uri="{0D108BD9-81ED-4DB2-BD59-A6C34878D82A}">
+                    <a16:rowId xmlns:a16="http://schemas.microsoft.com/office/drawing/2014/main" val="3988746008"/>
+                  </a:ext>
+                </a:extLst>
+              </a:tr>
+              <a:tr h="429846">
+                <a:tc>
+                  <a:txBody>
+                    <a:bodyPr/>
+                    <a:lstStyle/>
+                    <a:p>
+                      <a:pPr algn="just">
+                        <a:lnSpc>
+                          <a:spcPct val="115000"/>
+                        </a:lnSpc>
+                        <a:spcAft>
+                          <a:spcPts val="1000"/>
+                        </a:spcAft>
+                      </a:pPr>
+                      <a:r>
+                        <a:rPr lang="ru-RU" sz="1000">
+                          <a:effectLst/>
+                        </a:rPr>
+                        <a:t>Автоназначение заявок</a:t>
+                      </a:r>
+                      <a:endParaRPr lang="ru-RU" sz="1100">
+                        <a:effectLst/>
+                        <a:latin typeface="Calibri" panose="020F0502020204030204" pitchFamily="34" charset="0"/>
+                        <a:ea typeface="Calibri" panose="020F0502020204030204" pitchFamily="34" charset="0"/>
+                        <a:cs typeface="Times New Roman" panose="02020603050405020304" pitchFamily="18" charset="0"/>
+                      </a:endParaRPr>
+                    </a:p>
+                  </a:txBody>
+                  <a:tcPr marL="68580" marR="68580" marT="0" marB="0"/>
+                </a:tc>
+                <a:tc>
+                  <a:txBody>
+                    <a:bodyPr/>
+                    <a:lstStyle/>
+                    <a:p>
+                      <a:pPr algn="just">
+                        <a:lnSpc>
+                          <a:spcPct val="115000"/>
+                        </a:lnSpc>
+                        <a:spcAft>
+                          <a:spcPts val="1000"/>
+                        </a:spcAft>
+                      </a:pPr>
+                      <a:r>
+                        <a:rPr lang="ru-RU" sz="1000">
+                          <a:effectLst/>
+                        </a:rPr>
+                        <a:t> </a:t>
+                      </a:r>
+                      <a:endParaRPr lang="ru-RU" sz="1100">
+                        <a:effectLst/>
+                        <a:latin typeface="Calibri" panose="020F0502020204030204" pitchFamily="34" charset="0"/>
+                        <a:ea typeface="Calibri" panose="020F0502020204030204" pitchFamily="34" charset="0"/>
+                        <a:cs typeface="Times New Roman" panose="02020603050405020304" pitchFamily="18" charset="0"/>
+                      </a:endParaRPr>
+                    </a:p>
+                  </a:txBody>
+                  <a:tcPr marL="68580" marR="68580" marT="0" marB="0"/>
+                </a:tc>
+                <a:tc>
+                  <a:txBody>
+                    <a:bodyPr/>
+                    <a:lstStyle/>
+                    <a:p>
+                      <a:pPr algn="just">
+                        <a:lnSpc>
+                          <a:spcPct val="115000"/>
+                        </a:lnSpc>
+                        <a:spcAft>
+                          <a:spcPts val="1000"/>
+                        </a:spcAft>
+                      </a:pPr>
+                      <a:r>
+                        <a:rPr lang="ru-RU" sz="1000">
+                          <a:effectLst/>
+                        </a:rPr>
+                        <a:t> </a:t>
+                      </a:r>
+                      <a:endParaRPr lang="ru-RU" sz="1100">
+                        <a:effectLst/>
+                        <a:latin typeface="Calibri" panose="020F0502020204030204" pitchFamily="34" charset="0"/>
+                        <a:ea typeface="Calibri" panose="020F0502020204030204" pitchFamily="34" charset="0"/>
+                        <a:cs typeface="Times New Roman" panose="02020603050405020304" pitchFamily="18" charset="0"/>
+                      </a:endParaRPr>
+                    </a:p>
+                  </a:txBody>
+                  <a:tcPr marL="68580" marR="68580" marT="0" marB="0"/>
+                </a:tc>
+                <a:tc>
+                  <a:txBody>
+                    <a:bodyPr/>
+                    <a:lstStyle/>
+                    <a:p>
+                      <a:pPr algn="just">
+                        <a:lnSpc>
+                          <a:spcPct val="115000"/>
+                        </a:lnSpc>
+                        <a:spcAft>
+                          <a:spcPts val="1000"/>
+                        </a:spcAft>
+                      </a:pPr>
+                      <a:r>
+                        <a:rPr lang="ru-RU" sz="1000">
+                          <a:effectLst/>
+                        </a:rPr>
+                        <a:t> </a:t>
+                      </a:r>
+                      <a:endParaRPr lang="ru-RU" sz="1100">
+                        <a:effectLst/>
+                        <a:latin typeface="Calibri" panose="020F0502020204030204" pitchFamily="34" charset="0"/>
+                        <a:ea typeface="Calibri" panose="020F0502020204030204" pitchFamily="34" charset="0"/>
+                        <a:cs typeface="Times New Roman" panose="02020603050405020304" pitchFamily="18" charset="0"/>
+                      </a:endParaRPr>
+                    </a:p>
+                  </a:txBody>
+                  <a:tcPr marL="68580" marR="68580" marT="0" marB="0"/>
+                </a:tc>
+                <a:tc>
+                  <a:txBody>
+                    <a:bodyPr/>
+                    <a:lstStyle/>
+                    <a:p>
+                      <a:pPr algn="just">
+                        <a:lnSpc>
+                          <a:spcPct val="115000"/>
+                        </a:lnSpc>
+                        <a:spcAft>
+                          <a:spcPts val="1000"/>
+                        </a:spcAft>
+                      </a:pPr>
+                      <a:r>
+                        <a:rPr lang="ru-RU" sz="1000" dirty="0">
+                          <a:effectLst/>
+                        </a:rPr>
+                        <a:t>+</a:t>
+                      </a:r>
+                      <a:endParaRPr lang="ru-RU" sz="1100" dirty="0">
+                        <a:effectLst/>
+                        <a:latin typeface="Calibri" panose="020F0502020204030204" pitchFamily="34" charset="0"/>
+                        <a:ea typeface="Calibri" panose="020F0502020204030204" pitchFamily="34" charset="0"/>
+                        <a:cs typeface="Times New Roman" panose="02020603050405020304" pitchFamily="18" charset="0"/>
+                      </a:endParaRPr>
+                    </a:p>
+                  </a:txBody>
+                  <a:tcPr marL="68580" marR="68580" marT="0" marB="0"/>
+                </a:tc>
+                <a:tc>
+                  <a:txBody>
+                    <a:bodyPr/>
+                    <a:lstStyle/>
+                    <a:p>
+                      <a:pPr algn="just">
+                        <a:lnSpc>
+                          <a:spcPct val="115000"/>
+                        </a:lnSpc>
+                        <a:spcAft>
+                          <a:spcPts val="1000"/>
+                        </a:spcAft>
+                      </a:pPr>
+                      <a:r>
+                        <a:rPr lang="ru-RU" sz="1000">
+                          <a:effectLst/>
+                        </a:rPr>
+                        <a:t> </a:t>
+                      </a:r>
+                      <a:endParaRPr lang="ru-RU" sz="1100">
+                        <a:effectLst/>
+                        <a:latin typeface="Calibri" panose="020F0502020204030204" pitchFamily="34" charset="0"/>
+                        <a:ea typeface="Calibri" panose="020F0502020204030204" pitchFamily="34" charset="0"/>
+                        <a:cs typeface="Times New Roman" panose="02020603050405020304" pitchFamily="18" charset="0"/>
+                      </a:endParaRPr>
+                    </a:p>
+                  </a:txBody>
+                  <a:tcPr marL="68580" marR="68580" marT="0" marB="0"/>
+                </a:tc>
+                <a:tc>
+                  <a:txBody>
+                    <a:bodyPr/>
+                    <a:lstStyle/>
+                    <a:p>
+                      <a:pPr algn="just">
+                        <a:lnSpc>
+                          <a:spcPct val="115000"/>
+                        </a:lnSpc>
+                        <a:spcAft>
+                          <a:spcPts val="1000"/>
+                        </a:spcAft>
+                      </a:pPr>
+                      <a:r>
+                        <a:rPr lang="ru-RU" sz="1000">
+                          <a:effectLst/>
+                        </a:rPr>
+                        <a:t> </a:t>
+                      </a:r>
+                      <a:endParaRPr lang="ru-RU" sz="1100">
+                        <a:effectLst/>
+                        <a:latin typeface="Calibri" panose="020F0502020204030204" pitchFamily="34" charset="0"/>
+                        <a:ea typeface="Calibri" panose="020F0502020204030204" pitchFamily="34" charset="0"/>
+                        <a:cs typeface="Times New Roman" panose="02020603050405020304" pitchFamily="18" charset="0"/>
+                      </a:endParaRPr>
+                    </a:p>
+                  </a:txBody>
+                  <a:tcPr marL="68580" marR="68580" marT="0" marB="0"/>
+                </a:tc>
+                <a:tc>
+                  <a:txBody>
+                    <a:bodyPr/>
+                    <a:lstStyle/>
+                    <a:p>
+                      <a:pPr algn="just">
+                        <a:lnSpc>
+                          <a:spcPct val="115000"/>
+                        </a:lnSpc>
+                        <a:spcAft>
+                          <a:spcPts val="1000"/>
+                        </a:spcAft>
+                      </a:pPr>
+                      <a:r>
+                        <a:rPr lang="ru-RU" sz="1000">
+                          <a:effectLst/>
+                        </a:rPr>
+                        <a:t>1</a:t>
+                      </a:r>
+                      <a:endParaRPr lang="ru-RU" sz="1100">
+                        <a:effectLst/>
+                        <a:latin typeface="Calibri" panose="020F0502020204030204" pitchFamily="34" charset="0"/>
+                        <a:ea typeface="Calibri" panose="020F0502020204030204" pitchFamily="34" charset="0"/>
+                        <a:cs typeface="Times New Roman" panose="02020603050405020304" pitchFamily="18" charset="0"/>
+                      </a:endParaRPr>
+                    </a:p>
+                  </a:txBody>
+                  <a:tcPr marL="68580" marR="68580" marT="0" marB="0"/>
+                </a:tc>
+                <a:extLst>
+                  <a:ext uri="{0D108BD9-81ED-4DB2-BD59-A6C34878D82A}">
+                    <a16:rowId xmlns:a16="http://schemas.microsoft.com/office/drawing/2014/main" val="506950960"/>
+                  </a:ext>
+                </a:extLst>
+              </a:tr>
+              <a:tr h="651264">
+                <a:tc>
+                  <a:txBody>
+                    <a:bodyPr/>
+                    <a:lstStyle/>
+                    <a:p>
+                      <a:pPr algn="just">
+                        <a:lnSpc>
+                          <a:spcPct val="115000"/>
+                        </a:lnSpc>
+                        <a:spcAft>
+                          <a:spcPts val="1000"/>
+                        </a:spcAft>
+                      </a:pPr>
+                      <a:r>
+                        <a:rPr lang="ru-RU" sz="1000">
+                          <a:effectLst/>
+                        </a:rPr>
+                        <a:t>Добавление нового сотрудника</a:t>
+                      </a:r>
+                      <a:endParaRPr lang="ru-RU" sz="1100">
+                        <a:effectLst/>
+                        <a:latin typeface="Calibri" panose="020F0502020204030204" pitchFamily="34" charset="0"/>
+                        <a:ea typeface="Calibri" panose="020F0502020204030204" pitchFamily="34" charset="0"/>
+                        <a:cs typeface="Times New Roman" panose="02020603050405020304" pitchFamily="18" charset="0"/>
+                      </a:endParaRPr>
+                    </a:p>
+                  </a:txBody>
+                  <a:tcPr marL="68580" marR="68580" marT="0" marB="0"/>
+                </a:tc>
+                <a:tc>
+                  <a:txBody>
+                    <a:bodyPr/>
+                    <a:lstStyle/>
+                    <a:p>
+                      <a:pPr algn="just">
+                        <a:lnSpc>
+                          <a:spcPct val="115000"/>
+                        </a:lnSpc>
+                        <a:spcAft>
+                          <a:spcPts val="1000"/>
+                        </a:spcAft>
+                      </a:pPr>
+                      <a:r>
+                        <a:rPr lang="ru-RU" sz="1000">
+                          <a:effectLst/>
+                        </a:rPr>
+                        <a:t> </a:t>
+                      </a:r>
+                      <a:endParaRPr lang="ru-RU" sz="1100">
+                        <a:effectLst/>
+                        <a:latin typeface="Calibri" panose="020F0502020204030204" pitchFamily="34" charset="0"/>
+                        <a:ea typeface="Calibri" panose="020F0502020204030204" pitchFamily="34" charset="0"/>
+                        <a:cs typeface="Times New Roman" panose="02020603050405020304" pitchFamily="18" charset="0"/>
+                      </a:endParaRPr>
+                    </a:p>
+                  </a:txBody>
+                  <a:tcPr marL="68580" marR="68580" marT="0" marB="0"/>
+                </a:tc>
+                <a:tc>
+                  <a:txBody>
+                    <a:bodyPr/>
+                    <a:lstStyle/>
+                    <a:p>
+                      <a:pPr algn="just">
+                        <a:lnSpc>
+                          <a:spcPct val="115000"/>
+                        </a:lnSpc>
+                        <a:spcAft>
+                          <a:spcPts val="1000"/>
+                        </a:spcAft>
+                      </a:pPr>
+                      <a:r>
+                        <a:rPr lang="ru-RU" sz="1000">
+                          <a:effectLst/>
+                        </a:rPr>
+                        <a:t> </a:t>
+                      </a:r>
+                      <a:endParaRPr lang="ru-RU" sz="1100">
+                        <a:effectLst/>
+                        <a:latin typeface="Calibri" panose="020F0502020204030204" pitchFamily="34" charset="0"/>
+                        <a:ea typeface="Calibri" panose="020F0502020204030204" pitchFamily="34" charset="0"/>
+                        <a:cs typeface="Times New Roman" panose="02020603050405020304" pitchFamily="18" charset="0"/>
+                      </a:endParaRPr>
+                    </a:p>
+                  </a:txBody>
+                  <a:tcPr marL="68580" marR="68580" marT="0" marB="0"/>
+                </a:tc>
+                <a:tc>
+                  <a:txBody>
+                    <a:bodyPr/>
+                    <a:lstStyle/>
+                    <a:p>
+                      <a:pPr algn="just">
+                        <a:lnSpc>
+                          <a:spcPct val="115000"/>
+                        </a:lnSpc>
+                        <a:spcAft>
+                          <a:spcPts val="1000"/>
+                        </a:spcAft>
+                      </a:pPr>
+                      <a:r>
+                        <a:rPr lang="ru-RU" sz="1000">
+                          <a:effectLst/>
+                        </a:rPr>
+                        <a:t> </a:t>
+                      </a:r>
+                      <a:endParaRPr lang="ru-RU" sz="1100">
+                        <a:effectLst/>
+                        <a:latin typeface="Calibri" panose="020F0502020204030204" pitchFamily="34" charset="0"/>
+                        <a:ea typeface="Calibri" panose="020F0502020204030204" pitchFamily="34" charset="0"/>
+                        <a:cs typeface="Times New Roman" panose="02020603050405020304" pitchFamily="18" charset="0"/>
+                      </a:endParaRPr>
+                    </a:p>
+                  </a:txBody>
+                  <a:tcPr marL="68580" marR="68580" marT="0" marB="0"/>
+                </a:tc>
+                <a:tc>
+                  <a:txBody>
+                    <a:bodyPr/>
+                    <a:lstStyle/>
+                    <a:p>
+                      <a:pPr algn="just">
+                        <a:lnSpc>
+                          <a:spcPct val="115000"/>
+                        </a:lnSpc>
+                        <a:spcAft>
+                          <a:spcPts val="1000"/>
+                        </a:spcAft>
+                      </a:pPr>
+                      <a:r>
+                        <a:rPr lang="ru-RU" sz="1000">
+                          <a:effectLst/>
+                        </a:rPr>
+                        <a:t> </a:t>
+                      </a:r>
+                      <a:endParaRPr lang="ru-RU" sz="1100">
+                        <a:effectLst/>
+                        <a:latin typeface="Calibri" panose="020F0502020204030204" pitchFamily="34" charset="0"/>
+                        <a:ea typeface="Calibri" panose="020F0502020204030204" pitchFamily="34" charset="0"/>
+                        <a:cs typeface="Times New Roman" panose="02020603050405020304" pitchFamily="18" charset="0"/>
+                      </a:endParaRPr>
+                    </a:p>
+                  </a:txBody>
+                  <a:tcPr marL="68580" marR="68580" marT="0" marB="0"/>
+                </a:tc>
+                <a:tc>
+                  <a:txBody>
+                    <a:bodyPr/>
+                    <a:lstStyle/>
+                    <a:p>
+                      <a:pPr algn="just">
+                        <a:lnSpc>
+                          <a:spcPct val="115000"/>
+                        </a:lnSpc>
+                        <a:spcAft>
+                          <a:spcPts val="1000"/>
+                        </a:spcAft>
+                      </a:pPr>
+                      <a:r>
+                        <a:rPr lang="ru-RU" sz="1000">
+                          <a:effectLst/>
+                        </a:rPr>
+                        <a:t>+</a:t>
+                      </a:r>
+                      <a:endParaRPr lang="ru-RU" sz="1100">
+                        <a:effectLst/>
+                        <a:latin typeface="Calibri" panose="020F0502020204030204" pitchFamily="34" charset="0"/>
+                        <a:ea typeface="Calibri" panose="020F0502020204030204" pitchFamily="34" charset="0"/>
+                        <a:cs typeface="Times New Roman" panose="02020603050405020304" pitchFamily="18" charset="0"/>
+                      </a:endParaRPr>
+                    </a:p>
+                  </a:txBody>
+                  <a:tcPr marL="68580" marR="68580" marT="0" marB="0"/>
+                </a:tc>
+                <a:tc>
+                  <a:txBody>
+                    <a:bodyPr/>
+                    <a:lstStyle/>
+                    <a:p>
+                      <a:pPr algn="just">
+                        <a:lnSpc>
+                          <a:spcPct val="115000"/>
+                        </a:lnSpc>
+                        <a:spcAft>
+                          <a:spcPts val="1000"/>
+                        </a:spcAft>
+                      </a:pPr>
+                      <a:r>
+                        <a:rPr lang="ru-RU" sz="1000">
+                          <a:effectLst/>
+                        </a:rPr>
+                        <a:t> </a:t>
+                      </a:r>
+                      <a:endParaRPr lang="ru-RU" sz="1100">
+                        <a:effectLst/>
+                        <a:latin typeface="Calibri" panose="020F0502020204030204" pitchFamily="34" charset="0"/>
+                        <a:ea typeface="Calibri" panose="020F0502020204030204" pitchFamily="34" charset="0"/>
+                        <a:cs typeface="Times New Roman" panose="02020603050405020304" pitchFamily="18" charset="0"/>
+                      </a:endParaRPr>
+                    </a:p>
+                  </a:txBody>
+                  <a:tcPr marL="68580" marR="68580" marT="0" marB="0"/>
+                </a:tc>
+                <a:tc>
+                  <a:txBody>
+                    <a:bodyPr/>
+                    <a:lstStyle/>
+                    <a:p>
+                      <a:pPr algn="just">
+                        <a:lnSpc>
+                          <a:spcPct val="115000"/>
+                        </a:lnSpc>
+                        <a:spcAft>
+                          <a:spcPts val="1000"/>
+                        </a:spcAft>
+                      </a:pPr>
+                      <a:r>
+                        <a:rPr lang="ru-RU" sz="1000">
+                          <a:effectLst/>
+                        </a:rPr>
+                        <a:t>1</a:t>
+                      </a:r>
+                      <a:endParaRPr lang="ru-RU" sz="1100">
+                        <a:effectLst/>
+                        <a:latin typeface="Calibri" panose="020F0502020204030204" pitchFamily="34" charset="0"/>
+                        <a:ea typeface="Calibri" panose="020F0502020204030204" pitchFamily="34" charset="0"/>
+                        <a:cs typeface="Times New Roman" panose="02020603050405020304" pitchFamily="18" charset="0"/>
+                      </a:endParaRPr>
+                    </a:p>
+                  </a:txBody>
+                  <a:tcPr marL="68580" marR="68580" marT="0" marB="0"/>
+                </a:tc>
+                <a:extLst>
+                  <a:ext uri="{0D108BD9-81ED-4DB2-BD59-A6C34878D82A}">
+                    <a16:rowId xmlns:a16="http://schemas.microsoft.com/office/drawing/2014/main" val="2968170819"/>
+                  </a:ext>
+                </a:extLst>
+              </a:tr>
+              <a:tr h="651264">
+                <a:tc>
+                  <a:txBody>
+                    <a:bodyPr/>
+                    <a:lstStyle/>
+                    <a:p>
+                      <a:pPr algn="just">
+                        <a:lnSpc>
+                          <a:spcPct val="115000"/>
+                        </a:lnSpc>
+                        <a:spcAft>
+                          <a:spcPts val="1000"/>
+                        </a:spcAft>
+                      </a:pPr>
+                      <a:r>
+                        <a:rPr lang="ru-RU" sz="1000">
+                          <a:effectLst/>
+                        </a:rPr>
+                        <a:t>Экспорт данных в .xlsx</a:t>
+                      </a:r>
+                      <a:endParaRPr lang="ru-RU" sz="1100">
+                        <a:effectLst/>
+                        <a:latin typeface="Calibri" panose="020F0502020204030204" pitchFamily="34" charset="0"/>
+                        <a:ea typeface="Calibri" panose="020F0502020204030204" pitchFamily="34" charset="0"/>
+                        <a:cs typeface="Times New Roman" panose="02020603050405020304" pitchFamily="18" charset="0"/>
+                      </a:endParaRPr>
+                    </a:p>
+                  </a:txBody>
+                  <a:tcPr marL="68580" marR="68580" marT="0" marB="0"/>
+                </a:tc>
+                <a:tc>
+                  <a:txBody>
+                    <a:bodyPr/>
+                    <a:lstStyle/>
+                    <a:p>
+                      <a:pPr algn="just">
+                        <a:lnSpc>
+                          <a:spcPct val="115000"/>
+                        </a:lnSpc>
+                        <a:spcAft>
+                          <a:spcPts val="1000"/>
+                        </a:spcAft>
+                      </a:pPr>
+                      <a:r>
+                        <a:rPr lang="ru-RU" sz="1000">
+                          <a:effectLst/>
+                        </a:rPr>
+                        <a:t> </a:t>
+                      </a:r>
+                      <a:endParaRPr lang="ru-RU" sz="1100">
+                        <a:effectLst/>
+                        <a:latin typeface="Calibri" panose="020F0502020204030204" pitchFamily="34" charset="0"/>
+                        <a:ea typeface="Calibri" panose="020F0502020204030204" pitchFamily="34" charset="0"/>
+                        <a:cs typeface="Times New Roman" panose="02020603050405020304" pitchFamily="18" charset="0"/>
+                      </a:endParaRPr>
+                    </a:p>
+                  </a:txBody>
+                  <a:tcPr marL="68580" marR="68580" marT="0" marB="0"/>
+                </a:tc>
+                <a:tc>
+                  <a:txBody>
+                    <a:bodyPr/>
+                    <a:lstStyle/>
+                    <a:p>
+                      <a:pPr algn="just">
+                        <a:lnSpc>
+                          <a:spcPct val="115000"/>
+                        </a:lnSpc>
+                        <a:spcAft>
+                          <a:spcPts val="1000"/>
+                        </a:spcAft>
+                      </a:pPr>
+                      <a:r>
+                        <a:rPr lang="ru-RU" sz="1000">
+                          <a:effectLst/>
+                        </a:rPr>
+                        <a:t> </a:t>
+                      </a:r>
+                      <a:endParaRPr lang="ru-RU" sz="1100">
+                        <a:effectLst/>
+                        <a:latin typeface="Calibri" panose="020F0502020204030204" pitchFamily="34" charset="0"/>
+                        <a:ea typeface="Calibri" panose="020F0502020204030204" pitchFamily="34" charset="0"/>
+                        <a:cs typeface="Times New Roman" panose="02020603050405020304" pitchFamily="18" charset="0"/>
+                      </a:endParaRPr>
+                    </a:p>
+                  </a:txBody>
+                  <a:tcPr marL="68580" marR="68580" marT="0" marB="0"/>
+                </a:tc>
+                <a:tc>
+                  <a:txBody>
+                    <a:bodyPr/>
+                    <a:lstStyle/>
+                    <a:p>
+                      <a:pPr algn="just">
+                        <a:lnSpc>
+                          <a:spcPct val="115000"/>
+                        </a:lnSpc>
+                        <a:spcAft>
+                          <a:spcPts val="1000"/>
+                        </a:spcAft>
+                      </a:pPr>
+                      <a:r>
+                        <a:rPr lang="ru-RU" sz="1000">
+                          <a:effectLst/>
+                        </a:rPr>
+                        <a:t> </a:t>
+                      </a:r>
+                      <a:endParaRPr lang="ru-RU" sz="1100">
+                        <a:effectLst/>
+                        <a:latin typeface="Calibri" panose="020F0502020204030204" pitchFamily="34" charset="0"/>
+                        <a:ea typeface="Calibri" panose="020F0502020204030204" pitchFamily="34" charset="0"/>
+                        <a:cs typeface="Times New Roman" panose="02020603050405020304" pitchFamily="18" charset="0"/>
+                      </a:endParaRPr>
+                    </a:p>
+                  </a:txBody>
+                  <a:tcPr marL="68580" marR="68580" marT="0" marB="0"/>
+                </a:tc>
+                <a:tc>
+                  <a:txBody>
+                    <a:bodyPr/>
+                    <a:lstStyle/>
+                    <a:p>
+                      <a:pPr algn="just">
+                        <a:lnSpc>
+                          <a:spcPct val="115000"/>
+                        </a:lnSpc>
+                        <a:spcAft>
+                          <a:spcPts val="1000"/>
+                        </a:spcAft>
+                      </a:pPr>
+                      <a:r>
+                        <a:rPr lang="ru-RU" sz="1000">
+                          <a:effectLst/>
+                        </a:rPr>
+                        <a:t> </a:t>
+                      </a:r>
+                      <a:endParaRPr lang="ru-RU" sz="1100">
+                        <a:effectLst/>
+                        <a:latin typeface="Calibri" panose="020F0502020204030204" pitchFamily="34" charset="0"/>
+                        <a:ea typeface="Calibri" panose="020F0502020204030204" pitchFamily="34" charset="0"/>
+                        <a:cs typeface="Times New Roman" panose="02020603050405020304" pitchFamily="18" charset="0"/>
+                      </a:endParaRPr>
+                    </a:p>
+                  </a:txBody>
+                  <a:tcPr marL="68580" marR="68580" marT="0" marB="0"/>
+                </a:tc>
+                <a:tc>
+                  <a:txBody>
+                    <a:bodyPr/>
+                    <a:lstStyle/>
+                    <a:p>
+                      <a:pPr algn="just">
+                        <a:lnSpc>
+                          <a:spcPct val="115000"/>
+                        </a:lnSpc>
+                        <a:spcAft>
+                          <a:spcPts val="1000"/>
+                        </a:spcAft>
+                      </a:pPr>
+                      <a:r>
+                        <a:rPr lang="ru-RU" sz="1000">
+                          <a:effectLst/>
+                        </a:rPr>
+                        <a:t> </a:t>
+                      </a:r>
+                      <a:endParaRPr lang="ru-RU" sz="1100">
+                        <a:effectLst/>
+                        <a:latin typeface="Calibri" panose="020F0502020204030204" pitchFamily="34" charset="0"/>
+                        <a:ea typeface="Calibri" panose="020F0502020204030204" pitchFamily="34" charset="0"/>
+                        <a:cs typeface="Times New Roman" panose="02020603050405020304" pitchFamily="18" charset="0"/>
+                      </a:endParaRPr>
+                    </a:p>
+                  </a:txBody>
+                  <a:tcPr marL="68580" marR="68580" marT="0" marB="0"/>
+                </a:tc>
+                <a:tc>
+                  <a:txBody>
+                    <a:bodyPr/>
+                    <a:lstStyle/>
+                    <a:p>
+                      <a:pPr algn="just">
+                        <a:lnSpc>
+                          <a:spcPct val="115000"/>
+                        </a:lnSpc>
+                        <a:spcAft>
+                          <a:spcPts val="1000"/>
+                        </a:spcAft>
+                      </a:pPr>
+                      <a:r>
+                        <a:rPr lang="ru-RU" sz="1000">
+                          <a:effectLst/>
+                        </a:rPr>
+                        <a:t>+</a:t>
+                      </a:r>
+                      <a:endParaRPr lang="ru-RU" sz="1100">
+                        <a:effectLst/>
+                        <a:latin typeface="Calibri" panose="020F0502020204030204" pitchFamily="34" charset="0"/>
+                        <a:ea typeface="Calibri" panose="020F0502020204030204" pitchFamily="34" charset="0"/>
+                        <a:cs typeface="Times New Roman" panose="02020603050405020304" pitchFamily="18" charset="0"/>
+                      </a:endParaRPr>
+                    </a:p>
+                  </a:txBody>
+                  <a:tcPr marL="68580" marR="68580" marT="0" marB="0"/>
+                </a:tc>
+                <a:tc>
+                  <a:txBody>
+                    <a:bodyPr/>
+                    <a:lstStyle/>
+                    <a:p>
+                      <a:pPr algn="just">
+                        <a:lnSpc>
+                          <a:spcPct val="115000"/>
+                        </a:lnSpc>
+                        <a:spcAft>
+                          <a:spcPts val="1000"/>
+                        </a:spcAft>
+                      </a:pPr>
+                      <a:r>
+                        <a:rPr lang="ru-RU" sz="1000" dirty="0">
+                          <a:effectLst/>
+                        </a:rPr>
+                        <a:t>1</a:t>
+                      </a:r>
+                      <a:endParaRPr lang="ru-RU" sz="1100" dirty="0">
+                        <a:effectLst/>
+                        <a:latin typeface="Calibri" panose="020F0502020204030204" pitchFamily="34" charset="0"/>
+                        <a:ea typeface="Calibri" panose="020F0502020204030204" pitchFamily="34" charset="0"/>
+                        <a:cs typeface="Times New Roman" panose="02020603050405020304" pitchFamily="18" charset="0"/>
+                      </a:endParaRPr>
+                    </a:p>
+                  </a:txBody>
+                  <a:tcPr marL="68580" marR="68580" marT="0" marB="0"/>
+                </a:tc>
+                <a:extLst>
+                  <a:ext uri="{0D108BD9-81ED-4DB2-BD59-A6C34878D82A}">
+                    <a16:rowId xmlns:a16="http://schemas.microsoft.com/office/drawing/2014/main" val="1869558190"/>
+                  </a:ext>
+                </a:extLst>
+              </a:tr>
+            </a:tbl>
+          </a:graphicData>
+        </a:graphic>
+      </p:graphicFrame>
+      <p:sp>
+        <p:nvSpPr>
+          <p:cNvPr id="2" name="Номер слайда 1">
+            <a:extLst>
+              <a:ext uri="{FF2B5EF4-FFF2-40B4-BE49-F238E27FC236}">
+                <a16:creationId xmlns:a16="http://schemas.microsoft.com/office/drawing/2014/main" id="{D7AB7400-FD62-43C4-8FC0-6503E36B5056}"/>
+              </a:ext>
+            </a:extLst>
+          </p:cNvPr>
+          <p:cNvSpPr>
+            <a:spLocks noGrp="1"/>
+          </p:cNvSpPr>
+          <p:nvPr>
+            <p:ph type="sldNum" sz="quarter" idx="12"/>
+          </p:nvPr>
+        </p:nvSpPr>
+        <p:spPr/>
+        <p:txBody>
+          <a:bodyPr/>
+          <a:lstStyle/>
+          <a:p>
+            <a:fld id="{44641D0F-78C1-463B-93D6-F54005450624}" type="slidenum">
+              <a:rPr lang="ru-RU" smtClean="0"/>
+              <a:t>11</a:t>
+            </a:fld>
+            <a:endParaRPr lang="ru-RU"/>
+          </a:p>
+        </p:txBody>
+      </p:sp>
+    </p:spTree>
+    <p:extLst>
+      <p:ext uri="{BB962C8B-B14F-4D97-AF65-F5344CB8AC3E}">
+        <p14:creationId xmlns:p14="http://schemas.microsoft.com/office/powerpoint/2010/main" val="770577665"/>
+      </p:ext>
+    </p:extLst>
+  </p:cSld>
+  <p:clrMapOvr>
+    <a:masterClrMapping/>
+  </p:clrMapOvr>
+</p:sld>
+</file>
+
+<file path=ppt/slides/slide12.xml><?xml version="1.0" encoding="utf-8"?>
+<p:sld xmlns:a="http://schemas.openxmlformats.org/drawingml/2006/main" xmlns:r="http://schemas.openxmlformats.org/officeDocument/2006/relationships" xmlns:p="http://schemas.openxmlformats.org/presentationml/2006/main">
+  <p:cSld>
+    <p:spTree>
+      <p:nvGrpSpPr>
+        <p:cNvPr id="1" name=""/>
+        <p:cNvGrpSpPr/>
+        <p:nvPr/>
+      </p:nvGrpSpPr>
+      <p:grpSpPr>
+        <a:xfrm>
+          <a:off x="0" y="0"/>
+          <a:ext cx="0" cy="0"/>
+          <a:chOff x="0" y="0"/>
+          <a:chExt cx="0" cy="0"/>
+        </a:xfrm>
+      </p:grpSpPr>
+      <p:sp>
+        <p:nvSpPr>
+          <p:cNvPr id="4" name="Заголовок 1">
+            <a:extLst>
+              <a:ext uri="{FF2B5EF4-FFF2-40B4-BE49-F238E27FC236}">
                 <a16:creationId xmlns:a16="http://schemas.microsoft.com/office/drawing/2014/main" id="{8D9B732D-8F0E-41A9-BF8C-255A543007BE}"/>
               </a:ext>
             </a:extLst>
@@ -4165,6 +6417,35 @@
               </a:rPr>
               <a:t>Проведено тестирование веб-приложения</a:t>
             </a:r>
+          </a:p>
+        </p:txBody>
+      </p:sp>
+      <p:sp>
+        <p:nvSpPr>
+          <p:cNvPr id="2" name="Номер слайда 1">
+            <a:extLst>
+              <a:ext uri="{FF2B5EF4-FFF2-40B4-BE49-F238E27FC236}">
+                <a16:creationId xmlns:a16="http://schemas.microsoft.com/office/drawing/2014/main" id="{54544B89-D152-4699-9657-B07BE995C9AA}"/>
+              </a:ext>
+            </a:extLst>
+          </p:cNvPr>
+          <p:cNvSpPr>
+            <a:spLocks noGrp="1"/>
+          </p:cNvSpPr>
+          <p:nvPr>
+            <p:ph type="sldNum" sz="quarter" idx="12"/>
+          </p:nvPr>
+        </p:nvSpPr>
+        <p:spPr/>
+        <p:txBody>
+          <a:bodyPr/>
+          <a:lstStyle/>
+          <a:p>
+            <a:fld id="{44641D0F-78C1-463B-93D6-F54005450624}" type="slidenum">
+              <a:rPr lang="ru-RU" smtClean="0"/>
+              <a:t>12</a:t>
+            </a:fld>
+            <a:endParaRPr lang="ru-RU"/>
           </a:p>
         </p:txBody>
       </p:sp>
@@ -4642,6 +6923,35 @@
               </a:rPr>
               <a:t>Провести тестирование системы</a:t>
             </a:r>
+          </a:p>
+        </p:txBody>
+      </p:sp>
+      <p:sp>
+        <p:nvSpPr>
+          <p:cNvPr id="2" name="Номер слайда 1">
+            <a:extLst>
+              <a:ext uri="{FF2B5EF4-FFF2-40B4-BE49-F238E27FC236}">
+                <a16:creationId xmlns:a16="http://schemas.microsoft.com/office/drawing/2014/main" id="{F6B9F90B-2CAE-4D8C-ACAE-B36686E62464}"/>
+              </a:ext>
+            </a:extLst>
+          </p:cNvPr>
+          <p:cNvSpPr>
+            <a:spLocks noGrp="1"/>
+          </p:cNvSpPr>
+          <p:nvPr>
+            <p:ph type="sldNum" sz="quarter" idx="12"/>
+          </p:nvPr>
+        </p:nvSpPr>
+        <p:spPr/>
+        <p:txBody>
+          <a:bodyPr/>
+          <a:lstStyle/>
+          <a:p>
+            <a:fld id="{44641D0F-78C1-463B-93D6-F54005450624}" type="slidenum">
+              <a:rPr lang="ru-RU" smtClean="0"/>
+              <a:t>2</a:t>
+            </a:fld>
+            <a:endParaRPr lang="ru-RU"/>
           </a:p>
         </p:txBody>
       </p:sp>
@@ -5150,6 +7460,35 @@
           </a:p>
         </p:txBody>
       </p:sp>
+      <p:sp>
+        <p:nvSpPr>
+          <p:cNvPr id="2" name="Номер слайда 1">
+            <a:extLst>
+              <a:ext uri="{FF2B5EF4-FFF2-40B4-BE49-F238E27FC236}">
+                <a16:creationId xmlns:a16="http://schemas.microsoft.com/office/drawing/2014/main" id="{A4244E7F-B796-4DBA-AABE-DD76749B04DB}"/>
+              </a:ext>
+            </a:extLst>
+          </p:cNvPr>
+          <p:cNvSpPr>
+            <a:spLocks noGrp="1"/>
+          </p:cNvSpPr>
+          <p:nvPr>
+            <p:ph type="sldNum" sz="quarter" idx="12"/>
+          </p:nvPr>
+        </p:nvSpPr>
+        <p:spPr/>
+        <p:txBody>
+          <a:bodyPr/>
+          <a:lstStyle/>
+          <a:p>
+            <a:fld id="{44641D0F-78C1-463B-93D6-F54005450624}" type="slidenum">
+              <a:rPr lang="ru-RU" smtClean="0"/>
+              <a:t>3</a:t>
+            </a:fld>
+            <a:endParaRPr lang="ru-RU"/>
+          </a:p>
+        </p:txBody>
+      </p:sp>
     </p:spTree>
     <p:extLst>
       <p:ext uri="{BB962C8B-B14F-4D97-AF65-F5344CB8AC3E}">
@@ -5375,6 +7714,35 @@
           </a:p>
         </p:txBody>
       </p:sp>
+      <p:sp>
+        <p:nvSpPr>
+          <p:cNvPr id="2" name="Номер слайда 1">
+            <a:extLst>
+              <a:ext uri="{FF2B5EF4-FFF2-40B4-BE49-F238E27FC236}">
+                <a16:creationId xmlns:a16="http://schemas.microsoft.com/office/drawing/2014/main" id="{FA026828-2E06-4200-A616-A5DFCEDF3065}"/>
+              </a:ext>
+            </a:extLst>
+          </p:cNvPr>
+          <p:cNvSpPr>
+            <a:spLocks noGrp="1"/>
+          </p:cNvSpPr>
+          <p:nvPr>
+            <p:ph type="sldNum" sz="quarter" idx="12"/>
+          </p:nvPr>
+        </p:nvSpPr>
+        <p:spPr/>
+        <p:txBody>
+          <a:bodyPr/>
+          <a:lstStyle/>
+          <a:p>
+            <a:fld id="{44641D0F-78C1-463B-93D6-F54005450624}" type="slidenum">
+              <a:rPr lang="ru-RU" smtClean="0"/>
+              <a:t>4</a:t>
+            </a:fld>
+            <a:endParaRPr lang="ru-RU"/>
+          </a:p>
+        </p:txBody>
+      </p:sp>
     </p:spTree>
     <p:extLst>
       <p:ext uri="{BB962C8B-B14F-4D97-AF65-F5344CB8AC3E}">
@@ -5712,6 +8080,35 @@
           </a:p>
         </p:txBody>
       </p:sp>
+      <p:sp>
+        <p:nvSpPr>
+          <p:cNvPr id="2" name="Номер слайда 1">
+            <a:extLst>
+              <a:ext uri="{FF2B5EF4-FFF2-40B4-BE49-F238E27FC236}">
+                <a16:creationId xmlns:a16="http://schemas.microsoft.com/office/drawing/2014/main" id="{40B3C9BD-AD07-4041-A107-1B62E0059EDF}"/>
+              </a:ext>
+            </a:extLst>
+          </p:cNvPr>
+          <p:cNvSpPr>
+            <a:spLocks noGrp="1"/>
+          </p:cNvSpPr>
+          <p:nvPr>
+            <p:ph type="sldNum" sz="quarter" idx="12"/>
+          </p:nvPr>
+        </p:nvSpPr>
+        <p:spPr/>
+        <p:txBody>
+          <a:bodyPr/>
+          <a:lstStyle/>
+          <a:p>
+            <a:fld id="{44641D0F-78C1-463B-93D6-F54005450624}" type="slidenum">
+              <a:rPr lang="ru-RU" smtClean="0"/>
+              <a:t>5</a:t>
+            </a:fld>
+            <a:endParaRPr lang="ru-RU"/>
+          </a:p>
+        </p:txBody>
+      </p:sp>
     </p:spTree>
     <p:extLst>
       <p:ext uri="{BB962C8B-B14F-4D97-AF65-F5344CB8AC3E}">
@@ -5823,6 +8220,35 @@
           </a:prstGeom>
         </p:spPr>
       </p:pic>
+      <p:sp>
+        <p:nvSpPr>
+          <p:cNvPr id="2" name="Номер слайда 1">
+            <a:extLst>
+              <a:ext uri="{FF2B5EF4-FFF2-40B4-BE49-F238E27FC236}">
+                <a16:creationId xmlns:a16="http://schemas.microsoft.com/office/drawing/2014/main" id="{695FCEA6-9B04-4831-8274-FE5CE68E105B}"/>
+              </a:ext>
+            </a:extLst>
+          </p:cNvPr>
+          <p:cNvSpPr>
+            <a:spLocks noGrp="1"/>
+          </p:cNvSpPr>
+          <p:nvPr>
+            <p:ph type="sldNum" sz="quarter" idx="12"/>
+          </p:nvPr>
+        </p:nvSpPr>
+        <p:spPr/>
+        <p:txBody>
+          <a:bodyPr/>
+          <a:lstStyle/>
+          <a:p>
+            <a:fld id="{44641D0F-78C1-463B-93D6-F54005450624}" type="slidenum">
+              <a:rPr lang="ru-RU" smtClean="0"/>
+              <a:t>6</a:t>
+            </a:fld>
+            <a:endParaRPr lang="ru-RU"/>
+          </a:p>
+        </p:txBody>
+      </p:sp>
     </p:spTree>
     <p:extLst>
       <p:ext uri="{BB962C8B-B14F-4D97-AF65-F5344CB8AC3E}">
@@ -5920,6 +8346,35 @@
           </a:prstGeom>
         </p:spPr>
       </p:pic>
+      <p:sp>
+        <p:nvSpPr>
+          <p:cNvPr id="2" name="Номер слайда 1">
+            <a:extLst>
+              <a:ext uri="{FF2B5EF4-FFF2-40B4-BE49-F238E27FC236}">
+                <a16:creationId xmlns:a16="http://schemas.microsoft.com/office/drawing/2014/main" id="{27612032-B860-47C9-BAD4-36DD15011667}"/>
+              </a:ext>
+            </a:extLst>
+          </p:cNvPr>
+          <p:cNvSpPr>
+            <a:spLocks noGrp="1"/>
+          </p:cNvSpPr>
+          <p:nvPr>
+            <p:ph type="sldNum" sz="quarter" idx="12"/>
+          </p:nvPr>
+        </p:nvSpPr>
+        <p:spPr/>
+        <p:txBody>
+          <a:bodyPr/>
+          <a:lstStyle/>
+          <a:p>
+            <a:fld id="{44641D0F-78C1-463B-93D6-F54005450624}" type="slidenum">
+              <a:rPr lang="ru-RU" smtClean="0"/>
+              <a:t>7</a:t>
+            </a:fld>
+            <a:endParaRPr lang="ru-RU"/>
+          </a:p>
+        </p:txBody>
+      </p:sp>
     </p:spTree>
     <p:extLst>
       <p:ext uri="{BB962C8B-B14F-4D97-AF65-F5344CB8AC3E}">
@@ -6108,6 +8563,35 @@
           </a:prstGeom>
         </p:spPr>
       </p:pic>
+      <p:sp>
+        <p:nvSpPr>
+          <p:cNvPr id="2" name="Номер слайда 1">
+            <a:extLst>
+              <a:ext uri="{FF2B5EF4-FFF2-40B4-BE49-F238E27FC236}">
+                <a16:creationId xmlns:a16="http://schemas.microsoft.com/office/drawing/2014/main" id="{AEAB4D2C-9F9A-4174-8DF0-2EC8512F1A49}"/>
+              </a:ext>
+            </a:extLst>
+          </p:cNvPr>
+          <p:cNvSpPr>
+            <a:spLocks noGrp="1"/>
+          </p:cNvSpPr>
+          <p:nvPr>
+            <p:ph type="sldNum" sz="quarter" idx="12"/>
+          </p:nvPr>
+        </p:nvSpPr>
+        <p:spPr/>
+        <p:txBody>
+          <a:bodyPr/>
+          <a:lstStyle/>
+          <a:p>
+            <a:fld id="{44641D0F-78C1-463B-93D6-F54005450624}" type="slidenum">
+              <a:rPr lang="ru-RU" smtClean="0"/>
+              <a:t>8</a:t>
+            </a:fld>
+            <a:endParaRPr lang="ru-RU"/>
+          </a:p>
+        </p:txBody>
+      </p:sp>
     </p:spTree>
     <p:extLst>
       <p:ext uri="{BB962C8B-B14F-4D97-AF65-F5344CB8AC3E}">
@@ -6269,6 +8753,35 @@
           </a:prstGeom>
         </p:spPr>
       </p:pic>
+      <p:sp>
+        <p:nvSpPr>
+          <p:cNvPr id="2" name="Номер слайда 1">
+            <a:extLst>
+              <a:ext uri="{FF2B5EF4-FFF2-40B4-BE49-F238E27FC236}">
+                <a16:creationId xmlns:a16="http://schemas.microsoft.com/office/drawing/2014/main" id="{C5D6368A-04C7-4FDF-837B-CE4858E70E1D}"/>
+              </a:ext>
+            </a:extLst>
+          </p:cNvPr>
+          <p:cNvSpPr>
+            <a:spLocks noGrp="1"/>
+          </p:cNvSpPr>
+          <p:nvPr>
+            <p:ph type="sldNum" sz="quarter" idx="12"/>
+          </p:nvPr>
+        </p:nvSpPr>
+        <p:spPr/>
+        <p:txBody>
+          <a:bodyPr/>
+          <a:lstStyle/>
+          <a:p>
+            <a:fld id="{44641D0F-78C1-463B-93D6-F54005450624}" type="slidenum">
+              <a:rPr lang="ru-RU" smtClean="0"/>
+              <a:t>9</a:t>
+            </a:fld>
+            <a:endParaRPr lang="ru-RU"/>
+          </a:p>
+        </p:txBody>
+      </p:sp>
     </p:spTree>
     <p:extLst>
       <p:ext uri="{BB962C8B-B14F-4D97-AF65-F5344CB8AC3E}">
@@ -6541,4 +9054,299 @@
     </a:ext>
   </a:extLst>
 </a:theme>
+</file>
+
+<file path=ppt/theme/theme2.xml><?xml version="1.0" encoding="utf-8"?>
+<a:theme xmlns:a="http://schemas.openxmlformats.org/drawingml/2006/main" name="Тема Office">
+  <a:themeElements>
+    <a:clrScheme name="Стандартная">
+      <a:dk1>
+        <a:sysClr val="windowText" lastClr="000000"/>
+      </a:dk1>
+      <a:lt1>
+        <a:sysClr val="window" lastClr="FFFFFF"/>
+      </a:lt1>
+      <a:dk2>
+        <a:srgbClr val="44546A"/>
+      </a:dk2>
+      <a:lt2>
+        <a:srgbClr val="E7E6E6"/>
+      </a:lt2>
+      <a:accent1>
+        <a:srgbClr val="4472C4"/>
+      </a:accent1>
+      <a:accent2>
+        <a:srgbClr val="ED7D31"/>
+      </a:accent2>
+      <a:accent3>
+        <a:srgbClr val="A5A5A5"/>
+      </a:accent3>
+      <a:accent4>
+        <a:srgbClr val="FFC000"/>
+      </a:accent4>
+      <a:accent5>
+        <a:srgbClr val="5B9BD5"/>
+      </a:accent5>
+      <a:accent6>
+        <a:srgbClr val="70AD47"/>
+      </a:accent6>
+      <a:hlink>
+        <a:srgbClr val="0563C1"/>
+      </a:hlink>
+      <a:folHlink>
+        <a:srgbClr val="954F72"/>
+      </a:folHlink>
+    </a:clrScheme>
+    <a:fontScheme name="Стандартная">
+      <a:majorFont>
+        <a:latin typeface="Calibri Light" panose="020F0302020204030204"/>
+        <a:ea typeface=""/>
+        <a:cs typeface=""/>
+        <a:font script="Jpan" typeface="游ゴシック Light"/>
+        <a:font script="Hang" typeface="맑은 고딕"/>
+        <a:font script="Hans" typeface="等线 Light"/>
+        <a:font script="Hant" typeface="新細明體"/>
+        <a:font script="Arab" typeface="Times New Roman"/>
+        <a:font script="Hebr" typeface="Times New Roman"/>
+        <a:font script="Thai" typeface="Angsana New"/>
+        <a:font script="Ethi" typeface="Nyala"/>
+        <a:font script="Beng" typeface="Vrinda"/>
+        <a:font script="Gujr" typeface="Shruti"/>
+        <a:font script="Khmr" typeface="MoolBoran"/>
+        <a:font script="Knda" typeface="Tunga"/>
+        <a:font script="Guru" typeface="Raavi"/>
+        <a:font script="Cans" typeface="Euphemia"/>
+        <a:font script="Cher" typeface="Plantagenet Cherokee"/>
+        <a:font script="Yiii" typeface="Microsoft Yi Baiti"/>
+        <a:font script="Tibt" typeface="Microsoft Himalaya"/>
+        <a:font script="Thaa" typeface="MV Boli"/>
+        <a:font script="Deva" typeface="Mangal"/>
+        <a:font script="Telu" typeface="Gautami"/>
+        <a:font script="Taml" typeface="Latha"/>
+        <a:font script="Syrc" typeface="Estrangelo Edessa"/>
+        <a:font script="Orya" typeface="Kalinga"/>
+        <a:font script="Mlym" typeface="Kartika"/>
+        <a:font script="Laoo" typeface="DokChampa"/>
+        <a:font script="Sinh" typeface="Iskoola Pota"/>
+        <a:font script="Mong" typeface="Mongolian Baiti"/>
+        <a:font script="Viet" typeface="Times New Roman"/>
+        <a:font script="Uigh" typeface="Microsoft Uighur"/>
+        <a:font script="Geor" typeface="Sylfaen"/>
+        <a:font script="Armn" typeface="Arial"/>
+        <a:font script="Bugi" typeface="Leelawadee UI"/>
+        <a:font script="Bopo" typeface="Microsoft JhengHei"/>
+        <a:font script="Java" typeface="Javanese Text"/>
+        <a:font script="Lisu" typeface="Segoe UI"/>
+        <a:font script="Mymr" typeface="Myanmar Text"/>
+        <a:font script="Nkoo" typeface="Ebrima"/>
+        <a:font script="Olck" typeface="Nirmala UI"/>
+        <a:font script="Osma" typeface="Ebrima"/>
+        <a:font script="Phag" typeface="Phagspa"/>
+        <a:font script="Syrn" typeface="Estrangelo Edessa"/>
+        <a:font script="Syrj" typeface="Estrangelo Edessa"/>
+        <a:font script="Syre" typeface="Estrangelo Edessa"/>
+        <a:font script="Sora" typeface="Nirmala UI"/>
+        <a:font script="Tale" typeface="Microsoft Tai Le"/>
+        <a:font script="Talu" typeface="Microsoft New Tai Lue"/>
+        <a:font script="Tfng" typeface="Ebrima"/>
+      </a:majorFont>
+      <a:minorFont>
+        <a:latin typeface="Calibri" panose="020F0502020204030204"/>
+        <a:ea typeface=""/>
+        <a:cs typeface=""/>
+        <a:font script="Jpan" typeface="游ゴシック"/>
+        <a:font script="Hang" typeface="맑은 고딕"/>
+        <a:font script="Hans" typeface="等线"/>
+        <a:font script="Hant" typeface="新細明體"/>
+        <a:font script="Arab" typeface="Arial"/>
+        <a:font script="Hebr" typeface="Arial"/>
+        <a:font script="Thai" typeface="Cordia New"/>
+        <a:font script="Ethi" typeface="Nyala"/>
+        <a:font script="Beng" typeface="Vrinda"/>
+        <a:font script="Gujr" typeface="Shruti"/>
+        <a:font script="Khmr" typeface="DaunPenh"/>
+        <a:font script="Knda" typeface="Tunga"/>
+        <a:font script="Guru" typeface="Raavi"/>
+        <a:font script="Cans" typeface="Euphemia"/>
+        <a:font script="Cher" typeface="Plantagenet Cherokee"/>
+        <a:font script="Yiii" typeface="Microsoft Yi Baiti"/>
+        <a:font script="Tibt" typeface="Microsoft Himalaya"/>
+        <a:font script="Thaa" typeface="MV Boli"/>
+        <a:font script="Deva" typeface="Mangal"/>
+        <a:font script="Telu" typeface="Gautami"/>
+        <a:font script="Taml" typeface="Latha"/>
+        <a:font script="Syrc" typeface="Estrangelo Edessa"/>
+        <a:font script="Orya" typeface="Kalinga"/>
+        <a:font script="Mlym" typeface="Kartika"/>
+        <a:font script="Laoo" typeface="DokChampa"/>
+        <a:font script="Sinh" typeface="Iskoola Pota"/>
+        <a:font script="Mong" typeface="Mongolian Baiti"/>
+        <a:font script="Viet" typeface="Arial"/>
+        <a:font script="Uigh" typeface="Microsoft Uighur"/>
+        <a:font script="Geor" typeface="Sylfaen"/>
+        <a:font script="Armn" typeface="Arial"/>
+        <a:font script="Bugi" typeface="Leelawadee UI"/>
+        <a:font script="Bopo" typeface="Microsoft JhengHei"/>
+        <a:font script="Java" typeface="Javanese Text"/>
+        <a:font script="Lisu" typeface="Segoe UI"/>
+        <a:font script="Mymr" typeface="Myanmar Text"/>
+        <a:font script="Nkoo" typeface="Ebrima"/>
+        <a:font script="Olck" typeface="Nirmala UI"/>
+        <a:font script="Osma" typeface="Ebrima"/>
+        <a:font script="Phag" typeface="Phagspa"/>
+        <a:font script="Syrn" typeface="Estrangelo Edessa"/>
+        <a:font script="Syrj" typeface="Estrangelo Edessa"/>
+        <a:font script="Syre" typeface="Estrangelo Edessa"/>
+        <a:font script="Sora" typeface="Nirmala UI"/>
+        <a:font script="Tale" typeface="Microsoft Tai Le"/>
+        <a:font script="Talu" typeface="Microsoft New Tai Lue"/>
+        <a:font script="Tfng" typeface="Ebrima"/>
+      </a:minorFont>
+    </a:fontScheme>
+    <a:fmtScheme name="Стандартная">
+      <a:fillStyleLst>
+        <a:solidFill>
+          <a:schemeClr val="phClr"/>
+        </a:solidFill>
+        <a:gradFill rotWithShape="1">
+          <a:gsLst>
+            <a:gs pos="0">
+              <a:schemeClr val="phClr">
+                <a:lumMod val="110000"/>
+                <a:satMod val="105000"/>
+                <a:tint val="67000"/>
+              </a:schemeClr>
+            </a:gs>
+            <a:gs pos="50000">
+              <a:schemeClr val="phClr">
+                <a:lumMod val="105000"/>
+                <a:satMod val="103000"/>
+                <a:tint val="73000"/>
+              </a:schemeClr>
+            </a:gs>
+            <a:gs pos="100000">
+              <a:schemeClr val="phClr">
+                <a:lumMod val="105000"/>
+                <a:satMod val="109000"/>
+                <a:tint val="81000"/>
+              </a:schemeClr>
+            </a:gs>
+          </a:gsLst>
+          <a:lin ang="5400000" scaled="0"/>
+        </a:gradFill>
+        <a:gradFill rotWithShape="1">
+          <a:gsLst>
+            <a:gs pos="0">
+              <a:schemeClr val="phClr">
+                <a:satMod val="103000"/>
+                <a:lumMod val="102000"/>
+                <a:tint val="94000"/>
+              </a:schemeClr>
+            </a:gs>
+            <a:gs pos="50000">
+              <a:schemeClr val="phClr">
+                <a:satMod val="110000"/>
+                <a:lumMod val="100000"/>
+                <a:shade val="100000"/>
+              </a:schemeClr>
+            </a:gs>
+            <a:gs pos="100000">
+              <a:schemeClr val="phClr">
+                <a:lumMod val="99000"/>
+                <a:satMod val="120000"/>
+                <a:shade val="78000"/>
+              </a:schemeClr>
+            </a:gs>
+          </a:gsLst>
+          <a:lin ang="5400000" scaled="0"/>
+        </a:gradFill>
+      </a:fillStyleLst>
+      <a:lnStyleLst>
+        <a:ln w="6350" cap="flat" cmpd="sng" algn="ctr">
+          <a:solidFill>
+            <a:schemeClr val="phClr"/>
+          </a:solidFill>
+          <a:prstDash val="solid"/>
+          <a:miter lim="800000"/>
+        </a:ln>
+        <a:ln w="12700" cap="flat" cmpd="sng" algn="ctr">
+          <a:solidFill>
+            <a:schemeClr val="phClr"/>
+          </a:solidFill>
+          <a:prstDash val="solid"/>
+          <a:miter lim="800000"/>
+        </a:ln>
+        <a:ln w="19050" cap="flat" cmpd="sng" algn="ctr">
+          <a:solidFill>
+            <a:schemeClr val="phClr"/>
+          </a:solidFill>
+          <a:prstDash val="solid"/>
+          <a:miter lim="800000"/>
+        </a:ln>
+      </a:lnStyleLst>
+      <a:effectStyleLst>
+        <a:effectStyle>
+          <a:effectLst/>
+        </a:effectStyle>
+        <a:effectStyle>
+          <a:effectLst/>
+        </a:effectStyle>
+        <a:effectStyle>
+          <a:effectLst>
+            <a:outerShdw blurRad="57150" dist="19050" dir="5400000" algn="ctr" rotWithShape="0">
+              <a:srgbClr val="000000">
+                <a:alpha val="63000"/>
+              </a:srgbClr>
+            </a:outerShdw>
+          </a:effectLst>
+        </a:effectStyle>
+      </a:effectStyleLst>
+      <a:bgFillStyleLst>
+        <a:solidFill>
+          <a:schemeClr val="phClr"/>
+        </a:solidFill>
+        <a:solidFill>
+          <a:schemeClr val="phClr">
+            <a:tint val="95000"/>
+            <a:satMod val="170000"/>
+          </a:schemeClr>
+        </a:solidFill>
+        <a:gradFill rotWithShape="1">
+          <a:gsLst>
+            <a:gs pos="0">
+              <a:schemeClr val="phClr">
+                <a:tint val="93000"/>
+                <a:satMod val="150000"/>
+                <a:shade val="98000"/>
+                <a:lumMod val="102000"/>
+              </a:schemeClr>
+            </a:gs>
+            <a:gs pos="50000">
+              <a:schemeClr val="phClr">
+                <a:tint val="98000"/>
+                <a:satMod val="130000"/>
+                <a:shade val="90000"/>
+                <a:lumMod val="103000"/>
+              </a:schemeClr>
+            </a:gs>
+            <a:gs pos="100000">
+              <a:schemeClr val="phClr">
+                <a:shade val="63000"/>
+                <a:satMod val="120000"/>
+              </a:schemeClr>
+            </a:gs>
+          </a:gsLst>
+          <a:lin ang="5400000" scaled="0"/>
+        </a:gradFill>
+      </a:bgFillStyleLst>
+    </a:fmtScheme>
+  </a:themeElements>
+  <a:objectDefaults/>
+  <a:extraClrSchemeLst/>
+  <a:extLst>
+    <a:ext uri="{05A4C25C-085E-4340-85A3-A5531E510DB2}">
+      <thm15:themeFamily xmlns:thm15="http://schemas.microsoft.com/office/thememl/2012/main" name="Office Theme" id="{62F939B6-93AF-4DB8-9C6B-D6C7DFDC589F}" vid="{4A3C46E8-61CC-4603-A589-7422A47A8E4A}"/>
+    </a:ext>
+  </a:extLst>
+</a:theme>
 </file>
--- a/doc/Презентация.pptx
+++ b/doc/Презентация.pptx
@@ -5,7 +5,7 @@
     <p:sldMasterId id="2147483660" r:id="rId1"/>
   </p:sldMasterIdLst>
   <p:notesMasterIdLst>
-    <p:notesMasterId r:id="rId14"/>
+    <p:notesMasterId r:id="rId19"/>
   </p:notesMasterIdLst>
   <p:sldIdLst>
     <p:sldId id="256" r:id="rId2"/>
@@ -13,13 +13,18 @@
     <p:sldId id="267" r:id="rId4"/>
     <p:sldId id="259" r:id="rId5"/>
     <p:sldId id="261" r:id="rId6"/>
-    <p:sldId id="257" r:id="rId7"/>
-    <p:sldId id="260" r:id="rId8"/>
-    <p:sldId id="262" r:id="rId9"/>
-    <p:sldId id="263" r:id="rId10"/>
-    <p:sldId id="264" r:id="rId11"/>
-    <p:sldId id="268" r:id="rId12"/>
-    <p:sldId id="266" r:id="rId13"/>
+    <p:sldId id="270" r:id="rId7"/>
+    <p:sldId id="257" r:id="rId8"/>
+    <p:sldId id="260" r:id="rId9"/>
+    <p:sldId id="269" r:id="rId10"/>
+    <p:sldId id="272" r:id="rId11"/>
+    <p:sldId id="273" r:id="rId12"/>
+    <p:sldId id="262" r:id="rId13"/>
+    <p:sldId id="263" r:id="rId14"/>
+    <p:sldId id="264" r:id="rId15"/>
+    <p:sldId id="271" r:id="rId16"/>
+    <p:sldId id="268" r:id="rId17"/>
+    <p:sldId id="266" r:id="rId18"/>
   </p:sldIdLst>
   <p:sldSz cx="9144000" cy="6858000" type="screen4x3"/>
   <p:notesSz cx="6858000" cy="9144000"/>
@@ -208,7 +213,7 @@
           <a:p>
             <a:fld id="{00508DE2-56E3-4C9D-8706-AAC98AF6EC0E}" type="datetimeFigureOut">
               <a:rPr lang="ru-RU" smtClean="0"/>
-              <a:t>08.06.2025</a:t>
+              <a:t>13.06.2025</a:t>
             </a:fld>
             <a:endParaRPr lang="ru-RU"/>
           </a:p>
@@ -606,7 +611,7 @@
           <a:p>
             <a:fld id="{4809B9FD-3EB7-4750-AD34-3240FF4EA2E2}" type="datetime1">
               <a:rPr lang="ru-RU" smtClean="0"/>
-              <a:t>08.06.2025</a:t>
+              <a:t>13.06.2025</a:t>
             </a:fld>
             <a:endParaRPr lang="ru-RU"/>
           </a:p>
@@ -776,7 +781,7 @@
           <a:p>
             <a:fld id="{79EAEE0F-B241-4881-9884-0AC1EBDB3CF4}" type="datetime1">
               <a:rPr lang="ru-RU" smtClean="0"/>
-              <a:t>08.06.2025</a:t>
+              <a:t>13.06.2025</a:t>
             </a:fld>
             <a:endParaRPr lang="ru-RU"/>
           </a:p>
@@ -956,7 +961,7 @@
           <a:p>
             <a:fld id="{C3792946-917E-4583-979D-C5DC6F3996B0}" type="datetime1">
               <a:rPr lang="ru-RU" smtClean="0"/>
-              <a:t>08.06.2025</a:t>
+              <a:t>13.06.2025</a:t>
             </a:fld>
             <a:endParaRPr lang="ru-RU"/>
           </a:p>
@@ -1126,7 +1131,7 @@
           <a:p>
             <a:fld id="{96116439-D4D5-4BE1-BC35-A3E3D712C6FE}" type="datetime1">
               <a:rPr lang="ru-RU" smtClean="0"/>
-              <a:t>08.06.2025</a:t>
+              <a:t>13.06.2025</a:t>
             </a:fld>
             <a:endParaRPr lang="ru-RU"/>
           </a:p>
@@ -1370,7 +1375,7 @@
           <a:p>
             <a:fld id="{0DACFD73-FE64-4D9D-8710-32532E2D95E6}" type="datetime1">
               <a:rPr lang="ru-RU" smtClean="0"/>
-              <a:t>08.06.2025</a:t>
+              <a:t>13.06.2025</a:t>
             </a:fld>
             <a:endParaRPr lang="ru-RU"/>
           </a:p>
@@ -1602,7 +1607,7 @@
           <a:p>
             <a:fld id="{C0FFDF7D-B288-4DFC-92F2-7CC08805B1D6}" type="datetime1">
               <a:rPr lang="ru-RU" smtClean="0"/>
-              <a:t>08.06.2025</a:t>
+              <a:t>13.06.2025</a:t>
             </a:fld>
             <a:endParaRPr lang="ru-RU"/>
           </a:p>
@@ -1969,7 +1974,7 @@
           <a:p>
             <a:fld id="{4FC2E585-4892-4CF6-998F-0474A72C01A1}" type="datetime1">
               <a:rPr lang="ru-RU" smtClean="0"/>
-              <a:t>08.06.2025</a:t>
+              <a:t>13.06.2025</a:t>
             </a:fld>
             <a:endParaRPr lang="ru-RU"/>
           </a:p>
@@ -2087,7 +2092,7 @@
           <a:p>
             <a:fld id="{B5D1F70F-D3F4-4F61-9951-326E2DBEE675}" type="datetime1">
               <a:rPr lang="ru-RU" smtClean="0"/>
-              <a:t>08.06.2025</a:t>
+              <a:t>13.06.2025</a:t>
             </a:fld>
             <a:endParaRPr lang="ru-RU"/>
           </a:p>
@@ -2182,7 +2187,7 @@
           <a:p>
             <a:fld id="{C944E742-8B29-4283-A9E4-C62AB0BAFAA3}" type="datetime1">
               <a:rPr lang="ru-RU" smtClean="0"/>
-              <a:t>08.06.2025</a:t>
+              <a:t>13.06.2025</a:t>
             </a:fld>
             <a:endParaRPr lang="ru-RU"/>
           </a:p>
@@ -2459,7 +2464,7 @@
           <a:p>
             <a:fld id="{8208315C-255A-438D-AB33-2DFB0819CB5F}" type="datetime1">
               <a:rPr lang="ru-RU" smtClean="0"/>
-              <a:t>08.06.2025</a:t>
+              <a:t>13.06.2025</a:t>
             </a:fld>
             <a:endParaRPr lang="ru-RU"/>
           </a:p>
@@ -2716,7 +2721,7 @@
           <a:p>
             <a:fld id="{E40ED026-223E-4398-A373-3D5E6FA207ED}" type="datetime1">
               <a:rPr lang="ru-RU" smtClean="0"/>
-              <a:t>08.06.2025</a:t>
+              <a:t>13.06.2025</a:t>
             </a:fld>
             <a:endParaRPr lang="ru-RU"/>
           </a:p>
@@ -2929,7 +2934,7 @@
           <a:p>
             <a:fld id="{3EABAF89-EB28-4AB6-BEF6-F8CFC39F668A}" type="datetime1">
               <a:rPr lang="ru-RU" smtClean="0"/>
-              <a:t>08.06.2025</a:t>
+              <a:t>13.06.2025</a:t>
             </a:fld>
             <a:endParaRPr lang="ru-RU"/>
           </a:p>
@@ -3404,6 +3409,13 @@
                 <a:spcPts val="1700"/>
               </a:lnSpc>
             </a:pPr>
+            <a:r>
+              <a:rPr lang="ru-RU" sz="2400" dirty="0">
+                <a:latin typeface="Times New Roman" panose="02020603050405020304" pitchFamily="18" charset="0"/>
+                <a:cs typeface="Times New Roman" panose="02020603050405020304" pitchFamily="18" charset="0"/>
+              </a:rPr>
+              <a:t/>
+            </a:r>
             <a:br>
               <a:rPr lang="ru-RU" sz="2400" dirty="0">
                 <a:latin typeface="Times New Roman" panose="02020603050405020304" pitchFamily="18" charset="0"/>
@@ -4022,6 +4034,875 @@
 <file path=ppt/slides/slide10.xml><?xml version="1.0" encoding="utf-8"?>
 <p:sld xmlns:a="http://schemas.openxmlformats.org/drawingml/2006/main" xmlns:r="http://schemas.openxmlformats.org/officeDocument/2006/relationships" xmlns:p="http://schemas.openxmlformats.org/presentationml/2006/main">
   <p:cSld>
+    <p:spTree>
+      <p:nvGrpSpPr>
+        <p:cNvPr id="1" name=""/>
+        <p:cNvGrpSpPr/>
+        <p:nvPr/>
+      </p:nvGrpSpPr>
+      <p:grpSpPr>
+        <a:xfrm>
+          <a:off x="0" y="0"/>
+          <a:ext cx="0" cy="0"/>
+          <a:chOff x="0" y="0"/>
+          <a:chExt cx="0" cy="0"/>
+        </a:xfrm>
+      </p:grpSpPr>
+      <p:sp>
+        <p:nvSpPr>
+          <p:cNvPr id="4" name="Номер слайда 3"/>
+          <p:cNvSpPr>
+            <a:spLocks noGrp="1"/>
+          </p:cNvSpPr>
+          <p:nvPr>
+            <p:ph type="sldNum" sz="quarter" idx="12"/>
+          </p:nvPr>
+        </p:nvSpPr>
+        <p:spPr/>
+        <p:txBody>
+          <a:bodyPr/>
+          <a:lstStyle/>
+          <a:p>
+            <a:fld id="{44641D0F-78C1-463B-93D6-F54005450624}" type="slidenum">
+              <a:rPr lang="ru-RU" smtClean="0"/>
+              <a:t>10</a:t>
+            </a:fld>
+            <a:endParaRPr lang="ru-RU"/>
+          </a:p>
+        </p:txBody>
+      </p:sp>
+      <p:sp>
+        <p:nvSpPr>
+          <p:cNvPr id="5" name="Заголовок 1">
+            <a:extLst>
+              <a:ext uri="{FF2B5EF4-FFF2-40B4-BE49-F238E27FC236}">
+                <a16:creationId xmlns:a16="http://schemas.microsoft.com/office/drawing/2014/main" id="{77E659A1-6B9E-4035-B5B6-9188CADCA669}"/>
+              </a:ext>
+            </a:extLst>
+          </p:cNvPr>
+          <p:cNvSpPr>
+            <a:spLocks noGrp="1"/>
+          </p:cNvSpPr>
+          <p:nvPr>
+            <p:ph type="title"/>
+          </p:nvPr>
+        </p:nvSpPr>
+        <p:spPr>
+          <a:xfrm>
+            <a:off x="628650" y="105097"/>
+            <a:ext cx="7886700" cy="649706"/>
+          </a:xfrm>
+        </p:spPr>
+        <p:txBody>
+          <a:bodyPr>
+            <a:normAutofit/>
+          </a:bodyPr>
+          <a:lstStyle/>
+          <a:p>
+            <a:pPr algn="ctr"/>
+            <a:r>
+              <a:rPr lang="ru-RU" sz="2200" dirty="0">
+                <a:latin typeface="Times New Roman" panose="02020603050405020304" pitchFamily="18" charset="0"/>
+                <a:cs typeface="Times New Roman" panose="02020603050405020304" pitchFamily="18" charset="0"/>
+              </a:rPr>
+              <a:t>Диаграмма </a:t>
+            </a:r>
+            <a:r>
+              <a:rPr lang="ru-RU" sz="2200" dirty="0" smtClean="0">
+                <a:latin typeface="Times New Roman" panose="02020603050405020304" pitchFamily="18" charset="0"/>
+                <a:cs typeface="Times New Roman" panose="02020603050405020304" pitchFamily="18" charset="0"/>
+              </a:rPr>
+              <a:t>компонентов</a:t>
+            </a:r>
+            <a:endParaRPr lang="ru-RU" sz="2200" dirty="0">
+              <a:latin typeface="Times New Roman" panose="02020603050405020304" pitchFamily="18" charset="0"/>
+              <a:cs typeface="Times New Roman" panose="02020603050405020304" pitchFamily="18" charset="0"/>
+            </a:endParaRPr>
+          </a:p>
+        </p:txBody>
+      </p:sp>
+      <p:pic>
+        <p:nvPicPr>
+          <p:cNvPr id="6" name="Рисунок 5"/>
+          <p:cNvPicPr/>
+          <p:nvPr/>
+        </p:nvPicPr>
+        <p:blipFill>
+          <a:blip r:embed="rId2"/>
+          <a:stretch>
+            <a:fillRect/>
+          </a:stretch>
+        </p:blipFill>
+        <p:spPr>
+          <a:xfrm>
+            <a:off x="1262986" y="874570"/>
+            <a:ext cx="6618028" cy="5481781"/>
+          </a:xfrm>
+          <a:prstGeom prst="rect">
+            <a:avLst/>
+          </a:prstGeom>
+        </p:spPr>
+      </p:pic>
+    </p:spTree>
+    <p:extLst>
+      <p:ext uri="{BB962C8B-B14F-4D97-AF65-F5344CB8AC3E}">
+        <p14:creationId xmlns:p14="http://schemas.microsoft.com/office/powerpoint/2010/main" val="3566435433"/>
+      </p:ext>
+    </p:extLst>
+  </p:cSld>
+  <p:clrMapOvr>
+    <a:masterClrMapping/>
+  </p:clrMapOvr>
+</p:sld>
+</file>
+
+<file path=ppt/slides/slide11.xml><?xml version="1.0" encoding="utf-8"?>
+<p:sld xmlns:a="http://schemas.openxmlformats.org/drawingml/2006/main" xmlns:r="http://schemas.openxmlformats.org/officeDocument/2006/relationships" xmlns:p="http://schemas.openxmlformats.org/presentationml/2006/main">
+  <p:cSld>
+    <p:bg>
+      <p:bgPr>
+        <a:solidFill>
+          <a:schemeClr val="bg1"/>
+        </a:solidFill>
+        <a:effectLst/>
+      </p:bgPr>
+    </p:bg>
+    <p:spTree>
+      <p:nvGrpSpPr>
+        <p:cNvPr id="1" name=""/>
+        <p:cNvGrpSpPr/>
+        <p:nvPr/>
+      </p:nvGrpSpPr>
+      <p:grpSpPr>
+        <a:xfrm>
+          <a:off x="0" y="0"/>
+          <a:ext cx="0" cy="0"/>
+          <a:chOff x="0" y="0"/>
+          <a:chExt cx="0" cy="0"/>
+        </a:xfrm>
+      </p:grpSpPr>
+      <p:sp>
+        <p:nvSpPr>
+          <p:cNvPr id="4" name="Номер слайда 3"/>
+          <p:cNvSpPr>
+            <a:spLocks noGrp="1"/>
+          </p:cNvSpPr>
+          <p:nvPr>
+            <p:ph type="sldNum" sz="quarter" idx="12"/>
+          </p:nvPr>
+        </p:nvSpPr>
+        <p:spPr/>
+        <p:txBody>
+          <a:bodyPr/>
+          <a:lstStyle/>
+          <a:p>
+            <a:fld id="{44641D0F-78C1-463B-93D6-F54005450624}" type="slidenum">
+              <a:rPr lang="ru-RU" smtClean="0"/>
+              <a:t>11</a:t>
+            </a:fld>
+            <a:endParaRPr lang="ru-RU"/>
+          </a:p>
+        </p:txBody>
+      </p:sp>
+      <p:sp>
+        <p:nvSpPr>
+          <p:cNvPr id="5" name="Заголовок 1">
+            <a:extLst>
+              <a:ext uri="{FF2B5EF4-FFF2-40B4-BE49-F238E27FC236}">
+                <a16:creationId xmlns:a16="http://schemas.microsoft.com/office/drawing/2014/main" id="{77E659A1-6B9E-4035-B5B6-9188CADCA669}"/>
+              </a:ext>
+            </a:extLst>
+          </p:cNvPr>
+          <p:cNvSpPr>
+            <a:spLocks noGrp="1"/>
+          </p:cNvSpPr>
+          <p:nvPr>
+            <p:ph type="title"/>
+          </p:nvPr>
+        </p:nvSpPr>
+        <p:spPr>
+          <a:xfrm>
+            <a:off x="628650" y="105097"/>
+            <a:ext cx="7886700" cy="649706"/>
+          </a:xfrm>
+        </p:spPr>
+        <p:txBody>
+          <a:bodyPr>
+            <a:normAutofit/>
+          </a:bodyPr>
+          <a:lstStyle/>
+          <a:p>
+            <a:pPr algn="ctr"/>
+            <a:r>
+              <a:rPr lang="ru-RU" sz="2200" dirty="0" smtClean="0">
+                <a:latin typeface="Times New Roman" panose="02020603050405020304" pitchFamily="18" charset="0"/>
+                <a:cs typeface="Times New Roman" panose="02020603050405020304" pitchFamily="18" charset="0"/>
+              </a:rPr>
+              <a:t>Архитектура</a:t>
+            </a:r>
+            <a:endParaRPr lang="ru-RU" sz="2200" dirty="0">
+              <a:latin typeface="Times New Roman" panose="02020603050405020304" pitchFamily="18" charset="0"/>
+              <a:cs typeface="Times New Roman" panose="02020603050405020304" pitchFamily="18" charset="0"/>
+            </a:endParaRPr>
+          </a:p>
+        </p:txBody>
+      </p:sp>
+      <p:sp>
+        <p:nvSpPr>
+          <p:cNvPr id="6" name="TextBox 5">
+            <a:extLst>
+              <a:ext uri="{FF2B5EF4-FFF2-40B4-BE49-F238E27FC236}">
+                <a16:creationId xmlns:a16="http://schemas.microsoft.com/office/drawing/2014/main" id="{04A3C6D4-819B-4A0C-AF53-D2906F25579F}"/>
+              </a:ext>
+            </a:extLst>
+          </p:cNvPr>
+          <p:cNvSpPr txBox="1"/>
+          <p:nvPr/>
+        </p:nvSpPr>
+        <p:spPr>
+          <a:xfrm>
+            <a:off x="4318577" y="5597339"/>
+            <a:ext cx="4490248" cy="369332"/>
+          </a:xfrm>
+          <a:prstGeom prst="rect">
+            <a:avLst/>
+          </a:prstGeom>
+          <a:noFill/>
+        </p:spPr>
+        <p:txBody>
+          <a:bodyPr wrap="square" rtlCol="0">
+            <a:spAutoFit/>
+          </a:bodyPr>
+          <a:lstStyle/>
+          <a:p>
+            <a:pPr algn="ctr"/>
+            <a:r>
+              <a:rPr lang="ru-RU" dirty="0" smtClean="0">
+                <a:latin typeface="Times New Roman" panose="02020603050405020304" pitchFamily="18" charset="0"/>
+                <a:cs typeface="Times New Roman" panose="02020603050405020304" pitchFamily="18" charset="0"/>
+              </a:rPr>
+              <a:t>Диаграмма развертывания</a:t>
+            </a:r>
+            <a:endParaRPr lang="ru-RU" dirty="0">
+              <a:latin typeface="Times New Roman" panose="02020603050405020304" pitchFamily="18" charset="0"/>
+              <a:cs typeface="Times New Roman" panose="02020603050405020304" pitchFamily="18" charset="0"/>
+            </a:endParaRPr>
+          </a:p>
+        </p:txBody>
+      </p:sp>
+      <p:pic>
+        <p:nvPicPr>
+          <p:cNvPr id="7" name="Рисунок 6"/>
+          <p:cNvPicPr/>
+          <p:nvPr/>
+        </p:nvPicPr>
+        <p:blipFill>
+          <a:blip r:embed="rId2"/>
+          <a:stretch>
+            <a:fillRect/>
+          </a:stretch>
+        </p:blipFill>
+        <p:spPr>
+          <a:xfrm>
+            <a:off x="4165600" y="942109"/>
+            <a:ext cx="4794361" cy="4467924"/>
+          </a:xfrm>
+          <a:prstGeom prst="rect">
+            <a:avLst/>
+          </a:prstGeom>
+        </p:spPr>
+      </p:pic>
+      <p:sp>
+        <p:nvSpPr>
+          <p:cNvPr id="8" name="TextBox 7">
+            <a:extLst>
+              <a:ext uri="{FF2B5EF4-FFF2-40B4-BE49-F238E27FC236}">
+                <a16:creationId xmlns:a16="http://schemas.microsoft.com/office/drawing/2014/main" id="{04A3C6D4-819B-4A0C-AF53-D2906F25579F}"/>
+              </a:ext>
+            </a:extLst>
+          </p:cNvPr>
+          <p:cNvSpPr txBox="1"/>
+          <p:nvPr/>
+        </p:nvSpPr>
+        <p:spPr>
+          <a:xfrm>
+            <a:off x="295564" y="1029957"/>
+            <a:ext cx="3703782" cy="458074"/>
+          </a:xfrm>
+          <a:prstGeom prst="rect">
+            <a:avLst/>
+          </a:prstGeom>
+          <a:noFill/>
+        </p:spPr>
+        <p:txBody>
+          <a:bodyPr wrap="square" rtlCol="0">
+            <a:spAutoFit/>
+          </a:bodyPr>
+          <a:lstStyle/>
+          <a:p>
+            <a:pPr>
+              <a:lnSpc>
+                <a:spcPct val="150000"/>
+              </a:lnSpc>
+            </a:pPr>
+            <a:r>
+              <a:rPr lang="ru-RU" dirty="0" smtClean="0">
+                <a:latin typeface="Times New Roman" panose="02020603050405020304" pitchFamily="18" charset="0"/>
+                <a:cs typeface="Times New Roman" panose="02020603050405020304" pitchFamily="18" charset="0"/>
+              </a:rPr>
+              <a:t>Шаблон</a:t>
+            </a:r>
+            <a:r>
+              <a:rPr lang="en-US" dirty="0" smtClean="0">
+                <a:latin typeface="Times New Roman" panose="02020603050405020304" pitchFamily="18" charset="0"/>
+                <a:cs typeface="Times New Roman" panose="02020603050405020304" pitchFamily="18" charset="0"/>
+              </a:rPr>
+              <a:t> MVVM</a:t>
+            </a:r>
+            <a:endParaRPr lang="ru-RU" dirty="0">
+              <a:latin typeface="Times New Roman" panose="02020603050405020304" pitchFamily="18" charset="0"/>
+              <a:cs typeface="Times New Roman" panose="02020603050405020304" pitchFamily="18" charset="0"/>
+            </a:endParaRPr>
+          </a:p>
+        </p:txBody>
+      </p:sp>
+      <p:sp>
+        <p:nvSpPr>
+          <p:cNvPr id="10" name="TextBox 9">
+            <a:extLst>
+              <a:ext uri="{FF2B5EF4-FFF2-40B4-BE49-F238E27FC236}">
+                <a16:creationId xmlns:a16="http://schemas.microsoft.com/office/drawing/2014/main" id="{04A3C6D4-819B-4A0C-AF53-D2906F25579F}"/>
+              </a:ext>
+            </a:extLst>
+          </p:cNvPr>
+          <p:cNvSpPr txBox="1"/>
+          <p:nvPr/>
+        </p:nvSpPr>
+        <p:spPr>
+          <a:xfrm>
+            <a:off x="655564" y="2076035"/>
+            <a:ext cx="2107679" cy="369332"/>
+          </a:xfrm>
+          <a:prstGeom prst="rect">
+            <a:avLst/>
+          </a:prstGeom>
+          <a:noFill/>
+        </p:spPr>
+        <p:txBody>
+          <a:bodyPr wrap="square" rtlCol="0">
+            <a:spAutoFit/>
+          </a:bodyPr>
+          <a:lstStyle/>
+          <a:p>
+            <a:r>
+              <a:rPr lang="en-US" dirty="0" smtClean="0">
+                <a:latin typeface="Times New Roman" panose="02020603050405020304" pitchFamily="18" charset="0"/>
+                <a:cs typeface="Times New Roman" panose="02020603050405020304" pitchFamily="18" charset="0"/>
+              </a:rPr>
+              <a:t>CryptoService</a:t>
+            </a:r>
+            <a:endParaRPr lang="ru-RU" dirty="0">
+              <a:latin typeface="Times New Roman" panose="02020603050405020304" pitchFamily="18" charset="0"/>
+              <a:cs typeface="Times New Roman" panose="02020603050405020304" pitchFamily="18" charset="0"/>
+            </a:endParaRPr>
+          </a:p>
+        </p:txBody>
+      </p:sp>
+      <p:pic>
+        <p:nvPicPr>
+          <p:cNvPr id="1036" name="Picture 12" descr="Dot Symbol, No Background, Icon PNG"/>
+          <p:cNvPicPr>
+            <a:picLocks noChangeAspect="1" noChangeArrowheads="1"/>
+          </p:cNvPicPr>
+          <p:nvPr/>
+        </p:nvPicPr>
+        <p:blipFill>
+          <a:blip r:embed="rId3" cstate="hqprint">
+            <a:extLst>
+              <a:ext uri="{28A0092B-C50C-407E-A947-70E740481C1C}">
+                <a14:useLocalDpi xmlns:a14="http://schemas.microsoft.com/office/drawing/2010/main" val="0"/>
+              </a:ext>
+            </a:extLst>
+          </a:blip>
+          <a:srcRect/>
+          <a:stretch>
+            <a:fillRect/>
+          </a:stretch>
+        </p:blipFill>
+        <p:spPr bwMode="auto">
+          <a:xfrm>
+            <a:off x="295564" y="2085367"/>
+            <a:ext cx="360000" cy="360000"/>
+          </a:xfrm>
+          <a:prstGeom prst="rect">
+            <a:avLst/>
+          </a:prstGeom>
+          <a:noFill/>
+          <a:extLst>
+            <a:ext uri="{909E8E84-426E-40DD-AFC4-6F175D3DCCD1}">
+              <a14:hiddenFill xmlns:a14="http://schemas.microsoft.com/office/drawing/2010/main">
+                <a:solidFill>
+                  <a:srgbClr val="FFFFFF"/>
+                </a:solidFill>
+              </a14:hiddenFill>
+            </a:ext>
+          </a:extLst>
+        </p:spPr>
+      </p:pic>
+      <p:sp>
+        <p:nvSpPr>
+          <p:cNvPr id="19" name="TextBox 18">
+            <a:extLst>
+              <a:ext uri="{FF2B5EF4-FFF2-40B4-BE49-F238E27FC236}">
+                <a16:creationId xmlns:a16="http://schemas.microsoft.com/office/drawing/2014/main" id="{04A3C6D4-819B-4A0C-AF53-D2906F25579F}"/>
+              </a:ext>
+            </a:extLst>
+          </p:cNvPr>
+          <p:cNvSpPr txBox="1"/>
+          <p:nvPr/>
+        </p:nvSpPr>
+        <p:spPr>
+          <a:xfrm>
+            <a:off x="655564" y="3225962"/>
+            <a:ext cx="2107679" cy="369332"/>
+          </a:xfrm>
+          <a:prstGeom prst="rect">
+            <a:avLst/>
+          </a:prstGeom>
+          <a:noFill/>
+        </p:spPr>
+        <p:txBody>
+          <a:bodyPr wrap="square" rtlCol="0">
+            <a:spAutoFit/>
+          </a:bodyPr>
+          <a:lstStyle/>
+          <a:p>
+            <a:r>
+              <a:rPr lang="en-US" dirty="0" smtClean="0">
+                <a:latin typeface="Times New Roman" panose="02020603050405020304" pitchFamily="18" charset="0"/>
+                <a:cs typeface="Times New Roman" panose="02020603050405020304" pitchFamily="18" charset="0"/>
+              </a:rPr>
+              <a:t>FormatChecker</a:t>
+            </a:r>
+            <a:endParaRPr lang="ru-RU" dirty="0">
+              <a:latin typeface="Times New Roman" panose="02020603050405020304" pitchFamily="18" charset="0"/>
+              <a:cs typeface="Times New Roman" panose="02020603050405020304" pitchFamily="18" charset="0"/>
+            </a:endParaRPr>
+          </a:p>
+        </p:txBody>
+      </p:sp>
+      <p:pic>
+        <p:nvPicPr>
+          <p:cNvPr id="20" name="Picture 12" descr="Dot Symbol, No Background, Icon PNG"/>
+          <p:cNvPicPr>
+            <a:picLocks noChangeAspect="1" noChangeArrowheads="1"/>
+          </p:cNvPicPr>
+          <p:nvPr/>
+        </p:nvPicPr>
+        <p:blipFill>
+          <a:blip r:embed="rId3" cstate="hqprint">
+            <a:extLst>
+              <a:ext uri="{28A0092B-C50C-407E-A947-70E740481C1C}">
+                <a14:useLocalDpi xmlns:a14="http://schemas.microsoft.com/office/drawing/2010/main" val="0"/>
+              </a:ext>
+            </a:extLst>
+          </a:blip>
+          <a:srcRect/>
+          <a:stretch>
+            <a:fillRect/>
+          </a:stretch>
+        </p:blipFill>
+        <p:spPr bwMode="auto">
+          <a:xfrm>
+            <a:off x="295564" y="3235294"/>
+            <a:ext cx="360000" cy="360000"/>
+          </a:xfrm>
+          <a:prstGeom prst="rect">
+            <a:avLst/>
+          </a:prstGeom>
+          <a:noFill/>
+          <a:extLst>
+            <a:ext uri="{909E8E84-426E-40DD-AFC4-6F175D3DCCD1}">
+              <a14:hiddenFill xmlns:a14="http://schemas.microsoft.com/office/drawing/2010/main">
+                <a:solidFill>
+                  <a:srgbClr val="FFFFFF"/>
+                </a:solidFill>
+              </a14:hiddenFill>
+            </a:ext>
+          </a:extLst>
+        </p:spPr>
+      </p:pic>
+      <p:sp>
+        <p:nvSpPr>
+          <p:cNvPr id="21" name="TextBox 20">
+            <a:extLst>
+              <a:ext uri="{FF2B5EF4-FFF2-40B4-BE49-F238E27FC236}">
+                <a16:creationId xmlns:a16="http://schemas.microsoft.com/office/drawing/2014/main" id="{04A3C6D4-819B-4A0C-AF53-D2906F25579F}"/>
+              </a:ext>
+            </a:extLst>
+          </p:cNvPr>
+          <p:cNvSpPr txBox="1"/>
+          <p:nvPr/>
+        </p:nvSpPr>
+        <p:spPr>
+          <a:xfrm>
+            <a:off x="655564" y="4375889"/>
+            <a:ext cx="2107679" cy="369332"/>
+          </a:xfrm>
+          <a:prstGeom prst="rect">
+            <a:avLst/>
+          </a:prstGeom>
+          <a:noFill/>
+        </p:spPr>
+        <p:txBody>
+          <a:bodyPr wrap="square" rtlCol="0">
+            <a:spAutoFit/>
+          </a:bodyPr>
+          <a:lstStyle/>
+          <a:p>
+            <a:r>
+              <a:rPr lang="en-US" dirty="0" smtClean="0">
+                <a:latin typeface="Times New Roman" panose="02020603050405020304" pitchFamily="18" charset="0"/>
+                <a:cs typeface="Times New Roman" panose="02020603050405020304" pitchFamily="18" charset="0"/>
+              </a:rPr>
+              <a:t>ChartService</a:t>
+            </a:r>
+            <a:endParaRPr lang="ru-RU" dirty="0">
+              <a:latin typeface="Times New Roman" panose="02020603050405020304" pitchFamily="18" charset="0"/>
+              <a:cs typeface="Times New Roman" panose="02020603050405020304" pitchFamily="18" charset="0"/>
+            </a:endParaRPr>
+          </a:p>
+        </p:txBody>
+      </p:sp>
+      <p:pic>
+        <p:nvPicPr>
+          <p:cNvPr id="22" name="Picture 12" descr="Dot Symbol, No Background, Icon PNG"/>
+          <p:cNvPicPr>
+            <a:picLocks noChangeAspect="1" noChangeArrowheads="1"/>
+          </p:cNvPicPr>
+          <p:nvPr/>
+        </p:nvPicPr>
+        <p:blipFill>
+          <a:blip r:embed="rId3" cstate="hqprint">
+            <a:extLst>
+              <a:ext uri="{28A0092B-C50C-407E-A947-70E740481C1C}">
+                <a14:useLocalDpi xmlns:a14="http://schemas.microsoft.com/office/drawing/2010/main" val="0"/>
+              </a:ext>
+            </a:extLst>
+          </a:blip>
+          <a:srcRect/>
+          <a:stretch>
+            <a:fillRect/>
+          </a:stretch>
+        </p:blipFill>
+        <p:spPr bwMode="auto">
+          <a:xfrm>
+            <a:off x="295564" y="4385221"/>
+            <a:ext cx="360000" cy="360000"/>
+          </a:xfrm>
+          <a:prstGeom prst="rect">
+            <a:avLst/>
+          </a:prstGeom>
+          <a:noFill/>
+          <a:extLst>
+            <a:ext uri="{909E8E84-426E-40DD-AFC4-6F175D3DCCD1}">
+              <a14:hiddenFill xmlns:a14="http://schemas.microsoft.com/office/drawing/2010/main">
+                <a:solidFill>
+                  <a:srgbClr val="FFFFFF"/>
+                </a:solidFill>
+              </a14:hiddenFill>
+            </a:ext>
+          </a:extLst>
+        </p:spPr>
+      </p:pic>
+      <p:sp>
+        <p:nvSpPr>
+          <p:cNvPr id="23" name="TextBox 22">
+            <a:extLst>
+              <a:ext uri="{FF2B5EF4-FFF2-40B4-BE49-F238E27FC236}">
+                <a16:creationId xmlns:a16="http://schemas.microsoft.com/office/drawing/2014/main" id="{04A3C6D4-819B-4A0C-AF53-D2906F25579F}"/>
+              </a:ext>
+            </a:extLst>
+          </p:cNvPr>
+          <p:cNvSpPr txBox="1"/>
+          <p:nvPr/>
+        </p:nvSpPr>
+        <p:spPr>
+          <a:xfrm>
+            <a:off x="655564" y="5525816"/>
+            <a:ext cx="2107679" cy="369332"/>
+          </a:xfrm>
+          <a:prstGeom prst="rect">
+            <a:avLst/>
+          </a:prstGeom>
+          <a:noFill/>
+        </p:spPr>
+        <p:txBody>
+          <a:bodyPr wrap="square" rtlCol="0">
+            <a:spAutoFit/>
+          </a:bodyPr>
+          <a:lstStyle/>
+          <a:p>
+            <a:r>
+              <a:rPr lang="en-US" dirty="0" smtClean="0">
+                <a:latin typeface="Times New Roman" panose="02020603050405020304" pitchFamily="18" charset="0"/>
+                <a:cs typeface="Times New Roman" panose="02020603050405020304" pitchFamily="18" charset="0"/>
+              </a:rPr>
+              <a:t>Excel</a:t>
+            </a:r>
+            <a:r>
+              <a:rPr lang="en-US" dirty="0" smtClean="0">
+                <a:latin typeface="Times New Roman" panose="02020603050405020304" pitchFamily="18" charset="0"/>
+                <a:cs typeface="Times New Roman" panose="02020603050405020304" pitchFamily="18" charset="0"/>
+              </a:rPr>
+              <a:t>Service</a:t>
+            </a:r>
+            <a:endParaRPr lang="ru-RU" dirty="0">
+              <a:latin typeface="Times New Roman" panose="02020603050405020304" pitchFamily="18" charset="0"/>
+              <a:cs typeface="Times New Roman" panose="02020603050405020304" pitchFamily="18" charset="0"/>
+            </a:endParaRPr>
+          </a:p>
+        </p:txBody>
+      </p:sp>
+      <p:pic>
+        <p:nvPicPr>
+          <p:cNvPr id="24" name="Picture 12" descr="Dot Symbol, No Background, Icon PNG"/>
+          <p:cNvPicPr>
+            <a:picLocks noChangeAspect="1" noChangeArrowheads="1"/>
+          </p:cNvPicPr>
+          <p:nvPr/>
+        </p:nvPicPr>
+        <p:blipFill>
+          <a:blip r:embed="rId3" cstate="hqprint">
+            <a:extLst>
+              <a:ext uri="{28A0092B-C50C-407E-A947-70E740481C1C}">
+                <a14:useLocalDpi xmlns:a14="http://schemas.microsoft.com/office/drawing/2010/main" val="0"/>
+              </a:ext>
+            </a:extLst>
+          </a:blip>
+          <a:srcRect/>
+          <a:stretch>
+            <a:fillRect/>
+          </a:stretch>
+        </p:blipFill>
+        <p:spPr bwMode="auto">
+          <a:xfrm>
+            <a:off x="295564" y="5535148"/>
+            <a:ext cx="360000" cy="360000"/>
+          </a:xfrm>
+          <a:prstGeom prst="rect">
+            <a:avLst/>
+          </a:prstGeom>
+          <a:noFill/>
+          <a:extLst>
+            <a:ext uri="{909E8E84-426E-40DD-AFC4-6F175D3DCCD1}">
+              <a14:hiddenFill xmlns:a14="http://schemas.microsoft.com/office/drawing/2010/main">
+                <a:solidFill>
+                  <a:srgbClr val="FFFFFF"/>
+                </a:solidFill>
+              </a14:hiddenFill>
+            </a:ext>
+          </a:extLst>
+        </p:spPr>
+      </p:pic>
+      <p:sp>
+        <p:nvSpPr>
+          <p:cNvPr id="25" name="TextBox 24">
+            <a:extLst>
+              <a:ext uri="{FF2B5EF4-FFF2-40B4-BE49-F238E27FC236}">
+                <a16:creationId xmlns:a16="http://schemas.microsoft.com/office/drawing/2014/main" id="{04A3C6D4-819B-4A0C-AF53-D2906F25579F}"/>
+              </a:ext>
+            </a:extLst>
+          </p:cNvPr>
+          <p:cNvSpPr txBox="1"/>
+          <p:nvPr/>
+        </p:nvSpPr>
+        <p:spPr>
+          <a:xfrm>
+            <a:off x="295564" y="5987019"/>
+            <a:ext cx="2272145" cy="369332"/>
+          </a:xfrm>
+          <a:prstGeom prst="rect">
+            <a:avLst/>
+          </a:prstGeom>
+          <a:noFill/>
+        </p:spPr>
+        <p:txBody>
+          <a:bodyPr wrap="square" rtlCol="0">
+            <a:spAutoFit/>
+          </a:bodyPr>
+          <a:lstStyle/>
+          <a:p>
+            <a:r>
+              <a:rPr lang="ru-RU" dirty="0" smtClean="0">
+                <a:latin typeface="Times New Roman" panose="02020603050405020304" pitchFamily="18" charset="0"/>
+                <a:cs typeface="Times New Roman" panose="02020603050405020304" pitchFamily="18" charset="0"/>
+              </a:rPr>
+              <a:t>И</a:t>
+            </a:r>
+            <a:r>
+              <a:rPr lang="ru-RU" dirty="0" smtClean="0">
+                <a:latin typeface="Times New Roman" panose="02020603050405020304" pitchFamily="18" charset="0"/>
+                <a:cs typeface="Times New Roman" panose="02020603050405020304" pitchFamily="18" charset="0"/>
+              </a:rPr>
+              <a:t>мпорт в </a:t>
+            </a:r>
+            <a:r>
+              <a:rPr lang="en-US" dirty="0" smtClean="0">
+                <a:latin typeface="Times New Roman" panose="02020603050405020304" pitchFamily="18" charset="0"/>
+                <a:cs typeface="Times New Roman" panose="02020603050405020304" pitchFamily="18" charset="0"/>
+              </a:rPr>
+              <a:t>Excel</a:t>
+            </a:r>
+            <a:endParaRPr lang="ru-RU" dirty="0">
+              <a:latin typeface="Times New Roman" panose="02020603050405020304" pitchFamily="18" charset="0"/>
+              <a:cs typeface="Times New Roman" panose="02020603050405020304" pitchFamily="18" charset="0"/>
+            </a:endParaRPr>
+          </a:p>
+        </p:txBody>
+      </p:sp>
+      <p:sp>
+        <p:nvSpPr>
+          <p:cNvPr id="26" name="TextBox 25">
+            <a:extLst>
+              <a:ext uri="{FF2B5EF4-FFF2-40B4-BE49-F238E27FC236}">
+                <a16:creationId xmlns:a16="http://schemas.microsoft.com/office/drawing/2014/main" id="{04A3C6D4-819B-4A0C-AF53-D2906F25579F}"/>
+              </a:ext>
+            </a:extLst>
+          </p:cNvPr>
+          <p:cNvSpPr txBox="1"/>
+          <p:nvPr/>
+        </p:nvSpPr>
+        <p:spPr>
+          <a:xfrm>
+            <a:off x="295563" y="4837092"/>
+            <a:ext cx="2272145" cy="369332"/>
+          </a:xfrm>
+          <a:prstGeom prst="rect">
+            <a:avLst/>
+          </a:prstGeom>
+          <a:noFill/>
+        </p:spPr>
+        <p:txBody>
+          <a:bodyPr wrap="square" rtlCol="0">
+            <a:spAutoFit/>
+          </a:bodyPr>
+          <a:lstStyle/>
+          <a:p>
+            <a:r>
+              <a:rPr lang="ru-RU" dirty="0" smtClean="0">
+                <a:latin typeface="Times New Roman" panose="02020603050405020304" pitchFamily="18" charset="0"/>
+                <a:cs typeface="Times New Roman" panose="02020603050405020304" pitchFamily="18" charset="0"/>
+              </a:rPr>
+              <a:t>Отрисовка диаграмм</a:t>
+            </a:r>
+            <a:endParaRPr lang="ru-RU" dirty="0">
+              <a:latin typeface="Times New Roman" panose="02020603050405020304" pitchFamily="18" charset="0"/>
+              <a:cs typeface="Times New Roman" panose="02020603050405020304" pitchFamily="18" charset="0"/>
+            </a:endParaRPr>
+          </a:p>
+        </p:txBody>
+      </p:sp>
+      <p:sp>
+        <p:nvSpPr>
+          <p:cNvPr id="27" name="TextBox 26">
+            <a:extLst>
+              <a:ext uri="{FF2B5EF4-FFF2-40B4-BE49-F238E27FC236}">
+                <a16:creationId xmlns:a16="http://schemas.microsoft.com/office/drawing/2014/main" id="{04A3C6D4-819B-4A0C-AF53-D2906F25579F}"/>
+              </a:ext>
+            </a:extLst>
+          </p:cNvPr>
+          <p:cNvSpPr txBox="1"/>
+          <p:nvPr/>
+        </p:nvSpPr>
+        <p:spPr>
+          <a:xfrm>
+            <a:off x="295562" y="3695090"/>
+            <a:ext cx="3001820" cy="369332"/>
+          </a:xfrm>
+          <a:prstGeom prst="rect">
+            <a:avLst/>
+          </a:prstGeom>
+          <a:noFill/>
+        </p:spPr>
+        <p:txBody>
+          <a:bodyPr wrap="square" rtlCol="0">
+            <a:spAutoFit/>
+          </a:bodyPr>
+          <a:lstStyle/>
+          <a:p>
+            <a:r>
+              <a:rPr lang="ru-RU" dirty="0" smtClean="0">
+                <a:latin typeface="Times New Roman" panose="02020603050405020304" pitchFamily="18" charset="0"/>
+                <a:cs typeface="Times New Roman" panose="02020603050405020304" pitchFamily="18" charset="0"/>
+              </a:rPr>
+              <a:t>Проверка форматов данных</a:t>
+            </a:r>
+            <a:endParaRPr lang="ru-RU" dirty="0">
+              <a:latin typeface="Times New Roman" panose="02020603050405020304" pitchFamily="18" charset="0"/>
+              <a:cs typeface="Times New Roman" panose="02020603050405020304" pitchFamily="18" charset="0"/>
+            </a:endParaRPr>
+          </a:p>
+        </p:txBody>
+      </p:sp>
+      <p:sp>
+        <p:nvSpPr>
+          <p:cNvPr id="28" name="TextBox 27">
+            <a:extLst>
+              <a:ext uri="{FF2B5EF4-FFF2-40B4-BE49-F238E27FC236}">
+                <a16:creationId xmlns:a16="http://schemas.microsoft.com/office/drawing/2014/main" id="{04A3C6D4-819B-4A0C-AF53-D2906F25579F}"/>
+              </a:ext>
+            </a:extLst>
+          </p:cNvPr>
+          <p:cNvSpPr txBox="1"/>
+          <p:nvPr/>
+        </p:nvSpPr>
+        <p:spPr>
+          <a:xfrm>
+            <a:off x="295562" y="2553088"/>
+            <a:ext cx="3001820" cy="369332"/>
+          </a:xfrm>
+          <a:prstGeom prst="rect">
+            <a:avLst/>
+          </a:prstGeom>
+          <a:noFill/>
+        </p:spPr>
+        <p:txBody>
+          <a:bodyPr wrap="square" rtlCol="0">
+            <a:spAutoFit/>
+          </a:bodyPr>
+          <a:lstStyle/>
+          <a:p>
+            <a:r>
+              <a:rPr lang="ru-RU" dirty="0" smtClean="0">
+                <a:latin typeface="Times New Roman" panose="02020603050405020304" pitchFamily="18" charset="0"/>
+                <a:cs typeface="Times New Roman" panose="02020603050405020304" pitchFamily="18" charset="0"/>
+              </a:rPr>
+              <a:t>Шифрование паролей</a:t>
+            </a:r>
+            <a:endParaRPr lang="ru-RU" dirty="0">
+              <a:latin typeface="Times New Roman" panose="02020603050405020304" pitchFamily="18" charset="0"/>
+              <a:cs typeface="Times New Roman" panose="02020603050405020304" pitchFamily="18" charset="0"/>
+            </a:endParaRPr>
+          </a:p>
+        </p:txBody>
+      </p:sp>
+    </p:spTree>
+    <p:extLst>
+      <p:ext uri="{BB962C8B-B14F-4D97-AF65-F5344CB8AC3E}">
+        <p14:creationId xmlns:p14="http://schemas.microsoft.com/office/powerpoint/2010/main" val="2823923206"/>
+      </p:ext>
+    </p:extLst>
+  </p:cSld>
+  <p:clrMapOvr>
+    <a:masterClrMapping/>
+  </p:clrMapOvr>
+</p:sld>
+</file>
+
+<file path=ppt/slides/slide12.xml><?xml version="1.0" encoding="utf-8"?>
+<p:sld xmlns:a="http://schemas.openxmlformats.org/drawingml/2006/main" xmlns:r="http://schemas.openxmlformats.org/officeDocument/2006/relationships" xmlns:p="http://schemas.openxmlformats.org/presentationml/2006/main">
+  <p:cSld>
     <p:bg>
       <p:bgPr>
         <a:solidFill>
@@ -4051,7 +4932,7 @@
           <p:cNvPr id="4" name="Заголовок 1">
             <a:extLst>
               <a:ext uri="{FF2B5EF4-FFF2-40B4-BE49-F238E27FC236}">
-                <a16:creationId xmlns:a16="http://schemas.microsoft.com/office/drawing/2014/main" id="{61060A9F-6406-449C-B7B6-401AE966E08B}"/>
+                <a16:creationId xmlns:a16="http://schemas.microsoft.com/office/drawing/2014/main" id="{1AA7E887-5627-475D-861F-EBC3A60CB809}"/>
               </a:ext>
             </a:extLst>
           </p:cNvPr>
@@ -4087,10 +4968,10 @@
       </p:sp>
       <p:pic>
         <p:nvPicPr>
-          <p:cNvPr id="6" name="Рисунок 5">
-            <a:extLst>
-              <a:ext uri="{FF2B5EF4-FFF2-40B4-BE49-F238E27FC236}">
-                <a16:creationId xmlns:a16="http://schemas.microsoft.com/office/drawing/2014/main" id="{C0A84E5E-75F2-40CF-BD4C-4061B65685D3}"/>
+          <p:cNvPr id="5" name="Рисунок 4">
+            <a:extLst>
+              <a:ext uri="{FF2B5EF4-FFF2-40B4-BE49-F238E27FC236}">
+                <a16:creationId xmlns:a16="http://schemas.microsoft.com/office/drawing/2014/main" id="{8611B140-90FA-4D8F-9074-600CEC04C170}"/>
               </a:ext>
             </a:extLst>
           </p:cNvPr>
@@ -4105,6 +4986,446 @@
         </p:blipFill>
         <p:spPr>
           <a:xfrm>
+            <a:off x="405180" y="997000"/>
+            <a:ext cx="4319905" cy="3041015"/>
+          </a:xfrm>
+          <a:prstGeom prst="rect">
+            <a:avLst/>
+          </a:prstGeom>
+        </p:spPr>
+      </p:pic>
+      <p:pic>
+        <p:nvPicPr>
+          <p:cNvPr id="6" name="Рисунок 5">
+            <a:extLst>
+              <a:ext uri="{FF2B5EF4-FFF2-40B4-BE49-F238E27FC236}">
+                <a16:creationId xmlns:a16="http://schemas.microsoft.com/office/drawing/2014/main" id="{2DA3FB9F-B1D5-4586-8ADF-6C9F054A3B58}"/>
+              </a:ext>
+            </a:extLst>
+          </p:cNvPr>
+          <p:cNvPicPr/>
+          <p:nvPr/>
+        </p:nvPicPr>
+        <p:blipFill rotWithShape="1">
+          <a:blip r:embed="rId3"/>
+          <a:srcRect l="3718" t="7608" r="3369" b="20241"/>
+          <a:stretch/>
+        </p:blipFill>
+        <p:spPr>
+          <a:xfrm>
+            <a:off x="405180" y="4407300"/>
+            <a:ext cx="4013734" cy="2261937"/>
+          </a:xfrm>
+          <a:prstGeom prst="rect">
+            <a:avLst/>
+          </a:prstGeom>
+        </p:spPr>
+      </p:pic>
+      <p:pic>
+        <p:nvPicPr>
+          <p:cNvPr id="8" name="Рисунок 7">
+            <a:extLst>
+              <a:ext uri="{FF2B5EF4-FFF2-40B4-BE49-F238E27FC236}">
+                <a16:creationId xmlns:a16="http://schemas.microsoft.com/office/drawing/2014/main" id="{9BDE3FD6-8611-43E2-B668-36CC1E9FBA18}"/>
+              </a:ext>
+            </a:extLst>
+          </p:cNvPr>
+          <p:cNvPicPr/>
+          <p:nvPr/>
+        </p:nvPicPr>
+        <p:blipFill rotWithShape="1">
+          <a:blip r:embed="rId4"/>
+          <a:srcRect l="1992" t="3689" r="2325" b="3546"/>
+          <a:stretch/>
+        </p:blipFill>
+        <p:spPr>
+          <a:xfrm>
+            <a:off x="5048221" y="4407300"/>
+            <a:ext cx="3036823" cy="1970741"/>
+          </a:xfrm>
+          <a:prstGeom prst="rect">
+            <a:avLst/>
+          </a:prstGeom>
+        </p:spPr>
+      </p:pic>
+      <p:sp>
+        <p:nvSpPr>
+          <p:cNvPr id="2" name="Номер слайда 1">
+            <a:extLst>
+              <a:ext uri="{FF2B5EF4-FFF2-40B4-BE49-F238E27FC236}">
+                <a16:creationId xmlns:a16="http://schemas.microsoft.com/office/drawing/2014/main" id="{AEAB4D2C-9F9A-4174-8DF0-2EC8512F1A49}"/>
+              </a:ext>
+            </a:extLst>
+          </p:cNvPr>
+          <p:cNvSpPr>
+            <a:spLocks noGrp="1"/>
+          </p:cNvSpPr>
+          <p:nvPr>
+            <p:ph type="sldNum" sz="quarter" idx="12"/>
+          </p:nvPr>
+        </p:nvSpPr>
+        <p:spPr/>
+        <p:txBody>
+          <a:bodyPr/>
+          <a:lstStyle/>
+          <a:p>
+            <a:fld id="{44641D0F-78C1-463B-93D6-F54005450624}" type="slidenum">
+              <a:rPr lang="ru-RU" smtClean="0"/>
+              <a:t>12</a:t>
+            </a:fld>
+            <a:endParaRPr lang="ru-RU"/>
+          </a:p>
+        </p:txBody>
+      </p:sp>
+      <p:pic>
+        <p:nvPicPr>
+          <p:cNvPr id="7" name="Рисунок 6">
+            <a:extLst>
+              <a:ext uri="{FF2B5EF4-FFF2-40B4-BE49-F238E27FC236}">
+                <a16:creationId xmlns:a16="http://schemas.microsoft.com/office/drawing/2014/main" id="{EFFAD9E4-7F0A-446B-84B4-F3AC7DCA130C}"/>
+              </a:ext>
+            </a:extLst>
+          </p:cNvPr>
+          <p:cNvPicPr>
+            <a:picLocks noChangeAspect="1"/>
+          </p:cNvPicPr>
+          <p:nvPr/>
+        </p:nvPicPr>
+        <p:blipFill>
+          <a:blip r:embed="rId5"/>
+          <a:stretch>
+            <a:fillRect/>
+          </a:stretch>
+        </p:blipFill>
+        <p:spPr>
+          <a:xfrm>
+            <a:off x="5478527" y="996015"/>
+            <a:ext cx="1673100" cy="3042000"/>
+          </a:xfrm>
+          <a:prstGeom prst="rect">
+            <a:avLst/>
+          </a:prstGeom>
+        </p:spPr>
+      </p:pic>
+    </p:spTree>
+    <p:extLst>
+      <p:ext uri="{BB962C8B-B14F-4D97-AF65-F5344CB8AC3E}">
+        <p14:creationId xmlns:p14="http://schemas.microsoft.com/office/powerpoint/2010/main" val="1529939008"/>
+      </p:ext>
+    </p:extLst>
+  </p:cSld>
+  <p:clrMapOvr>
+    <a:masterClrMapping/>
+  </p:clrMapOvr>
+</p:sld>
+</file>
+
+<file path=ppt/slides/slide13.xml><?xml version="1.0" encoding="utf-8"?>
+<p:sld xmlns:a="http://schemas.openxmlformats.org/drawingml/2006/main" xmlns:r="http://schemas.openxmlformats.org/officeDocument/2006/relationships" xmlns:p="http://schemas.openxmlformats.org/presentationml/2006/main">
+  <p:cSld>
+    <p:bg>
+      <p:bgPr>
+        <a:solidFill>
+          <a:schemeClr val="bg1">
+            <a:lumMod val="95000"/>
+          </a:schemeClr>
+        </a:solidFill>
+        <a:effectLst/>
+      </p:bgPr>
+    </p:bg>
+    <p:spTree>
+      <p:nvGrpSpPr>
+        <p:cNvPr id="1" name=""/>
+        <p:cNvGrpSpPr/>
+        <p:nvPr/>
+      </p:nvGrpSpPr>
+      <p:grpSpPr>
+        <a:xfrm>
+          <a:off x="0" y="0"/>
+          <a:ext cx="0" cy="0"/>
+          <a:chOff x="0" y="0"/>
+          <a:chExt cx="0" cy="0"/>
+        </a:xfrm>
+      </p:grpSpPr>
+      <p:sp>
+        <p:nvSpPr>
+          <p:cNvPr id="4" name="Заголовок 1">
+            <a:extLst>
+              <a:ext uri="{FF2B5EF4-FFF2-40B4-BE49-F238E27FC236}">
+                <a16:creationId xmlns:a16="http://schemas.microsoft.com/office/drawing/2014/main" id="{3E2D9A15-0AC2-4520-9FD3-2B658C516A96}"/>
+              </a:ext>
+            </a:extLst>
+          </p:cNvPr>
+          <p:cNvSpPr>
+            <a:spLocks noGrp="1"/>
+          </p:cNvSpPr>
+          <p:nvPr>
+            <p:ph type="title"/>
+          </p:nvPr>
+        </p:nvSpPr>
+        <p:spPr>
+          <a:xfrm>
+            <a:off x="628650" y="188763"/>
+            <a:ext cx="7886700" cy="649706"/>
+          </a:xfrm>
+        </p:spPr>
+        <p:txBody>
+          <a:bodyPr>
+            <a:normAutofit/>
+          </a:bodyPr>
+          <a:lstStyle/>
+          <a:p>
+            <a:pPr algn="ctr"/>
+            <a:r>
+              <a:rPr lang="ru-RU" sz="2200" dirty="0">
+                <a:latin typeface="Times New Roman" panose="02020603050405020304" pitchFamily="18" charset="0"/>
+                <a:cs typeface="Times New Roman" panose="02020603050405020304" pitchFamily="18" charset="0"/>
+              </a:rPr>
+              <a:t>Пользовательский интерфейс</a:t>
+            </a:r>
+          </a:p>
+        </p:txBody>
+      </p:sp>
+      <p:pic>
+        <p:nvPicPr>
+          <p:cNvPr id="5" name="Рисунок 4">
+            <a:extLst>
+              <a:ext uri="{FF2B5EF4-FFF2-40B4-BE49-F238E27FC236}">
+                <a16:creationId xmlns:a16="http://schemas.microsoft.com/office/drawing/2014/main" id="{AD1B5DE0-61E4-4BAE-AA60-F04FB5320BFE}"/>
+              </a:ext>
+            </a:extLst>
+          </p:cNvPr>
+          <p:cNvPicPr/>
+          <p:nvPr/>
+        </p:nvPicPr>
+        <p:blipFill>
+          <a:blip r:embed="rId2"/>
+          <a:stretch>
+            <a:fillRect/>
+          </a:stretch>
+        </p:blipFill>
+        <p:spPr>
+          <a:xfrm>
+            <a:off x="473202" y="1074927"/>
+            <a:ext cx="4319905" cy="2824480"/>
+          </a:xfrm>
+          <a:prstGeom prst="rect">
+            <a:avLst/>
+          </a:prstGeom>
+        </p:spPr>
+      </p:pic>
+      <p:pic>
+        <p:nvPicPr>
+          <p:cNvPr id="7" name="Рисунок 6">
+            <a:extLst>
+              <a:ext uri="{FF2B5EF4-FFF2-40B4-BE49-F238E27FC236}">
+                <a16:creationId xmlns:a16="http://schemas.microsoft.com/office/drawing/2014/main" id="{0E60C6CC-086F-4062-9284-8833CABC1AF2}"/>
+              </a:ext>
+            </a:extLst>
+          </p:cNvPr>
+          <p:cNvPicPr/>
+          <p:nvPr/>
+        </p:nvPicPr>
+        <p:blipFill rotWithShape="1">
+          <a:blip r:embed="rId3"/>
+          <a:srcRect l="5256" t="11614" r="1745" b="13182"/>
+          <a:stretch/>
+        </p:blipFill>
+        <p:spPr>
+          <a:xfrm>
+            <a:off x="473202" y="4506259"/>
+            <a:ext cx="4319905" cy="1387856"/>
+          </a:xfrm>
+          <a:prstGeom prst="rect">
+            <a:avLst/>
+          </a:prstGeom>
+        </p:spPr>
+      </p:pic>
+      <p:pic>
+        <p:nvPicPr>
+          <p:cNvPr id="9" name="Рисунок 8">
+            <a:extLst>
+              <a:ext uri="{FF2B5EF4-FFF2-40B4-BE49-F238E27FC236}">
+                <a16:creationId xmlns:a16="http://schemas.microsoft.com/office/drawing/2014/main" id="{B7B1BD34-C672-4424-AFD1-E6FD5738521A}"/>
+              </a:ext>
+            </a:extLst>
+          </p:cNvPr>
+          <p:cNvPicPr/>
+          <p:nvPr/>
+        </p:nvPicPr>
+        <p:blipFill rotWithShape="1">
+          <a:blip r:embed="rId4"/>
+          <a:srcRect l="468"/>
+          <a:stretch/>
+        </p:blipFill>
+        <p:spPr>
+          <a:xfrm>
+            <a:off x="5275730" y="4256259"/>
+            <a:ext cx="3582987" cy="1887855"/>
+          </a:xfrm>
+          <a:prstGeom prst="rect">
+            <a:avLst/>
+          </a:prstGeom>
+        </p:spPr>
+      </p:pic>
+      <p:sp>
+        <p:nvSpPr>
+          <p:cNvPr id="2" name="Номер слайда 1">
+            <a:extLst>
+              <a:ext uri="{FF2B5EF4-FFF2-40B4-BE49-F238E27FC236}">
+                <a16:creationId xmlns:a16="http://schemas.microsoft.com/office/drawing/2014/main" id="{C5D6368A-04C7-4FDF-837B-CE4858E70E1D}"/>
+              </a:ext>
+            </a:extLst>
+          </p:cNvPr>
+          <p:cNvSpPr>
+            <a:spLocks noGrp="1"/>
+          </p:cNvSpPr>
+          <p:nvPr>
+            <p:ph type="sldNum" sz="quarter" idx="12"/>
+          </p:nvPr>
+        </p:nvSpPr>
+        <p:spPr/>
+        <p:txBody>
+          <a:bodyPr/>
+          <a:lstStyle/>
+          <a:p>
+            <a:fld id="{44641D0F-78C1-463B-93D6-F54005450624}" type="slidenum">
+              <a:rPr lang="ru-RU" smtClean="0"/>
+              <a:t>13</a:t>
+            </a:fld>
+            <a:endParaRPr lang="ru-RU"/>
+          </a:p>
+        </p:txBody>
+      </p:sp>
+      <p:pic>
+        <p:nvPicPr>
+          <p:cNvPr id="6" name="Рисунок 5">
+            <a:extLst>
+              <a:ext uri="{FF2B5EF4-FFF2-40B4-BE49-F238E27FC236}">
+                <a16:creationId xmlns:a16="http://schemas.microsoft.com/office/drawing/2014/main" id="{C7ADBF4A-C254-4100-8277-4E7EBEA6CEDD}"/>
+              </a:ext>
+            </a:extLst>
+          </p:cNvPr>
+          <p:cNvPicPr>
+            <a:picLocks noChangeAspect="1"/>
+          </p:cNvPicPr>
+          <p:nvPr/>
+        </p:nvPicPr>
+        <p:blipFill>
+          <a:blip r:embed="rId5"/>
+          <a:stretch>
+            <a:fillRect/>
+          </a:stretch>
+        </p:blipFill>
+        <p:spPr>
+          <a:xfrm>
+            <a:off x="5499916" y="1074927"/>
+            <a:ext cx="1558716" cy="2826000"/>
+          </a:xfrm>
+          <a:prstGeom prst="rect">
+            <a:avLst/>
+          </a:prstGeom>
+        </p:spPr>
+      </p:pic>
+    </p:spTree>
+    <p:extLst>
+      <p:ext uri="{BB962C8B-B14F-4D97-AF65-F5344CB8AC3E}">
+        <p14:creationId xmlns:p14="http://schemas.microsoft.com/office/powerpoint/2010/main" val="1536907784"/>
+      </p:ext>
+    </p:extLst>
+  </p:cSld>
+  <p:clrMapOvr>
+    <a:masterClrMapping/>
+  </p:clrMapOvr>
+</p:sld>
+</file>
+
+<file path=ppt/slides/slide14.xml><?xml version="1.0" encoding="utf-8"?>
+<p:sld xmlns:a="http://schemas.openxmlformats.org/drawingml/2006/main" xmlns:r="http://schemas.openxmlformats.org/officeDocument/2006/relationships" xmlns:p="http://schemas.openxmlformats.org/presentationml/2006/main">
+  <p:cSld>
+    <p:bg>
+      <p:bgPr>
+        <a:solidFill>
+          <a:schemeClr val="bg1">
+            <a:lumMod val="95000"/>
+          </a:schemeClr>
+        </a:solidFill>
+        <a:effectLst/>
+      </p:bgPr>
+    </p:bg>
+    <p:spTree>
+      <p:nvGrpSpPr>
+        <p:cNvPr id="1" name=""/>
+        <p:cNvGrpSpPr/>
+        <p:nvPr/>
+      </p:nvGrpSpPr>
+      <p:grpSpPr>
+        <a:xfrm>
+          <a:off x="0" y="0"/>
+          <a:ext cx="0" cy="0"/>
+          <a:chOff x="0" y="0"/>
+          <a:chExt cx="0" cy="0"/>
+        </a:xfrm>
+      </p:grpSpPr>
+      <p:sp>
+        <p:nvSpPr>
+          <p:cNvPr id="4" name="Заголовок 1">
+            <a:extLst>
+              <a:ext uri="{FF2B5EF4-FFF2-40B4-BE49-F238E27FC236}">
+                <a16:creationId xmlns:a16="http://schemas.microsoft.com/office/drawing/2014/main" id="{61060A9F-6406-449C-B7B6-401AE966E08B}"/>
+              </a:ext>
+            </a:extLst>
+          </p:cNvPr>
+          <p:cNvSpPr>
+            <a:spLocks noGrp="1"/>
+          </p:cNvSpPr>
+          <p:nvPr>
+            <p:ph type="title"/>
+          </p:nvPr>
+        </p:nvSpPr>
+        <p:spPr>
+          <a:xfrm>
+            <a:off x="628650" y="188763"/>
+            <a:ext cx="7886700" cy="649706"/>
+          </a:xfrm>
+        </p:spPr>
+        <p:txBody>
+          <a:bodyPr>
+            <a:normAutofit/>
+          </a:bodyPr>
+          <a:lstStyle/>
+          <a:p>
+            <a:pPr algn="ctr"/>
+            <a:r>
+              <a:rPr lang="ru-RU" sz="2200" dirty="0">
+                <a:latin typeface="Times New Roman" panose="02020603050405020304" pitchFamily="18" charset="0"/>
+                <a:cs typeface="Times New Roman" panose="02020603050405020304" pitchFamily="18" charset="0"/>
+              </a:rPr>
+              <a:t>Пользовательский интерфейс</a:t>
+            </a:r>
+          </a:p>
+        </p:txBody>
+      </p:sp>
+      <p:pic>
+        <p:nvPicPr>
+          <p:cNvPr id="6" name="Рисунок 5">
+            <a:extLst>
+              <a:ext uri="{FF2B5EF4-FFF2-40B4-BE49-F238E27FC236}">
+                <a16:creationId xmlns:a16="http://schemas.microsoft.com/office/drawing/2014/main" id="{C0A84E5E-75F2-40CF-BD4C-4061B65685D3}"/>
+              </a:ext>
+            </a:extLst>
+          </p:cNvPr>
+          <p:cNvPicPr/>
+          <p:nvPr/>
+        </p:nvPicPr>
+        <p:blipFill>
+          <a:blip r:embed="rId2"/>
+          <a:stretch>
+            <a:fillRect/>
+          </a:stretch>
+        </p:blipFill>
+        <p:spPr>
+          <a:xfrm>
             <a:off x="4907949" y="3688589"/>
             <a:ext cx="3831336" cy="2667762"/>
           </a:xfrm>
@@ -4191,12 +5512,42 @@
           <a:p>
             <a:fld id="{44641D0F-78C1-463B-93D6-F54005450624}" type="slidenum">
               <a:rPr lang="ru-RU" smtClean="0"/>
-              <a:t>10</a:t>
+              <a:t>14</a:t>
             </a:fld>
             <a:endParaRPr lang="ru-RU"/>
           </a:p>
         </p:txBody>
       </p:sp>
+      <p:pic>
+        <p:nvPicPr>
+          <p:cNvPr id="5" name="Рисунок 4">
+            <a:extLst>
+              <a:ext uri="{FF2B5EF4-FFF2-40B4-BE49-F238E27FC236}">
+                <a16:creationId xmlns:a16="http://schemas.microsoft.com/office/drawing/2014/main" id="{41977E3D-8E59-4B08-B347-7FFD99D4BFC0}"/>
+              </a:ext>
+            </a:extLst>
+          </p:cNvPr>
+          <p:cNvPicPr>
+            <a:picLocks noChangeAspect="1"/>
+          </p:cNvPicPr>
+          <p:nvPr/>
+        </p:nvPicPr>
+        <p:blipFill>
+          <a:blip r:embed="rId5"/>
+          <a:stretch>
+            <a:fillRect/>
+          </a:stretch>
+        </p:blipFill>
+        <p:spPr>
+          <a:xfrm>
+            <a:off x="6253747" y="806587"/>
+            <a:ext cx="1499653" cy="2703600"/>
+          </a:xfrm>
+          <a:prstGeom prst="rect">
+            <a:avLst/>
+          </a:prstGeom>
+        </p:spPr>
+      </p:pic>
     </p:spTree>
     <p:extLst>
       <p:ext uri="{BB962C8B-B14F-4D97-AF65-F5344CB8AC3E}">
@@ -4210,7 +5561,189 @@
 </p:sld>
 </file>
 
-<file path=ppt/slides/slide11.xml><?xml version="1.0" encoding="utf-8"?>
+<file path=ppt/slides/slide15.xml><?xml version="1.0" encoding="utf-8"?>
+<p:sld xmlns:a="http://schemas.openxmlformats.org/drawingml/2006/main" xmlns:r="http://schemas.openxmlformats.org/officeDocument/2006/relationships" xmlns:p="http://schemas.openxmlformats.org/presentationml/2006/main">
+  <p:cSld>
+    <p:bg>
+      <p:bgPr>
+        <a:solidFill>
+          <a:schemeClr val="bg1">
+            <a:lumMod val="95000"/>
+          </a:schemeClr>
+        </a:solidFill>
+        <a:effectLst/>
+      </p:bgPr>
+    </p:bg>
+    <p:spTree>
+      <p:nvGrpSpPr>
+        <p:cNvPr id="1" name=""/>
+        <p:cNvGrpSpPr/>
+        <p:nvPr/>
+      </p:nvGrpSpPr>
+      <p:grpSpPr>
+        <a:xfrm>
+          <a:off x="0" y="0"/>
+          <a:ext cx="0" cy="0"/>
+          <a:chOff x="0" y="0"/>
+          <a:chExt cx="0" cy="0"/>
+        </a:xfrm>
+      </p:grpSpPr>
+      <p:sp>
+        <p:nvSpPr>
+          <p:cNvPr id="4" name="Номер слайда 3">
+            <a:extLst>
+              <a:ext uri="{FF2B5EF4-FFF2-40B4-BE49-F238E27FC236}">
+                <a16:creationId xmlns:a16="http://schemas.microsoft.com/office/drawing/2014/main" id="{C61F9F12-FAFA-4420-A2E9-1DCB08189450}"/>
+              </a:ext>
+            </a:extLst>
+          </p:cNvPr>
+          <p:cNvSpPr>
+            <a:spLocks noGrp="1"/>
+          </p:cNvSpPr>
+          <p:nvPr>
+            <p:ph type="sldNum" sz="quarter" idx="12"/>
+          </p:nvPr>
+        </p:nvSpPr>
+        <p:spPr/>
+        <p:txBody>
+          <a:bodyPr/>
+          <a:lstStyle/>
+          <a:p>
+            <a:fld id="{44641D0F-78C1-463B-93D6-F54005450624}" type="slidenum">
+              <a:rPr lang="ru-RU" smtClean="0"/>
+              <a:t>15</a:t>
+            </a:fld>
+            <a:endParaRPr lang="ru-RU"/>
+          </a:p>
+        </p:txBody>
+      </p:sp>
+      <p:sp>
+        <p:nvSpPr>
+          <p:cNvPr id="6" name="Заголовок 1">
+            <a:extLst>
+              <a:ext uri="{FF2B5EF4-FFF2-40B4-BE49-F238E27FC236}">
+                <a16:creationId xmlns:a16="http://schemas.microsoft.com/office/drawing/2014/main" id="{0913B1F5-2E0E-41E5-B30D-34D69C23A2C0}"/>
+              </a:ext>
+            </a:extLst>
+          </p:cNvPr>
+          <p:cNvSpPr>
+            <a:spLocks noGrp="1"/>
+          </p:cNvSpPr>
+          <p:nvPr>
+            <p:ph type="title"/>
+          </p:nvPr>
+        </p:nvSpPr>
+        <p:spPr>
+          <a:xfrm>
+            <a:off x="628650" y="188763"/>
+            <a:ext cx="7886700" cy="649706"/>
+          </a:xfrm>
+        </p:spPr>
+        <p:txBody>
+          <a:bodyPr>
+            <a:normAutofit/>
+          </a:bodyPr>
+          <a:lstStyle/>
+          <a:p>
+            <a:pPr algn="ctr"/>
+            <a:r>
+              <a:rPr lang="ru-RU" sz="2200" dirty="0">
+                <a:latin typeface="Times New Roman" panose="02020603050405020304" pitchFamily="18" charset="0"/>
+                <a:cs typeface="Times New Roman" panose="02020603050405020304" pitchFamily="18" charset="0"/>
+              </a:rPr>
+              <a:t>Пользовательский интерфейс</a:t>
+            </a:r>
+          </a:p>
+        </p:txBody>
+      </p:sp>
+      <p:pic>
+        <p:nvPicPr>
+          <p:cNvPr id="14" name="Рисунок 13">
+            <a:extLst>
+              <a:ext uri="{FF2B5EF4-FFF2-40B4-BE49-F238E27FC236}">
+                <a16:creationId xmlns:a16="http://schemas.microsoft.com/office/drawing/2014/main" id="{B556BFA4-8C62-4956-A5DA-2447E7E58F0C}"/>
+              </a:ext>
+            </a:extLst>
+          </p:cNvPr>
+          <p:cNvPicPr>
+            <a:picLocks noChangeAspect="1"/>
+          </p:cNvPicPr>
+          <p:nvPr/>
+        </p:nvPicPr>
+        <p:blipFill>
+          <a:blip r:embed="rId2"/>
+          <a:stretch>
+            <a:fillRect/>
+          </a:stretch>
+        </p:blipFill>
+        <p:spPr>
+          <a:xfrm>
+            <a:off x="6274612" y="994339"/>
+            <a:ext cx="1463119" cy="2664000"/>
+          </a:xfrm>
+          <a:prstGeom prst="rect">
+            <a:avLst/>
+          </a:prstGeom>
+        </p:spPr>
+      </p:pic>
+      <p:pic>
+        <p:nvPicPr>
+          <p:cNvPr id="7" name="Рисунок 6"/>
+          <p:cNvPicPr/>
+          <p:nvPr/>
+        </p:nvPicPr>
+        <p:blipFill>
+          <a:blip r:embed="rId3"/>
+          <a:stretch>
+            <a:fillRect/>
+          </a:stretch>
+        </p:blipFill>
+        <p:spPr>
+          <a:xfrm>
+            <a:off x="628650" y="994339"/>
+            <a:ext cx="4864139" cy="2497006"/>
+          </a:xfrm>
+          <a:prstGeom prst="rect">
+            <a:avLst/>
+          </a:prstGeom>
+        </p:spPr>
+      </p:pic>
+      <p:pic>
+        <p:nvPicPr>
+          <p:cNvPr id="9" name="Рисунок 8"/>
+          <p:cNvPicPr/>
+          <p:nvPr/>
+        </p:nvPicPr>
+        <p:blipFill>
+          <a:blip r:embed="rId4"/>
+          <a:stretch>
+            <a:fillRect/>
+          </a:stretch>
+        </p:blipFill>
+        <p:spPr>
+          <a:xfrm>
+            <a:off x="628650" y="4052570"/>
+            <a:ext cx="4864139" cy="2449830"/>
+          </a:xfrm>
+          <a:prstGeom prst="rect">
+            <a:avLst/>
+          </a:prstGeom>
+        </p:spPr>
+      </p:pic>
+    </p:spTree>
+    <p:extLst>
+      <p:ext uri="{BB962C8B-B14F-4D97-AF65-F5344CB8AC3E}">
+        <p14:creationId xmlns:p14="http://schemas.microsoft.com/office/powerpoint/2010/main" val="2036178954"/>
+      </p:ext>
+    </p:extLst>
+  </p:cSld>
+  <p:clrMapOvr>
+    <a:masterClrMapping/>
+  </p:clrMapOvr>
+</p:sld>
+</file>
+
+<file path=ppt/slides/slide16.xml><?xml version="1.0" encoding="utf-8"?>
 <p:sld xmlns:a="http://schemas.openxmlformats.org/drawingml/2006/main" xmlns:r="http://schemas.openxmlformats.org/officeDocument/2006/relationships" xmlns:p="http://schemas.openxmlformats.org/presentationml/2006/main">
   <p:cSld>
     <p:spTree>
@@ -4281,7 +5814,7 @@
           <p:nvPr>
             <p:extLst>
               <p:ext uri="{D42A27DB-BD31-4B8C-83A1-F6EECF244321}">
-                <p14:modId xmlns:p14="http://schemas.microsoft.com/office/powerpoint/2010/main" val="1016291310"/>
+                <p14:modId xmlns:p14="http://schemas.microsoft.com/office/powerpoint/2010/main" val="3668849130"/>
               </p:ext>
             </p:extLst>
           </p:nvPr>
@@ -4294,7 +5827,7 @@
           <a:graphicData uri="http://schemas.openxmlformats.org/drawingml/2006/table">
             <a:tbl>
               <a:tblPr firstRow="1" firstCol="1" bandRow="1">
-                <a:tableStyleId>{8799B23B-EC83-4686-B30A-512413B5E67A}</a:tableStyleId>
+                <a:tableStyleId>{5940675A-B579-460E-94D1-54222C63F5DA}</a:tableStyleId>
               </a:tblPr>
               <a:tblGrid>
                 <a:gridCol w="1042363">
@@ -4360,7 +5893,7 @@
                     <a:bodyPr/>
                     <a:lstStyle/>
                     <a:p>
-                      <a:pPr algn="just">
+                      <a:pPr algn="l">
                         <a:lnSpc>
                           <a:spcPct val="115000"/>
                         </a:lnSpc>
@@ -4374,7 +5907,7 @@
                         </a:rPr>
                         <a:t> </a:t>
                       </a:r>
-                      <a:endParaRPr lang="ru-RU" sz="1100">
+                      <a:endParaRPr lang="ru-RU" sz="1100" b="1">
                         <a:effectLst/>
                         <a:latin typeface="Calibri" panose="020F0502020204030204" pitchFamily="34" charset="0"/>
                         <a:ea typeface="Calibri" panose="020F0502020204030204" pitchFamily="34" charset="0"/>
@@ -4389,7 +5922,7 @@
                     <a:bodyPr/>
                     <a:lstStyle/>
                     <a:p>
-                      <a:pPr algn="just">
+                      <a:pPr algn="l">
                         <a:lnSpc>
                           <a:spcPct val="115000"/>
                         </a:lnSpc>
@@ -4398,12 +5931,12 @@
                         </a:spcAft>
                       </a:pPr>
                       <a:r>
-                        <a:rPr lang="ru-RU" sz="1000">
+                        <a:rPr lang="ru-RU" sz="1000" dirty="0">
                           <a:effectLst/>
                         </a:rPr>
                         <a:t>Тест 1 (Архивация)</a:t>
                       </a:r>
-                      <a:endParaRPr lang="ru-RU" sz="1100">
+                      <a:endParaRPr lang="ru-RU" sz="1100" b="1" dirty="0">
                         <a:effectLst/>
                         <a:latin typeface="Calibri" panose="020F0502020204030204" pitchFamily="34" charset="0"/>
                         <a:ea typeface="Calibri" panose="020F0502020204030204" pitchFamily="34" charset="0"/>
@@ -4418,7 +5951,7 @@
                     <a:bodyPr/>
                     <a:lstStyle/>
                     <a:p>
-                      <a:pPr algn="just">
+                      <a:pPr algn="l">
                         <a:lnSpc>
                           <a:spcPct val="115000"/>
                         </a:lnSpc>
@@ -4432,7 +5965,7 @@
                         </a:rPr>
                         <a:t>Тест 2 (Сортировка)</a:t>
                       </a:r>
-                      <a:endParaRPr lang="ru-RU" sz="1100">
+                      <a:endParaRPr lang="ru-RU" sz="1100" b="1">
                         <a:effectLst/>
                         <a:latin typeface="Calibri" panose="020F0502020204030204" pitchFamily="34" charset="0"/>
                         <a:ea typeface="Calibri" panose="020F0502020204030204" pitchFamily="34" charset="0"/>
@@ -4447,7 +5980,7 @@
                     <a:bodyPr/>
                     <a:lstStyle/>
                     <a:p>
-                      <a:pPr algn="just">
+                      <a:pPr algn="l">
                         <a:lnSpc>
                           <a:spcPct val="115000"/>
                         </a:lnSpc>
@@ -4461,7 +5994,7 @@
                         </a:rPr>
                         <a:t>Тест 3 (Валидация)</a:t>
                       </a:r>
-                      <a:endParaRPr lang="ru-RU" sz="1100">
+                      <a:endParaRPr lang="ru-RU" sz="1100" b="1">
                         <a:effectLst/>
                         <a:latin typeface="Calibri" panose="020F0502020204030204" pitchFamily="34" charset="0"/>
                         <a:ea typeface="Calibri" panose="020F0502020204030204" pitchFamily="34" charset="0"/>
@@ -4476,7 +6009,7 @@
                     <a:bodyPr/>
                     <a:lstStyle/>
                     <a:p>
-                      <a:pPr algn="just">
+                      <a:pPr algn="l">
                         <a:lnSpc>
                           <a:spcPct val="115000"/>
                         </a:lnSpc>
@@ -4490,7 +6023,7 @@
                         </a:rPr>
                         <a:t>Тест 4 (Автоназначение)</a:t>
                       </a:r>
-                      <a:endParaRPr lang="ru-RU" sz="1100">
+                      <a:endParaRPr lang="ru-RU" sz="1100" b="1">
                         <a:effectLst/>
                         <a:latin typeface="Calibri" panose="020F0502020204030204" pitchFamily="34" charset="0"/>
                         <a:ea typeface="Calibri" panose="020F0502020204030204" pitchFamily="34" charset="0"/>
@@ -4505,7 +6038,7 @@
                     <a:bodyPr/>
                     <a:lstStyle/>
                     <a:p>
-                      <a:pPr algn="just">
+                      <a:pPr algn="l">
                         <a:lnSpc>
                           <a:spcPct val="115000"/>
                         </a:lnSpc>
@@ -4519,7 +6052,7 @@
                         </a:rPr>
                         <a:t>Тест 5 (Добавление)</a:t>
                       </a:r>
-                      <a:endParaRPr lang="ru-RU" sz="1100">
+                      <a:endParaRPr lang="ru-RU" sz="1100" b="1">
                         <a:effectLst/>
                         <a:latin typeface="Calibri" panose="020F0502020204030204" pitchFamily="34" charset="0"/>
                         <a:ea typeface="Calibri" panose="020F0502020204030204" pitchFamily="34" charset="0"/>
@@ -4534,7 +6067,7 @@
                     <a:bodyPr/>
                     <a:lstStyle/>
                     <a:p>
-                      <a:pPr algn="just">
+                      <a:pPr algn="l">
                         <a:lnSpc>
                           <a:spcPct val="115000"/>
                         </a:lnSpc>
@@ -4554,7 +6087,7 @@
                         </a:rPr>
                         <a:t>Excel)</a:t>
                       </a:r>
-                      <a:endParaRPr lang="ru-RU" sz="1100">
+                      <a:endParaRPr lang="ru-RU" sz="1100" b="1">
                         <a:effectLst/>
                         <a:latin typeface="Calibri" panose="020F0502020204030204" pitchFamily="34" charset="0"/>
                         <a:ea typeface="Calibri" panose="020F0502020204030204" pitchFamily="34" charset="0"/>
@@ -4569,7 +6102,7 @@
                     <a:bodyPr/>
                     <a:lstStyle/>
                     <a:p>
-                      <a:pPr algn="just">
+                      <a:pPr algn="l">
                         <a:lnSpc>
                           <a:spcPct val="115000"/>
                         </a:lnSpc>
@@ -4583,7 +6116,7 @@
                         </a:rPr>
                         <a:t>Количество тестов</a:t>
                       </a:r>
-                      <a:endParaRPr lang="ru-RU" sz="1100">
+                      <a:endParaRPr lang="ru-RU" sz="1100" b="1">
                         <a:effectLst/>
                         <a:latin typeface="Calibri" panose="020F0502020204030204" pitchFamily="34" charset="0"/>
                         <a:ea typeface="Calibri" panose="020F0502020204030204" pitchFamily="34" charset="0"/>
@@ -4605,7 +6138,7 @@
                     <a:bodyPr/>
                     <a:lstStyle/>
                     <a:p>
-                      <a:pPr algn="just">
+                      <a:pPr algn="l">
                         <a:lnSpc>
                           <a:spcPct val="115000"/>
                         </a:lnSpc>
@@ -4619,7 +6152,7 @@
                         </a:rPr>
                         <a:t>Архивация удаленных сотрудников</a:t>
                       </a:r>
-                      <a:endParaRPr lang="ru-RU" sz="1100">
+                      <a:endParaRPr lang="ru-RU" sz="1100" b="1">
                         <a:effectLst/>
                         <a:latin typeface="Calibri" panose="020F0502020204030204" pitchFamily="34" charset="0"/>
                         <a:ea typeface="Calibri" panose="020F0502020204030204" pitchFamily="34" charset="0"/>
@@ -4634,7 +6167,217 @@
                     <a:bodyPr/>
                     <a:lstStyle/>
                     <a:p>
-                      <a:pPr algn="just">
+                      <a:pPr algn="ctr">
+                        <a:lnSpc>
+                          <a:spcPct val="115000"/>
+                        </a:lnSpc>
+                        <a:spcAft>
+                          <a:spcPts val="1000"/>
+                        </a:spcAft>
+                      </a:pPr>
+                      <a:r>
+                        <a:rPr lang="ru-RU" sz="1200" b="1" dirty="0">
+                          <a:effectLst/>
+                        </a:rPr>
+                        <a:t>+</a:t>
+                      </a:r>
+                      <a:endParaRPr lang="ru-RU" sz="1600" b="1" dirty="0">
+                        <a:effectLst/>
+                        <a:latin typeface="Calibri" panose="020F0502020204030204" pitchFamily="34" charset="0"/>
+                        <a:ea typeface="Calibri" panose="020F0502020204030204" pitchFamily="34" charset="0"/>
+                        <a:cs typeface="Times New Roman" panose="02020603050405020304" pitchFamily="18" charset="0"/>
+                      </a:endParaRPr>
+                    </a:p>
+                  </a:txBody>
+                  <a:tcPr marL="68580" marR="68580" marT="0" marB="0" anchor="ctr"/>
+                </a:tc>
+                <a:tc>
+                  <a:txBody>
+                    <a:bodyPr/>
+                    <a:lstStyle/>
+                    <a:p>
+                      <a:pPr algn="ctr">
+                        <a:lnSpc>
+                          <a:spcPct val="115000"/>
+                        </a:lnSpc>
+                        <a:spcAft>
+                          <a:spcPts val="1000"/>
+                        </a:spcAft>
+                      </a:pPr>
+                      <a:r>
+                        <a:rPr lang="ru-RU" sz="1200" b="1">
+                          <a:effectLst/>
+                        </a:rPr>
+                        <a:t> </a:t>
+                      </a:r>
+                      <a:endParaRPr lang="ru-RU" sz="1600" b="1">
+                        <a:effectLst/>
+                        <a:latin typeface="Calibri" panose="020F0502020204030204" pitchFamily="34" charset="0"/>
+                        <a:ea typeface="Calibri" panose="020F0502020204030204" pitchFamily="34" charset="0"/>
+                        <a:cs typeface="Times New Roman" panose="02020603050405020304" pitchFamily="18" charset="0"/>
+                      </a:endParaRPr>
+                    </a:p>
+                  </a:txBody>
+                  <a:tcPr marL="68580" marR="68580" marT="0" marB="0" anchor="ctr"/>
+                </a:tc>
+                <a:tc>
+                  <a:txBody>
+                    <a:bodyPr/>
+                    <a:lstStyle/>
+                    <a:p>
+                      <a:pPr algn="ctr">
+                        <a:lnSpc>
+                          <a:spcPct val="115000"/>
+                        </a:lnSpc>
+                        <a:spcAft>
+                          <a:spcPts val="1000"/>
+                        </a:spcAft>
+                      </a:pPr>
+                      <a:r>
+                        <a:rPr lang="ru-RU" sz="1200" b="1">
+                          <a:effectLst/>
+                        </a:rPr>
+                        <a:t> </a:t>
+                      </a:r>
+                      <a:endParaRPr lang="ru-RU" sz="1600" b="1">
+                        <a:effectLst/>
+                        <a:latin typeface="Calibri" panose="020F0502020204030204" pitchFamily="34" charset="0"/>
+                        <a:ea typeface="Calibri" panose="020F0502020204030204" pitchFamily="34" charset="0"/>
+                        <a:cs typeface="Times New Roman" panose="02020603050405020304" pitchFamily="18" charset="0"/>
+                      </a:endParaRPr>
+                    </a:p>
+                  </a:txBody>
+                  <a:tcPr marL="68580" marR="68580" marT="0" marB="0" anchor="ctr"/>
+                </a:tc>
+                <a:tc>
+                  <a:txBody>
+                    <a:bodyPr/>
+                    <a:lstStyle/>
+                    <a:p>
+                      <a:pPr algn="ctr">
+                        <a:lnSpc>
+                          <a:spcPct val="115000"/>
+                        </a:lnSpc>
+                        <a:spcAft>
+                          <a:spcPts val="1000"/>
+                        </a:spcAft>
+                      </a:pPr>
+                      <a:r>
+                        <a:rPr lang="ru-RU" sz="1200" b="1" dirty="0">
+                          <a:effectLst/>
+                        </a:rPr>
+                        <a:t> </a:t>
+                      </a:r>
+                      <a:endParaRPr lang="ru-RU" sz="1600" b="1" dirty="0">
+                        <a:effectLst/>
+                        <a:latin typeface="Calibri" panose="020F0502020204030204" pitchFamily="34" charset="0"/>
+                        <a:ea typeface="Calibri" panose="020F0502020204030204" pitchFamily="34" charset="0"/>
+                        <a:cs typeface="Times New Roman" panose="02020603050405020304" pitchFamily="18" charset="0"/>
+                      </a:endParaRPr>
+                    </a:p>
+                  </a:txBody>
+                  <a:tcPr marL="68580" marR="68580" marT="0" marB="0" anchor="ctr"/>
+                </a:tc>
+                <a:tc>
+                  <a:txBody>
+                    <a:bodyPr/>
+                    <a:lstStyle/>
+                    <a:p>
+                      <a:pPr algn="ctr">
+                        <a:lnSpc>
+                          <a:spcPct val="115000"/>
+                        </a:lnSpc>
+                        <a:spcAft>
+                          <a:spcPts val="1000"/>
+                        </a:spcAft>
+                      </a:pPr>
+                      <a:r>
+                        <a:rPr lang="ru-RU" sz="1200" b="1">
+                          <a:effectLst/>
+                        </a:rPr>
+                        <a:t> </a:t>
+                      </a:r>
+                      <a:endParaRPr lang="ru-RU" sz="1600" b="1">
+                        <a:effectLst/>
+                        <a:latin typeface="Calibri" panose="020F0502020204030204" pitchFamily="34" charset="0"/>
+                        <a:ea typeface="Calibri" panose="020F0502020204030204" pitchFamily="34" charset="0"/>
+                        <a:cs typeface="Times New Roman" panose="02020603050405020304" pitchFamily="18" charset="0"/>
+                      </a:endParaRPr>
+                    </a:p>
+                  </a:txBody>
+                  <a:tcPr marL="68580" marR="68580" marT="0" marB="0" anchor="ctr"/>
+                </a:tc>
+                <a:tc>
+                  <a:txBody>
+                    <a:bodyPr/>
+                    <a:lstStyle/>
+                    <a:p>
+                      <a:pPr algn="ctr">
+                        <a:lnSpc>
+                          <a:spcPct val="115000"/>
+                        </a:lnSpc>
+                        <a:spcAft>
+                          <a:spcPts val="1000"/>
+                        </a:spcAft>
+                      </a:pPr>
+                      <a:r>
+                        <a:rPr lang="ru-RU" sz="1200" b="1">
+                          <a:effectLst/>
+                        </a:rPr>
+                        <a:t> </a:t>
+                      </a:r>
+                      <a:endParaRPr lang="ru-RU" sz="1600" b="1">
+                        <a:effectLst/>
+                        <a:latin typeface="Calibri" panose="020F0502020204030204" pitchFamily="34" charset="0"/>
+                        <a:ea typeface="Calibri" panose="020F0502020204030204" pitchFamily="34" charset="0"/>
+                        <a:cs typeface="Times New Roman" panose="02020603050405020304" pitchFamily="18" charset="0"/>
+                      </a:endParaRPr>
+                    </a:p>
+                  </a:txBody>
+                  <a:tcPr marL="68580" marR="68580" marT="0" marB="0" anchor="ctr"/>
+                </a:tc>
+                <a:tc>
+                  <a:txBody>
+                    <a:bodyPr/>
+                    <a:lstStyle/>
+                    <a:p>
+                      <a:pPr algn="ctr">
+                        <a:lnSpc>
+                          <a:spcPct val="115000"/>
+                        </a:lnSpc>
+                        <a:spcAft>
+                          <a:spcPts val="1000"/>
+                        </a:spcAft>
+                      </a:pPr>
+                      <a:r>
+                        <a:rPr lang="ru-RU" sz="1200" b="1">
+                          <a:effectLst/>
+                        </a:rPr>
+                        <a:t>1</a:t>
+                      </a:r>
+                      <a:endParaRPr lang="ru-RU" sz="1600" b="1">
+                        <a:effectLst/>
+                        <a:latin typeface="Calibri" panose="020F0502020204030204" pitchFamily="34" charset="0"/>
+                        <a:ea typeface="Calibri" panose="020F0502020204030204" pitchFamily="34" charset="0"/>
+                        <a:cs typeface="Times New Roman" panose="02020603050405020304" pitchFamily="18" charset="0"/>
+                      </a:endParaRPr>
+                    </a:p>
+                  </a:txBody>
+                  <a:tcPr marL="68580" marR="68580" marT="0" marB="0" anchor="ctr"/>
+                </a:tc>
+                <a:extLst>
+                  <a:ext uri="{0D108BD9-81ED-4DB2-BD59-A6C34878D82A}">
+                    <a16:rowId xmlns:a16="http://schemas.microsoft.com/office/drawing/2014/main" val="3127175397"/>
+                  </a:ext>
+                </a:extLst>
+              </a:tr>
+              <a:tr h="651264">
+                <a:tc>
+                  <a:txBody>
+                    <a:bodyPr/>
+                    <a:lstStyle/>
+                    <a:p>
+                      <a:pPr algn="l">
                         <a:lnSpc>
                           <a:spcPct val="115000"/>
                         </a:lnSpc>
@@ -4646,9 +6389,9 @@
                         <a:rPr lang="ru-RU" sz="1000">
                           <a:effectLst/>
                         </a:rPr>
-                        <a:t>+</a:t>
+                        <a:t>Сортировка списка сотрудников</a:t>
                       </a:r>
-                      <a:endParaRPr lang="ru-RU" sz="1100">
+                      <a:endParaRPr lang="ru-RU" sz="1100" b="1">
                         <a:effectLst/>
                         <a:latin typeface="Calibri" panose="020F0502020204030204" pitchFamily="34" charset="0"/>
                         <a:ea typeface="Calibri" panose="020F0502020204030204" pitchFamily="34" charset="0"/>
@@ -4663,7 +6406,217 @@
                     <a:bodyPr/>
                     <a:lstStyle/>
                     <a:p>
-                      <a:pPr algn="just">
+                      <a:pPr algn="ctr">
+                        <a:lnSpc>
+                          <a:spcPct val="115000"/>
+                        </a:lnSpc>
+                        <a:spcAft>
+                          <a:spcPts val="1000"/>
+                        </a:spcAft>
+                      </a:pPr>
+                      <a:r>
+                        <a:rPr lang="ru-RU" sz="1200" b="1" dirty="0">
+                          <a:effectLst/>
+                        </a:rPr>
+                        <a:t> </a:t>
+                      </a:r>
+                      <a:endParaRPr lang="ru-RU" sz="1600" b="1" dirty="0">
+                        <a:effectLst/>
+                        <a:latin typeface="Calibri" panose="020F0502020204030204" pitchFamily="34" charset="0"/>
+                        <a:ea typeface="Calibri" panose="020F0502020204030204" pitchFamily="34" charset="0"/>
+                        <a:cs typeface="Times New Roman" panose="02020603050405020304" pitchFamily="18" charset="0"/>
+                      </a:endParaRPr>
+                    </a:p>
+                  </a:txBody>
+                  <a:tcPr marL="68580" marR="68580" marT="0" marB="0" anchor="ctr"/>
+                </a:tc>
+                <a:tc>
+                  <a:txBody>
+                    <a:bodyPr/>
+                    <a:lstStyle/>
+                    <a:p>
+                      <a:pPr algn="ctr">
+                        <a:lnSpc>
+                          <a:spcPct val="115000"/>
+                        </a:lnSpc>
+                        <a:spcAft>
+                          <a:spcPts val="1000"/>
+                        </a:spcAft>
+                      </a:pPr>
+                      <a:r>
+                        <a:rPr lang="ru-RU" sz="1200" b="1">
+                          <a:effectLst/>
+                        </a:rPr>
+                        <a:t>+</a:t>
+                      </a:r>
+                      <a:endParaRPr lang="ru-RU" sz="1600" b="1">
+                        <a:effectLst/>
+                        <a:latin typeface="Calibri" panose="020F0502020204030204" pitchFamily="34" charset="0"/>
+                        <a:ea typeface="Calibri" panose="020F0502020204030204" pitchFamily="34" charset="0"/>
+                        <a:cs typeface="Times New Roman" panose="02020603050405020304" pitchFamily="18" charset="0"/>
+                      </a:endParaRPr>
+                    </a:p>
+                  </a:txBody>
+                  <a:tcPr marL="68580" marR="68580" marT="0" marB="0" anchor="ctr"/>
+                </a:tc>
+                <a:tc>
+                  <a:txBody>
+                    <a:bodyPr/>
+                    <a:lstStyle/>
+                    <a:p>
+                      <a:pPr algn="ctr">
+                        <a:lnSpc>
+                          <a:spcPct val="115000"/>
+                        </a:lnSpc>
+                        <a:spcAft>
+                          <a:spcPts val="1000"/>
+                        </a:spcAft>
+                      </a:pPr>
+                      <a:r>
+                        <a:rPr lang="ru-RU" sz="1200" b="1">
+                          <a:effectLst/>
+                        </a:rPr>
+                        <a:t> </a:t>
+                      </a:r>
+                      <a:endParaRPr lang="ru-RU" sz="1600" b="1">
+                        <a:effectLst/>
+                        <a:latin typeface="Calibri" panose="020F0502020204030204" pitchFamily="34" charset="0"/>
+                        <a:ea typeface="Calibri" panose="020F0502020204030204" pitchFamily="34" charset="0"/>
+                        <a:cs typeface="Times New Roman" panose="02020603050405020304" pitchFamily="18" charset="0"/>
+                      </a:endParaRPr>
+                    </a:p>
+                  </a:txBody>
+                  <a:tcPr marL="68580" marR="68580" marT="0" marB="0" anchor="ctr"/>
+                </a:tc>
+                <a:tc>
+                  <a:txBody>
+                    <a:bodyPr/>
+                    <a:lstStyle/>
+                    <a:p>
+                      <a:pPr algn="ctr">
+                        <a:lnSpc>
+                          <a:spcPct val="115000"/>
+                        </a:lnSpc>
+                        <a:spcAft>
+                          <a:spcPts val="1000"/>
+                        </a:spcAft>
+                      </a:pPr>
+                      <a:r>
+                        <a:rPr lang="ru-RU" sz="1200" b="1">
+                          <a:effectLst/>
+                        </a:rPr>
+                        <a:t> </a:t>
+                      </a:r>
+                      <a:endParaRPr lang="ru-RU" sz="1600" b="1">
+                        <a:effectLst/>
+                        <a:latin typeface="Calibri" panose="020F0502020204030204" pitchFamily="34" charset="0"/>
+                        <a:ea typeface="Calibri" panose="020F0502020204030204" pitchFamily="34" charset="0"/>
+                        <a:cs typeface="Times New Roman" panose="02020603050405020304" pitchFamily="18" charset="0"/>
+                      </a:endParaRPr>
+                    </a:p>
+                  </a:txBody>
+                  <a:tcPr marL="68580" marR="68580" marT="0" marB="0" anchor="ctr"/>
+                </a:tc>
+                <a:tc>
+                  <a:txBody>
+                    <a:bodyPr/>
+                    <a:lstStyle/>
+                    <a:p>
+                      <a:pPr algn="ctr">
+                        <a:lnSpc>
+                          <a:spcPct val="115000"/>
+                        </a:lnSpc>
+                        <a:spcAft>
+                          <a:spcPts val="1000"/>
+                        </a:spcAft>
+                      </a:pPr>
+                      <a:r>
+                        <a:rPr lang="ru-RU" sz="1200" b="1" dirty="0">
+                          <a:effectLst/>
+                        </a:rPr>
+                        <a:t> </a:t>
+                      </a:r>
+                      <a:endParaRPr lang="ru-RU" sz="1600" b="1" dirty="0">
+                        <a:effectLst/>
+                        <a:latin typeface="Calibri" panose="020F0502020204030204" pitchFamily="34" charset="0"/>
+                        <a:ea typeface="Calibri" panose="020F0502020204030204" pitchFamily="34" charset="0"/>
+                        <a:cs typeface="Times New Roman" panose="02020603050405020304" pitchFamily="18" charset="0"/>
+                      </a:endParaRPr>
+                    </a:p>
+                  </a:txBody>
+                  <a:tcPr marL="68580" marR="68580" marT="0" marB="0" anchor="ctr"/>
+                </a:tc>
+                <a:tc>
+                  <a:txBody>
+                    <a:bodyPr/>
+                    <a:lstStyle/>
+                    <a:p>
+                      <a:pPr algn="ctr">
+                        <a:lnSpc>
+                          <a:spcPct val="115000"/>
+                        </a:lnSpc>
+                        <a:spcAft>
+                          <a:spcPts val="1000"/>
+                        </a:spcAft>
+                      </a:pPr>
+                      <a:r>
+                        <a:rPr lang="ru-RU" sz="1200" b="1">
+                          <a:effectLst/>
+                        </a:rPr>
+                        <a:t> </a:t>
+                      </a:r>
+                      <a:endParaRPr lang="ru-RU" sz="1600" b="1">
+                        <a:effectLst/>
+                        <a:latin typeface="Calibri" panose="020F0502020204030204" pitchFamily="34" charset="0"/>
+                        <a:ea typeface="Calibri" panose="020F0502020204030204" pitchFamily="34" charset="0"/>
+                        <a:cs typeface="Times New Roman" panose="02020603050405020304" pitchFamily="18" charset="0"/>
+                      </a:endParaRPr>
+                    </a:p>
+                  </a:txBody>
+                  <a:tcPr marL="68580" marR="68580" marT="0" marB="0" anchor="ctr"/>
+                </a:tc>
+                <a:tc>
+                  <a:txBody>
+                    <a:bodyPr/>
+                    <a:lstStyle/>
+                    <a:p>
+                      <a:pPr algn="ctr">
+                        <a:lnSpc>
+                          <a:spcPct val="115000"/>
+                        </a:lnSpc>
+                        <a:spcAft>
+                          <a:spcPts val="1000"/>
+                        </a:spcAft>
+                      </a:pPr>
+                      <a:r>
+                        <a:rPr lang="ru-RU" sz="1200" b="1">
+                          <a:effectLst/>
+                        </a:rPr>
+                        <a:t>1</a:t>
+                      </a:r>
+                      <a:endParaRPr lang="ru-RU" sz="1600" b="1">
+                        <a:effectLst/>
+                        <a:latin typeface="Calibri" panose="020F0502020204030204" pitchFamily="34" charset="0"/>
+                        <a:ea typeface="Calibri" panose="020F0502020204030204" pitchFamily="34" charset="0"/>
+                        <a:cs typeface="Times New Roman" panose="02020603050405020304" pitchFamily="18" charset="0"/>
+                      </a:endParaRPr>
+                    </a:p>
+                  </a:txBody>
+                  <a:tcPr marL="68580" marR="68580" marT="0" marB="0" anchor="ctr"/>
+                </a:tc>
+                <a:extLst>
+                  <a:ext uri="{0D108BD9-81ED-4DB2-BD59-A6C34878D82A}">
+                    <a16:rowId xmlns:a16="http://schemas.microsoft.com/office/drawing/2014/main" val="1185248298"/>
+                  </a:ext>
+                </a:extLst>
+              </a:tr>
+              <a:tr h="429846">
+                <a:tc>
+                  <a:txBody>
+                    <a:bodyPr/>
+                    <a:lstStyle/>
+                    <a:p>
+                      <a:pPr algn="l">
                         <a:lnSpc>
                           <a:spcPct val="115000"/>
                         </a:lnSpc>
@@ -4675,9 +6628,9 @@
                         <a:rPr lang="ru-RU" sz="1000">
                           <a:effectLst/>
                         </a:rPr>
-                        <a:t> </a:t>
+                        <a:t>Валидация поля "ФИО"</a:t>
                       </a:r>
-                      <a:endParaRPr lang="ru-RU" sz="1100">
+                      <a:endParaRPr lang="ru-RU" sz="1100" b="1">
                         <a:effectLst/>
                         <a:latin typeface="Calibri" panose="020F0502020204030204" pitchFamily="34" charset="0"/>
                         <a:ea typeface="Calibri" panose="020F0502020204030204" pitchFamily="34" charset="0"/>
@@ -4692,7 +6645,217 @@
                     <a:bodyPr/>
                     <a:lstStyle/>
                     <a:p>
-                      <a:pPr algn="just">
+                      <a:pPr algn="ctr">
+                        <a:lnSpc>
+                          <a:spcPct val="115000"/>
+                        </a:lnSpc>
+                        <a:spcAft>
+                          <a:spcPts val="1000"/>
+                        </a:spcAft>
+                      </a:pPr>
+                      <a:r>
+                        <a:rPr lang="ru-RU" sz="1200" b="1" dirty="0">
+                          <a:effectLst/>
+                        </a:rPr>
+                        <a:t> </a:t>
+                      </a:r>
+                      <a:endParaRPr lang="ru-RU" sz="1600" b="1" dirty="0">
+                        <a:effectLst/>
+                        <a:latin typeface="Calibri" panose="020F0502020204030204" pitchFamily="34" charset="0"/>
+                        <a:ea typeface="Calibri" panose="020F0502020204030204" pitchFamily="34" charset="0"/>
+                        <a:cs typeface="Times New Roman" panose="02020603050405020304" pitchFamily="18" charset="0"/>
+                      </a:endParaRPr>
+                    </a:p>
+                  </a:txBody>
+                  <a:tcPr marL="68580" marR="68580" marT="0" marB="0" anchor="ctr"/>
+                </a:tc>
+                <a:tc>
+                  <a:txBody>
+                    <a:bodyPr/>
+                    <a:lstStyle/>
+                    <a:p>
+                      <a:pPr algn="ctr">
+                        <a:lnSpc>
+                          <a:spcPct val="115000"/>
+                        </a:lnSpc>
+                        <a:spcAft>
+                          <a:spcPts val="1000"/>
+                        </a:spcAft>
+                      </a:pPr>
+                      <a:r>
+                        <a:rPr lang="ru-RU" sz="1200" b="1" dirty="0">
+                          <a:effectLst/>
+                        </a:rPr>
+                        <a:t> </a:t>
+                      </a:r>
+                      <a:endParaRPr lang="ru-RU" sz="1600" b="1" dirty="0">
+                        <a:effectLst/>
+                        <a:latin typeface="Calibri" panose="020F0502020204030204" pitchFamily="34" charset="0"/>
+                        <a:ea typeface="Calibri" panose="020F0502020204030204" pitchFamily="34" charset="0"/>
+                        <a:cs typeface="Times New Roman" panose="02020603050405020304" pitchFamily="18" charset="0"/>
+                      </a:endParaRPr>
+                    </a:p>
+                  </a:txBody>
+                  <a:tcPr marL="68580" marR="68580" marT="0" marB="0" anchor="ctr"/>
+                </a:tc>
+                <a:tc>
+                  <a:txBody>
+                    <a:bodyPr/>
+                    <a:lstStyle/>
+                    <a:p>
+                      <a:pPr algn="ctr">
+                        <a:lnSpc>
+                          <a:spcPct val="115000"/>
+                        </a:lnSpc>
+                        <a:spcAft>
+                          <a:spcPts val="1000"/>
+                        </a:spcAft>
+                      </a:pPr>
+                      <a:r>
+                        <a:rPr lang="ru-RU" sz="1200" b="1">
+                          <a:effectLst/>
+                        </a:rPr>
+                        <a:t>+</a:t>
+                      </a:r>
+                      <a:endParaRPr lang="ru-RU" sz="1600" b="1">
+                        <a:effectLst/>
+                        <a:latin typeface="Calibri" panose="020F0502020204030204" pitchFamily="34" charset="0"/>
+                        <a:ea typeface="Calibri" panose="020F0502020204030204" pitchFamily="34" charset="0"/>
+                        <a:cs typeface="Times New Roman" panose="02020603050405020304" pitchFamily="18" charset="0"/>
+                      </a:endParaRPr>
+                    </a:p>
+                  </a:txBody>
+                  <a:tcPr marL="68580" marR="68580" marT="0" marB="0" anchor="ctr"/>
+                </a:tc>
+                <a:tc>
+                  <a:txBody>
+                    <a:bodyPr/>
+                    <a:lstStyle/>
+                    <a:p>
+                      <a:pPr algn="ctr">
+                        <a:lnSpc>
+                          <a:spcPct val="115000"/>
+                        </a:lnSpc>
+                        <a:spcAft>
+                          <a:spcPts val="1000"/>
+                        </a:spcAft>
+                      </a:pPr>
+                      <a:r>
+                        <a:rPr lang="ru-RU" sz="1200" b="1">
+                          <a:effectLst/>
+                        </a:rPr>
+                        <a:t> </a:t>
+                      </a:r>
+                      <a:endParaRPr lang="ru-RU" sz="1600" b="1">
+                        <a:effectLst/>
+                        <a:latin typeface="Calibri" panose="020F0502020204030204" pitchFamily="34" charset="0"/>
+                        <a:ea typeface="Calibri" panose="020F0502020204030204" pitchFamily="34" charset="0"/>
+                        <a:cs typeface="Times New Roman" panose="02020603050405020304" pitchFamily="18" charset="0"/>
+                      </a:endParaRPr>
+                    </a:p>
+                  </a:txBody>
+                  <a:tcPr marL="68580" marR="68580" marT="0" marB="0" anchor="ctr"/>
+                </a:tc>
+                <a:tc>
+                  <a:txBody>
+                    <a:bodyPr/>
+                    <a:lstStyle/>
+                    <a:p>
+                      <a:pPr algn="ctr">
+                        <a:lnSpc>
+                          <a:spcPct val="115000"/>
+                        </a:lnSpc>
+                        <a:spcAft>
+                          <a:spcPts val="1000"/>
+                        </a:spcAft>
+                      </a:pPr>
+                      <a:r>
+                        <a:rPr lang="ru-RU" sz="1200" b="1" dirty="0">
+                          <a:effectLst/>
+                        </a:rPr>
+                        <a:t> </a:t>
+                      </a:r>
+                      <a:endParaRPr lang="ru-RU" sz="1600" b="1" dirty="0">
+                        <a:effectLst/>
+                        <a:latin typeface="Calibri" panose="020F0502020204030204" pitchFamily="34" charset="0"/>
+                        <a:ea typeface="Calibri" panose="020F0502020204030204" pitchFamily="34" charset="0"/>
+                        <a:cs typeface="Times New Roman" panose="02020603050405020304" pitchFamily="18" charset="0"/>
+                      </a:endParaRPr>
+                    </a:p>
+                  </a:txBody>
+                  <a:tcPr marL="68580" marR="68580" marT="0" marB="0" anchor="ctr"/>
+                </a:tc>
+                <a:tc>
+                  <a:txBody>
+                    <a:bodyPr/>
+                    <a:lstStyle/>
+                    <a:p>
+                      <a:pPr algn="ctr">
+                        <a:lnSpc>
+                          <a:spcPct val="115000"/>
+                        </a:lnSpc>
+                        <a:spcAft>
+                          <a:spcPts val="1000"/>
+                        </a:spcAft>
+                      </a:pPr>
+                      <a:r>
+                        <a:rPr lang="ru-RU" sz="1200" b="1">
+                          <a:effectLst/>
+                        </a:rPr>
+                        <a:t> </a:t>
+                      </a:r>
+                      <a:endParaRPr lang="ru-RU" sz="1600" b="1">
+                        <a:effectLst/>
+                        <a:latin typeface="Calibri" panose="020F0502020204030204" pitchFamily="34" charset="0"/>
+                        <a:ea typeface="Calibri" panose="020F0502020204030204" pitchFamily="34" charset="0"/>
+                        <a:cs typeface="Times New Roman" panose="02020603050405020304" pitchFamily="18" charset="0"/>
+                      </a:endParaRPr>
+                    </a:p>
+                  </a:txBody>
+                  <a:tcPr marL="68580" marR="68580" marT="0" marB="0" anchor="ctr"/>
+                </a:tc>
+                <a:tc>
+                  <a:txBody>
+                    <a:bodyPr/>
+                    <a:lstStyle/>
+                    <a:p>
+                      <a:pPr algn="ctr">
+                        <a:lnSpc>
+                          <a:spcPct val="115000"/>
+                        </a:lnSpc>
+                        <a:spcAft>
+                          <a:spcPts val="1000"/>
+                        </a:spcAft>
+                      </a:pPr>
+                      <a:r>
+                        <a:rPr lang="ru-RU" sz="1200" b="1">
+                          <a:effectLst/>
+                        </a:rPr>
+                        <a:t>1</a:t>
+                      </a:r>
+                      <a:endParaRPr lang="ru-RU" sz="1600" b="1">
+                        <a:effectLst/>
+                        <a:latin typeface="Calibri" panose="020F0502020204030204" pitchFamily="34" charset="0"/>
+                        <a:ea typeface="Calibri" panose="020F0502020204030204" pitchFamily="34" charset="0"/>
+                        <a:cs typeface="Times New Roman" panose="02020603050405020304" pitchFamily="18" charset="0"/>
+                      </a:endParaRPr>
+                    </a:p>
+                  </a:txBody>
+                  <a:tcPr marL="68580" marR="68580" marT="0" marB="0" anchor="ctr"/>
+                </a:tc>
+                <a:extLst>
+                  <a:ext uri="{0D108BD9-81ED-4DB2-BD59-A6C34878D82A}">
+                    <a16:rowId xmlns:a16="http://schemas.microsoft.com/office/drawing/2014/main" val="3988746008"/>
+                  </a:ext>
+                </a:extLst>
+              </a:tr>
+              <a:tr h="429846">
+                <a:tc>
+                  <a:txBody>
+                    <a:bodyPr/>
+                    <a:lstStyle/>
+                    <a:p>
+                      <a:pPr algn="l">
                         <a:lnSpc>
                           <a:spcPct val="115000"/>
                         </a:lnSpc>
@@ -4704,9 +6867,9 @@
                         <a:rPr lang="ru-RU" sz="1000">
                           <a:effectLst/>
                         </a:rPr>
-                        <a:t> </a:t>
+                        <a:t>Автоназначение заявок</a:t>
                       </a:r>
-                      <a:endParaRPr lang="ru-RU" sz="1100">
+                      <a:endParaRPr lang="ru-RU" sz="1100" b="1">
                         <a:effectLst/>
                         <a:latin typeface="Calibri" panose="020F0502020204030204" pitchFamily="34" charset="0"/>
                         <a:ea typeface="Calibri" panose="020F0502020204030204" pitchFamily="34" charset="0"/>
@@ -4721,7 +6884,7 @@
                     <a:bodyPr/>
                     <a:lstStyle/>
                     <a:p>
-                      <a:pPr algn="just">
+                      <a:pPr algn="ctr">
                         <a:lnSpc>
                           <a:spcPct val="115000"/>
                         </a:lnSpc>
@@ -4730,12 +6893,222 @@
                         </a:spcAft>
                       </a:pPr>
                       <a:r>
-                        <a:rPr lang="ru-RU" sz="1000" dirty="0">
+                        <a:rPr lang="ru-RU" sz="1200" b="1">
                           <a:effectLst/>
                         </a:rPr>
                         <a:t> </a:t>
                       </a:r>
-                      <a:endParaRPr lang="ru-RU" sz="1100" dirty="0">
+                      <a:endParaRPr lang="ru-RU" sz="1600" b="1">
+                        <a:effectLst/>
+                        <a:latin typeface="Calibri" panose="020F0502020204030204" pitchFamily="34" charset="0"/>
+                        <a:ea typeface="Calibri" panose="020F0502020204030204" pitchFamily="34" charset="0"/>
+                        <a:cs typeface="Times New Roman" panose="02020603050405020304" pitchFamily="18" charset="0"/>
+                      </a:endParaRPr>
+                    </a:p>
+                  </a:txBody>
+                  <a:tcPr marL="68580" marR="68580" marT="0" marB="0" anchor="ctr"/>
+                </a:tc>
+                <a:tc>
+                  <a:txBody>
+                    <a:bodyPr/>
+                    <a:lstStyle/>
+                    <a:p>
+                      <a:pPr algn="ctr">
+                        <a:lnSpc>
+                          <a:spcPct val="115000"/>
+                        </a:lnSpc>
+                        <a:spcAft>
+                          <a:spcPts val="1000"/>
+                        </a:spcAft>
+                      </a:pPr>
+                      <a:r>
+                        <a:rPr lang="ru-RU" sz="1200" b="1" dirty="0">
+                          <a:effectLst/>
+                        </a:rPr>
+                        <a:t> </a:t>
+                      </a:r>
+                      <a:endParaRPr lang="ru-RU" sz="1600" b="1" dirty="0">
+                        <a:effectLst/>
+                        <a:latin typeface="Calibri" panose="020F0502020204030204" pitchFamily="34" charset="0"/>
+                        <a:ea typeface="Calibri" panose="020F0502020204030204" pitchFamily="34" charset="0"/>
+                        <a:cs typeface="Times New Roman" panose="02020603050405020304" pitchFamily="18" charset="0"/>
+                      </a:endParaRPr>
+                    </a:p>
+                  </a:txBody>
+                  <a:tcPr marL="68580" marR="68580" marT="0" marB="0" anchor="ctr"/>
+                </a:tc>
+                <a:tc>
+                  <a:txBody>
+                    <a:bodyPr/>
+                    <a:lstStyle/>
+                    <a:p>
+                      <a:pPr algn="ctr">
+                        <a:lnSpc>
+                          <a:spcPct val="115000"/>
+                        </a:lnSpc>
+                        <a:spcAft>
+                          <a:spcPts val="1000"/>
+                        </a:spcAft>
+                      </a:pPr>
+                      <a:r>
+                        <a:rPr lang="ru-RU" sz="1200" b="1">
+                          <a:effectLst/>
+                        </a:rPr>
+                        <a:t> </a:t>
+                      </a:r>
+                      <a:endParaRPr lang="ru-RU" sz="1600" b="1">
+                        <a:effectLst/>
+                        <a:latin typeface="Calibri" panose="020F0502020204030204" pitchFamily="34" charset="0"/>
+                        <a:ea typeface="Calibri" panose="020F0502020204030204" pitchFamily="34" charset="0"/>
+                        <a:cs typeface="Times New Roman" panose="02020603050405020304" pitchFamily="18" charset="0"/>
+                      </a:endParaRPr>
+                    </a:p>
+                  </a:txBody>
+                  <a:tcPr marL="68580" marR="68580" marT="0" marB="0" anchor="ctr"/>
+                </a:tc>
+                <a:tc>
+                  <a:txBody>
+                    <a:bodyPr/>
+                    <a:lstStyle/>
+                    <a:p>
+                      <a:pPr algn="ctr">
+                        <a:lnSpc>
+                          <a:spcPct val="115000"/>
+                        </a:lnSpc>
+                        <a:spcAft>
+                          <a:spcPts val="1000"/>
+                        </a:spcAft>
+                      </a:pPr>
+                      <a:r>
+                        <a:rPr lang="ru-RU" sz="1200" b="1" dirty="0">
+                          <a:effectLst/>
+                        </a:rPr>
+                        <a:t>+</a:t>
+                      </a:r>
+                      <a:endParaRPr lang="ru-RU" sz="1600" b="1" dirty="0">
+                        <a:effectLst/>
+                        <a:latin typeface="Calibri" panose="020F0502020204030204" pitchFamily="34" charset="0"/>
+                        <a:ea typeface="Calibri" panose="020F0502020204030204" pitchFamily="34" charset="0"/>
+                        <a:cs typeface="Times New Roman" panose="02020603050405020304" pitchFamily="18" charset="0"/>
+                      </a:endParaRPr>
+                    </a:p>
+                  </a:txBody>
+                  <a:tcPr marL="68580" marR="68580" marT="0" marB="0" anchor="ctr"/>
+                </a:tc>
+                <a:tc>
+                  <a:txBody>
+                    <a:bodyPr/>
+                    <a:lstStyle/>
+                    <a:p>
+                      <a:pPr algn="ctr">
+                        <a:lnSpc>
+                          <a:spcPct val="115000"/>
+                        </a:lnSpc>
+                        <a:spcAft>
+                          <a:spcPts val="1000"/>
+                        </a:spcAft>
+                      </a:pPr>
+                      <a:r>
+                        <a:rPr lang="ru-RU" sz="1200" b="1">
+                          <a:effectLst/>
+                        </a:rPr>
+                        <a:t> </a:t>
+                      </a:r>
+                      <a:endParaRPr lang="ru-RU" sz="1600" b="1">
+                        <a:effectLst/>
+                        <a:latin typeface="Calibri" panose="020F0502020204030204" pitchFamily="34" charset="0"/>
+                        <a:ea typeface="Calibri" panose="020F0502020204030204" pitchFamily="34" charset="0"/>
+                        <a:cs typeface="Times New Roman" panose="02020603050405020304" pitchFamily="18" charset="0"/>
+                      </a:endParaRPr>
+                    </a:p>
+                  </a:txBody>
+                  <a:tcPr marL="68580" marR="68580" marT="0" marB="0" anchor="ctr"/>
+                </a:tc>
+                <a:tc>
+                  <a:txBody>
+                    <a:bodyPr/>
+                    <a:lstStyle/>
+                    <a:p>
+                      <a:pPr algn="ctr">
+                        <a:lnSpc>
+                          <a:spcPct val="115000"/>
+                        </a:lnSpc>
+                        <a:spcAft>
+                          <a:spcPts val="1000"/>
+                        </a:spcAft>
+                      </a:pPr>
+                      <a:r>
+                        <a:rPr lang="ru-RU" sz="1200" b="1">
+                          <a:effectLst/>
+                        </a:rPr>
+                        <a:t> </a:t>
+                      </a:r>
+                      <a:endParaRPr lang="ru-RU" sz="1600" b="1">
+                        <a:effectLst/>
+                        <a:latin typeface="Calibri" panose="020F0502020204030204" pitchFamily="34" charset="0"/>
+                        <a:ea typeface="Calibri" panose="020F0502020204030204" pitchFamily="34" charset="0"/>
+                        <a:cs typeface="Times New Roman" panose="02020603050405020304" pitchFamily="18" charset="0"/>
+                      </a:endParaRPr>
+                    </a:p>
+                  </a:txBody>
+                  <a:tcPr marL="68580" marR="68580" marT="0" marB="0" anchor="ctr"/>
+                </a:tc>
+                <a:tc>
+                  <a:txBody>
+                    <a:bodyPr/>
+                    <a:lstStyle/>
+                    <a:p>
+                      <a:pPr algn="ctr">
+                        <a:lnSpc>
+                          <a:spcPct val="115000"/>
+                        </a:lnSpc>
+                        <a:spcAft>
+                          <a:spcPts val="1000"/>
+                        </a:spcAft>
+                      </a:pPr>
+                      <a:r>
+                        <a:rPr lang="ru-RU" sz="1200" b="1">
+                          <a:effectLst/>
+                        </a:rPr>
+                        <a:t>1</a:t>
+                      </a:r>
+                      <a:endParaRPr lang="ru-RU" sz="1600" b="1">
+                        <a:effectLst/>
+                        <a:latin typeface="Calibri" panose="020F0502020204030204" pitchFamily="34" charset="0"/>
+                        <a:ea typeface="Calibri" panose="020F0502020204030204" pitchFamily="34" charset="0"/>
+                        <a:cs typeface="Times New Roman" panose="02020603050405020304" pitchFamily="18" charset="0"/>
+                      </a:endParaRPr>
+                    </a:p>
+                  </a:txBody>
+                  <a:tcPr marL="68580" marR="68580" marT="0" marB="0" anchor="ctr"/>
+                </a:tc>
+                <a:extLst>
+                  <a:ext uri="{0D108BD9-81ED-4DB2-BD59-A6C34878D82A}">
+                    <a16:rowId xmlns:a16="http://schemas.microsoft.com/office/drawing/2014/main" val="506950960"/>
+                  </a:ext>
+                </a:extLst>
+              </a:tr>
+              <a:tr h="651264">
+                <a:tc>
+                  <a:txBody>
+                    <a:bodyPr/>
+                    <a:lstStyle/>
+                    <a:p>
+                      <a:pPr algn="l">
+                        <a:lnSpc>
+                          <a:spcPct val="115000"/>
+                        </a:lnSpc>
+                        <a:spcAft>
+                          <a:spcPts val="1000"/>
+                        </a:spcAft>
+                      </a:pPr>
+                      <a:r>
+                        <a:rPr lang="ru-RU" sz="1000">
+                          <a:effectLst/>
+                        </a:rPr>
+                        <a:t>Добавление нового сотрудника</a:t>
+                      </a:r>
+                      <a:endParaRPr lang="ru-RU" sz="1100" b="1">
                         <a:effectLst/>
                         <a:latin typeface="Calibri" panose="020F0502020204030204" pitchFamily="34" charset="0"/>
                         <a:ea typeface="Calibri" panose="020F0502020204030204" pitchFamily="34" charset="0"/>
@@ -4750,7 +7123,7 @@
                     <a:bodyPr/>
                     <a:lstStyle/>
                     <a:p>
-                      <a:pPr algn="just">
+                      <a:pPr algn="ctr">
                         <a:lnSpc>
                           <a:spcPct val="115000"/>
                         </a:lnSpc>
@@ -4759,12 +7132,222 @@
                         </a:spcAft>
                       </a:pPr>
                       <a:r>
-                        <a:rPr lang="ru-RU" sz="1000">
+                        <a:rPr lang="ru-RU" sz="1200" b="1">
                           <a:effectLst/>
                         </a:rPr>
                         <a:t> </a:t>
                       </a:r>
-                      <a:endParaRPr lang="ru-RU" sz="1100">
+                      <a:endParaRPr lang="ru-RU" sz="1600" b="1">
+                        <a:effectLst/>
+                        <a:latin typeface="Calibri" panose="020F0502020204030204" pitchFamily="34" charset="0"/>
+                        <a:ea typeface="Calibri" panose="020F0502020204030204" pitchFamily="34" charset="0"/>
+                        <a:cs typeface="Times New Roman" panose="02020603050405020304" pitchFamily="18" charset="0"/>
+                      </a:endParaRPr>
+                    </a:p>
+                  </a:txBody>
+                  <a:tcPr marL="68580" marR="68580" marT="0" marB="0" anchor="ctr"/>
+                </a:tc>
+                <a:tc>
+                  <a:txBody>
+                    <a:bodyPr/>
+                    <a:lstStyle/>
+                    <a:p>
+                      <a:pPr algn="ctr">
+                        <a:lnSpc>
+                          <a:spcPct val="115000"/>
+                        </a:lnSpc>
+                        <a:spcAft>
+                          <a:spcPts val="1000"/>
+                        </a:spcAft>
+                      </a:pPr>
+                      <a:r>
+                        <a:rPr lang="ru-RU" sz="1200" b="1" dirty="0">
+                          <a:effectLst/>
+                        </a:rPr>
+                        <a:t> </a:t>
+                      </a:r>
+                      <a:endParaRPr lang="ru-RU" sz="1600" b="1" dirty="0">
+                        <a:effectLst/>
+                        <a:latin typeface="Calibri" panose="020F0502020204030204" pitchFamily="34" charset="0"/>
+                        <a:ea typeface="Calibri" panose="020F0502020204030204" pitchFamily="34" charset="0"/>
+                        <a:cs typeface="Times New Roman" panose="02020603050405020304" pitchFamily="18" charset="0"/>
+                      </a:endParaRPr>
+                    </a:p>
+                  </a:txBody>
+                  <a:tcPr marL="68580" marR="68580" marT="0" marB="0" anchor="ctr"/>
+                </a:tc>
+                <a:tc>
+                  <a:txBody>
+                    <a:bodyPr/>
+                    <a:lstStyle/>
+                    <a:p>
+                      <a:pPr algn="ctr">
+                        <a:lnSpc>
+                          <a:spcPct val="115000"/>
+                        </a:lnSpc>
+                        <a:spcAft>
+                          <a:spcPts val="1000"/>
+                        </a:spcAft>
+                      </a:pPr>
+                      <a:r>
+                        <a:rPr lang="ru-RU" sz="1200" b="1" dirty="0">
+                          <a:effectLst/>
+                        </a:rPr>
+                        <a:t> </a:t>
+                      </a:r>
+                      <a:endParaRPr lang="ru-RU" sz="1600" b="1" dirty="0">
+                        <a:effectLst/>
+                        <a:latin typeface="Calibri" panose="020F0502020204030204" pitchFamily="34" charset="0"/>
+                        <a:ea typeface="Calibri" panose="020F0502020204030204" pitchFamily="34" charset="0"/>
+                        <a:cs typeface="Times New Roman" panose="02020603050405020304" pitchFamily="18" charset="0"/>
+                      </a:endParaRPr>
+                    </a:p>
+                  </a:txBody>
+                  <a:tcPr marL="68580" marR="68580" marT="0" marB="0" anchor="ctr"/>
+                </a:tc>
+                <a:tc>
+                  <a:txBody>
+                    <a:bodyPr/>
+                    <a:lstStyle/>
+                    <a:p>
+                      <a:pPr algn="ctr">
+                        <a:lnSpc>
+                          <a:spcPct val="115000"/>
+                        </a:lnSpc>
+                        <a:spcAft>
+                          <a:spcPts val="1000"/>
+                        </a:spcAft>
+                      </a:pPr>
+                      <a:r>
+                        <a:rPr lang="ru-RU" sz="1200" b="1" dirty="0">
+                          <a:effectLst/>
+                        </a:rPr>
+                        <a:t> </a:t>
+                      </a:r>
+                      <a:endParaRPr lang="ru-RU" sz="1600" b="1" dirty="0">
+                        <a:effectLst/>
+                        <a:latin typeface="Calibri" panose="020F0502020204030204" pitchFamily="34" charset="0"/>
+                        <a:ea typeface="Calibri" panose="020F0502020204030204" pitchFamily="34" charset="0"/>
+                        <a:cs typeface="Times New Roman" panose="02020603050405020304" pitchFamily="18" charset="0"/>
+                      </a:endParaRPr>
+                    </a:p>
+                  </a:txBody>
+                  <a:tcPr marL="68580" marR="68580" marT="0" marB="0" anchor="ctr"/>
+                </a:tc>
+                <a:tc>
+                  <a:txBody>
+                    <a:bodyPr/>
+                    <a:lstStyle/>
+                    <a:p>
+                      <a:pPr algn="ctr">
+                        <a:lnSpc>
+                          <a:spcPct val="115000"/>
+                        </a:lnSpc>
+                        <a:spcAft>
+                          <a:spcPts val="1000"/>
+                        </a:spcAft>
+                      </a:pPr>
+                      <a:r>
+                        <a:rPr lang="ru-RU" sz="1200" b="1">
+                          <a:effectLst/>
+                        </a:rPr>
+                        <a:t>+</a:t>
+                      </a:r>
+                      <a:endParaRPr lang="ru-RU" sz="1600" b="1">
+                        <a:effectLst/>
+                        <a:latin typeface="Calibri" panose="020F0502020204030204" pitchFamily="34" charset="0"/>
+                        <a:ea typeface="Calibri" panose="020F0502020204030204" pitchFamily="34" charset="0"/>
+                        <a:cs typeface="Times New Roman" panose="02020603050405020304" pitchFamily="18" charset="0"/>
+                      </a:endParaRPr>
+                    </a:p>
+                  </a:txBody>
+                  <a:tcPr marL="68580" marR="68580" marT="0" marB="0" anchor="ctr"/>
+                </a:tc>
+                <a:tc>
+                  <a:txBody>
+                    <a:bodyPr/>
+                    <a:lstStyle/>
+                    <a:p>
+                      <a:pPr algn="ctr">
+                        <a:lnSpc>
+                          <a:spcPct val="115000"/>
+                        </a:lnSpc>
+                        <a:spcAft>
+                          <a:spcPts val="1000"/>
+                        </a:spcAft>
+                      </a:pPr>
+                      <a:r>
+                        <a:rPr lang="ru-RU" sz="1200" b="1">
+                          <a:effectLst/>
+                        </a:rPr>
+                        <a:t> </a:t>
+                      </a:r>
+                      <a:endParaRPr lang="ru-RU" sz="1600" b="1">
+                        <a:effectLst/>
+                        <a:latin typeface="Calibri" panose="020F0502020204030204" pitchFamily="34" charset="0"/>
+                        <a:ea typeface="Calibri" panose="020F0502020204030204" pitchFamily="34" charset="0"/>
+                        <a:cs typeface="Times New Roman" panose="02020603050405020304" pitchFamily="18" charset="0"/>
+                      </a:endParaRPr>
+                    </a:p>
+                  </a:txBody>
+                  <a:tcPr marL="68580" marR="68580" marT="0" marB="0" anchor="ctr"/>
+                </a:tc>
+                <a:tc>
+                  <a:txBody>
+                    <a:bodyPr/>
+                    <a:lstStyle/>
+                    <a:p>
+                      <a:pPr algn="ctr">
+                        <a:lnSpc>
+                          <a:spcPct val="115000"/>
+                        </a:lnSpc>
+                        <a:spcAft>
+                          <a:spcPts val="1000"/>
+                        </a:spcAft>
+                      </a:pPr>
+                      <a:r>
+                        <a:rPr lang="ru-RU" sz="1200" b="1">
+                          <a:effectLst/>
+                        </a:rPr>
+                        <a:t>1</a:t>
+                      </a:r>
+                      <a:endParaRPr lang="ru-RU" sz="1600" b="1">
+                        <a:effectLst/>
+                        <a:latin typeface="Calibri" panose="020F0502020204030204" pitchFamily="34" charset="0"/>
+                        <a:ea typeface="Calibri" panose="020F0502020204030204" pitchFamily="34" charset="0"/>
+                        <a:cs typeface="Times New Roman" panose="02020603050405020304" pitchFamily="18" charset="0"/>
+                      </a:endParaRPr>
+                    </a:p>
+                  </a:txBody>
+                  <a:tcPr marL="68580" marR="68580" marT="0" marB="0" anchor="ctr"/>
+                </a:tc>
+                <a:extLst>
+                  <a:ext uri="{0D108BD9-81ED-4DB2-BD59-A6C34878D82A}">
+                    <a16:rowId xmlns:a16="http://schemas.microsoft.com/office/drawing/2014/main" val="2968170819"/>
+                  </a:ext>
+                </a:extLst>
+              </a:tr>
+              <a:tr h="651264">
+                <a:tc>
+                  <a:txBody>
+                    <a:bodyPr/>
+                    <a:lstStyle/>
+                    <a:p>
+                      <a:pPr algn="l">
+                        <a:lnSpc>
+                          <a:spcPct val="115000"/>
+                        </a:lnSpc>
+                        <a:spcAft>
+                          <a:spcPts val="1000"/>
+                        </a:spcAft>
+                      </a:pPr>
+                      <a:r>
+                        <a:rPr lang="ru-RU" sz="1000" dirty="0">
+                          <a:effectLst/>
+                        </a:rPr>
+                        <a:t>Экспорт данных в .xlsx</a:t>
+                      </a:r>
+                      <a:endParaRPr lang="ru-RU" sz="1100" b="1" dirty="0">
                         <a:effectLst/>
                         <a:latin typeface="Calibri" panose="020F0502020204030204" pitchFamily="34" charset="0"/>
                         <a:ea typeface="Calibri" panose="020F0502020204030204" pitchFamily="34" charset="0"/>
@@ -4779,7 +7362,7 @@
                     <a:bodyPr/>
                     <a:lstStyle/>
                     <a:p>
-                      <a:pPr algn="just">
+                      <a:pPr algn="ctr">
                         <a:lnSpc>
                           <a:spcPct val="115000"/>
                         </a:lnSpc>
@@ -4788,12 +7371,12 @@
                         </a:spcAft>
                       </a:pPr>
                       <a:r>
-                        <a:rPr lang="ru-RU" sz="1000">
+                        <a:rPr lang="ru-RU" sz="1200" b="1" dirty="0">
                           <a:effectLst/>
                         </a:rPr>
                         <a:t> </a:t>
                       </a:r>
-                      <a:endParaRPr lang="ru-RU" sz="1100">
+                      <a:endParaRPr lang="ru-RU" sz="1600" b="1" dirty="0">
                         <a:effectLst/>
                         <a:latin typeface="Calibri" panose="020F0502020204030204" pitchFamily="34" charset="0"/>
                         <a:ea typeface="Calibri" panose="020F0502020204030204" pitchFamily="34" charset="0"/>
@@ -4801,14 +7384,14 @@
                       </a:endParaRPr>
                     </a:p>
                   </a:txBody>
-                  <a:tcPr marL="68580" marR="68580" marT="0" marB="0"/>
+                  <a:tcPr marL="68580" marR="68580" marT="0" marB="0" anchor="ctr"/>
                 </a:tc>
                 <a:tc>
                   <a:txBody>
                     <a:bodyPr/>
                     <a:lstStyle/>
                     <a:p>
-                      <a:pPr algn="just">
+                      <a:pPr algn="ctr">
                         <a:lnSpc>
                           <a:spcPct val="115000"/>
                         </a:lnSpc>
@@ -4817,12 +7400,12 @@
                         </a:spcAft>
                       </a:pPr>
                       <a:r>
-                        <a:rPr lang="ru-RU" sz="1000">
+                        <a:rPr lang="ru-RU" sz="1200" b="1" dirty="0">
                           <a:effectLst/>
                         </a:rPr>
-                        <a:t>1</a:t>
+                        <a:t> </a:t>
                       </a:r>
-                      <a:endParaRPr lang="ru-RU" sz="1100">
+                      <a:endParaRPr lang="ru-RU" sz="1600" b="1" dirty="0">
                         <a:effectLst/>
                         <a:latin typeface="Calibri" panose="020F0502020204030204" pitchFamily="34" charset="0"/>
                         <a:ea typeface="Calibri" panose="020F0502020204030204" pitchFamily="34" charset="0"/>
@@ -4830,21 +7413,14 @@
                       </a:endParaRPr>
                     </a:p>
                   </a:txBody>
-                  <a:tcPr marL="68580" marR="68580" marT="0" marB="0"/>
+                  <a:tcPr marL="68580" marR="68580" marT="0" marB="0" anchor="ctr"/>
                 </a:tc>
-                <a:extLst>
-                  <a:ext uri="{0D108BD9-81ED-4DB2-BD59-A6C34878D82A}">
-                    <a16:rowId xmlns:a16="http://schemas.microsoft.com/office/drawing/2014/main" val="3127175397"/>
-                  </a:ext>
-                </a:extLst>
-              </a:tr>
-              <a:tr h="651264">
                 <a:tc>
                   <a:txBody>
                     <a:bodyPr/>
                     <a:lstStyle/>
                     <a:p>
-                      <a:pPr algn="just">
+                      <a:pPr algn="ctr">
                         <a:lnSpc>
                           <a:spcPct val="115000"/>
                         </a:lnSpc>
@@ -4853,12 +7429,12 @@
                         </a:spcAft>
                       </a:pPr>
                       <a:r>
-                        <a:rPr lang="ru-RU" sz="1000">
+                        <a:rPr lang="ru-RU" sz="1200" b="1" dirty="0">
                           <a:effectLst/>
                         </a:rPr>
-                        <a:t>Сортировка списка сотрудников</a:t>
+                        <a:t> </a:t>
                       </a:r>
-                      <a:endParaRPr lang="ru-RU" sz="1100">
+                      <a:endParaRPr lang="ru-RU" sz="1600" b="1" dirty="0">
                         <a:effectLst/>
                         <a:latin typeface="Calibri" panose="020F0502020204030204" pitchFamily="34" charset="0"/>
                         <a:ea typeface="Calibri" panose="020F0502020204030204" pitchFamily="34" charset="0"/>
@@ -4866,14 +7442,14 @@
                       </a:endParaRPr>
                     </a:p>
                   </a:txBody>
-                  <a:tcPr marL="68580" marR="68580" marT="0" marB="0"/>
+                  <a:tcPr marL="68580" marR="68580" marT="0" marB="0" anchor="ctr"/>
                 </a:tc>
                 <a:tc>
                   <a:txBody>
                     <a:bodyPr/>
                     <a:lstStyle/>
                     <a:p>
-                      <a:pPr algn="just">
+                      <a:pPr algn="ctr">
                         <a:lnSpc>
                           <a:spcPct val="115000"/>
                         </a:lnSpc>
@@ -4882,12 +7458,12 @@
                         </a:spcAft>
                       </a:pPr>
                       <a:r>
-                        <a:rPr lang="ru-RU" sz="1000">
+                        <a:rPr lang="ru-RU" sz="1200" b="1" dirty="0">
                           <a:effectLst/>
                         </a:rPr>
                         <a:t> </a:t>
                       </a:r>
-                      <a:endParaRPr lang="ru-RU" sz="1100">
+                      <a:endParaRPr lang="ru-RU" sz="1600" b="1" dirty="0">
                         <a:effectLst/>
                         <a:latin typeface="Calibri" panose="020F0502020204030204" pitchFamily="34" charset="0"/>
                         <a:ea typeface="Calibri" panose="020F0502020204030204" pitchFamily="34" charset="0"/>
@@ -4895,14 +7471,14 @@
                       </a:endParaRPr>
                     </a:p>
                   </a:txBody>
-                  <a:tcPr marL="68580" marR="68580" marT="0" marB="0"/>
+                  <a:tcPr marL="68580" marR="68580" marT="0" marB="0" anchor="ctr"/>
                 </a:tc>
                 <a:tc>
                   <a:txBody>
                     <a:bodyPr/>
                     <a:lstStyle/>
                     <a:p>
-                      <a:pPr algn="just">
+                      <a:pPr algn="ctr">
                         <a:lnSpc>
                           <a:spcPct val="115000"/>
                         </a:lnSpc>
@@ -4911,12 +7487,12 @@
                         </a:spcAft>
                       </a:pPr>
                       <a:r>
-                        <a:rPr lang="ru-RU" sz="1000">
+                        <a:rPr lang="ru-RU" sz="1200" b="1" dirty="0">
                           <a:effectLst/>
                         </a:rPr>
-                        <a:t>+</a:t>
+                        <a:t> </a:t>
                       </a:r>
-                      <a:endParaRPr lang="ru-RU" sz="1100">
+                      <a:endParaRPr lang="ru-RU" sz="1600" b="1" dirty="0">
                         <a:effectLst/>
                         <a:latin typeface="Calibri" panose="020F0502020204030204" pitchFamily="34" charset="0"/>
                         <a:ea typeface="Calibri" panose="020F0502020204030204" pitchFamily="34" charset="0"/>
@@ -4924,14 +7500,14 @@
                       </a:endParaRPr>
                     </a:p>
                   </a:txBody>
-                  <a:tcPr marL="68580" marR="68580" marT="0" marB="0"/>
+                  <a:tcPr marL="68580" marR="68580" marT="0" marB="0" anchor="ctr"/>
                 </a:tc>
                 <a:tc>
                   <a:txBody>
                     <a:bodyPr/>
                     <a:lstStyle/>
                     <a:p>
-                      <a:pPr algn="just">
+                      <a:pPr algn="ctr">
                         <a:lnSpc>
                           <a:spcPct val="115000"/>
                         </a:lnSpc>
@@ -4940,12 +7516,12 @@
                         </a:spcAft>
                       </a:pPr>
                       <a:r>
-                        <a:rPr lang="ru-RU" sz="1000">
+                        <a:rPr lang="ru-RU" sz="1200" b="1" dirty="0">
                           <a:effectLst/>
                         </a:rPr>
-                        <a:t> </a:t>
+                        <a:t>+</a:t>
                       </a:r>
-                      <a:endParaRPr lang="ru-RU" sz="1100">
+                      <a:endParaRPr lang="ru-RU" sz="1600" b="1" dirty="0">
                         <a:effectLst/>
                         <a:latin typeface="Calibri" panose="020F0502020204030204" pitchFamily="34" charset="0"/>
                         <a:ea typeface="Calibri" panose="020F0502020204030204" pitchFamily="34" charset="0"/>
@@ -4953,14 +7529,14 @@
                       </a:endParaRPr>
                     </a:p>
                   </a:txBody>
-                  <a:tcPr marL="68580" marR="68580" marT="0" marB="0"/>
+                  <a:tcPr marL="68580" marR="68580" marT="0" marB="0" anchor="ctr"/>
                 </a:tc>
                 <a:tc>
                   <a:txBody>
                     <a:bodyPr/>
                     <a:lstStyle/>
                     <a:p>
-                      <a:pPr algn="just">
+                      <a:pPr algn="ctr">
                         <a:lnSpc>
                           <a:spcPct val="115000"/>
                         </a:lnSpc>
@@ -4969,12 +7545,12 @@
                         </a:spcAft>
                       </a:pPr>
                       <a:r>
-                        <a:rPr lang="ru-RU" sz="1000">
+                        <a:rPr lang="ru-RU" sz="1200" b="1" dirty="0">
                           <a:effectLst/>
                         </a:rPr>
-                        <a:t> </a:t>
+                        <a:t>1</a:t>
                       </a:r>
-                      <a:endParaRPr lang="ru-RU" sz="1100">
+                      <a:endParaRPr lang="ru-RU" sz="1600" b="1" dirty="0">
                         <a:effectLst/>
                         <a:latin typeface="Calibri" panose="020F0502020204030204" pitchFamily="34" charset="0"/>
                         <a:ea typeface="Calibri" panose="020F0502020204030204" pitchFamily="34" charset="0"/>
@@ -4982,1050 +7558,7 @@
                       </a:endParaRPr>
                     </a:p>
                   </a:txBody>
-                  <a:tcPr marL="68580" marR="68580" marT="0" marB="0"/>
-                </a:tc>
-                <a:tc>
-                  <a:txBody>
-                    <a:bodyPr/>
-                    <a:lstStyle/>
-                    <a:p>
-                      <a:pPr algn="just">
-                        <a:lnSpc>
-                          <a:spcPct val="115000"/>
-                        </a:lnSpc>
-                        <a:spcAft>
-                          <a:spcPts val="1000"/>
-                        </a:spcAft>
-                      </a:pPr>
-                      <a:r>
-                        <a:rPr lang="ru-RU" sz="1000">
-                          <a:effectLst/>
-                        </a:rPr>
-                        <a:t> </a:t>
-                      </a:r>
-                      <a:endParaRPr lang="ru-RU" sz="1100">
-                        <a:effectLst/>
-                        <a:latin typeface="Calibri" panose="020F0502020204030204" pitchFamily="34" charset="0"/>
-                        <a:ea typeface="Calibri" panose="020F0502020204030204" pitchFamily="34" charset="0"/>
-                        <a:cs typeface="Times New Roman" panose="02020603050405020304" pitchFamily="18" charset="0"/>
-                      </a:endParaRPr>
-                    </a:p>
-                  </a:txBody>
-                  <a:tcPr marL="68580" marR="68580" marT="0" marB="0"/>
-                </a:tc>
-                <a:tc>
-                  <a:txBody>
-                    <a:bodyPr/>
-                    <a:lstStyle/>
-                    <a:p>
-                      <a:pPr algn="just">
-                        <a:lnSpc>
-                          <a:spcPct val="115000"/>
-                        </a:lnSpc>
-                        <a:spcAft>
-                          <a:spcPts val="1000"/>
-                        </a:spcAft>
-                      </a:pPr>
-                      <a:r>
-                        <a:rPr lang="ru-RU" sz="1000">
-                          <a:effectLst/>
-                        </a:rPr>
-                        <a:t> </a:t>
-                      </a:r>
-                      <a:endParaRPr lang="ru-RU" sz="1100">
-                        <a:effectLst/>
-                        <a:latin typeface="Calibri" panose="020F0502020204030204" pitchFamily="34" charset="0"/>
-                        <a:ea typeface="Calibri" panose="020F0502020204030204" pitchFamily="34" charset="0"/>
-                        <a:cs typeface="Times New Roman" panose="02020603050405020304" pitchFamily="18" charset="0"/>
-                      </a:endParaRPr>
-                    </a:p>
-                  </a:txBody>
-                  <a:tcPr marL="68580" marR="68580" marT="0" marB="0"/>
-                </a:tc>
-                <a:tc>
-                  <a:txBody>
-                    <a:bodyPr/>
-                    <a:lstStyle/>
-                    <a:p>
-                      <a:pPr algn="just">
-                        <a:lnSpc>
-                          <a:spcPct val="115000"/>
-                        </a:lnSpc>
-                        <a:spcAft>
-                          <a:spcPts val="1000"/>
-                        </a:spcAft>
-                      </a:pPr>
-                      <a:r>
-                        <a:rPr lang="ru-RU" sz="1000">
-                          <a:effectLst/>
-                        </a:rPr>
-                        <a:t>1</a:t>
-                      </a:r>
-                      <a:endParaRPr lang="ru-RU" sz="1100">
-                        <a:effectLst/>
-                        <a:latin typeface="Calibri" panose="020F0502020204030204" pitchFamily="34" charset="0"/>
-                        <a:ea typeface="Calibri" panose="020F0502020204030204" pitchFamily="34" charset="0"/>
-                        <a:cs typeface="Times New Roman" panose="02020603050405020304" pitchFamily="18" charset="0"/>
-                      </a:endParaRPr>
-                    </a:p>
-                  </a:txBody>
-                  <a:tcPr marL="68580" marR="68580" marT="0" marB="0"/>
-                </a:tc>
-                <a:extLst>
-                  <a:ext uri="{0D108BD9-81ED-4DB2-BD59-A6C34878D82A}">
-                    <a16:rowId xmlns:a16="http://schemas.microsoft.com/office/drawing/2014/main" val="1185248298"/>
-                  </a:ext>
-                </a:extLst>
-              </a:tr>
-              <a:tr h="429846">
-                <a:tc>
-                  <a:txBody>
-                    <a:bodyPr/>
-                    <a:lstStyle/>
-                    <a:p>
-                      <a:pPr algn="just">
-                        <a:lnSpc>
-                          <a:spcPct val="115000"/>
-                        </a:lnSpc>
-                        <a:spcAft>
-                          <a:spcPts val="1000"/>
-                        </a:spcAft>
-                      </a:pPr>
-                      <a:r>
-                        <a:rPr lang="ru-RU" sz="1000">
-                          <a:effectLst/>
-                        </a:rPr>
-                        <a:t>Валидация поля "ФИО"</a:t>
-                      </a:r>
-                      <a:endParaRPr lang="ru-RU" sz="1100">
-                        <a:effectLst/>
-                        <a:latin typeface="Calibri" panose="020F0502020204030204" pitchFamily="34" charset="0"/>
-                        <a:ea typeface="Calibri" panose="020F0502020204030204" pitchFamily="34" charset="0"/>
-                        <a:cs typeface="Times New Roman" panose="02020603050405020304" pitchFamily="18" charset="0"/>
-                      </a:endParaRPr>
-                    </a:p>
-                  </a:txBody>
-                  <a:tcPr marL="68580" marR="68580" marT="0" marB="0"/>
-                </a:tc>
-                <a:tc>
-                  <a:txBody>
-                    <a:bodyPr/>
-                    <a:lstStyle/>
-                    <a:p>
-                      <a:pPr algn="just">
-                        <a:lnSpc>
-                          <a:spcPct val="115000"/>
-                        </a:lnSpc>
-                        <a:spcAft>
-                          <a:spcPts val="1000"/>
-                        </a:spcAft>
-                      </a:pPr>
-                      <a:r>
-                        <a:rPr lang="ru-RU" sz="1000">
-                          <a:effectLst/>
-                        </a:rPr>
-                        <a:t> </a:t>
-                      </a:r>
-                      <a:endParaRPr lang="ru-RU" sz="1100">
-                        <a:effectLst/>
-                        <a:latin typeface="Calibri" panose="020F0502020204030204" pitchFamily="34" charset="0"/>
-                        <a:ea typeface="Calibri" panose="020F0502020204030204" pitchFamily="34" charset="0"/>
-                        <a:cs typeface="Times New Roman" panose="02020603050405020304" pitchFamily="18" charset="0"/>
-                      </a:endParaRPr>
-                    </a:p>
-                  </a:txBody>
-                  <a:tcPr marL="68580" marR="68580" marT="0" marB="0"/>
-                </a:tc>
-                <a:tc>
-                  <a:txBody>
-                    <a:bodyPr/>
-                    <a:lstStyle/>
-                    <a:p>
-                      <a:pPr algn="just">
-                        <a:lnSpc>
-                          <a:spcPct val="115000"/>
-                        </a:lnSpc>
-                        <a:spcAft>
-                          <a:spcPts val="1000"/>
-                        </a:spcAft>
-                      </a:pPr>
-                      <a:r>
-                        <a:rPr lang="ru-RU" sz="1000">
-                          <a:effectLst/>
-                        </a:rPr>
-                        <a:t> </a:t>
-                      </a:r>
-                      <a:endParaRPr lang="ru-RU" sz="1100">
-                        <a:effectLst/>
-                        <a:latin typeface="Calibri" panose="020F0502020204030204" pitchFamily="34" charset="0"/>
-                        <a:ea typeface="Calibri" panose="020F0502020204030204" pitchFamily="34" charset="0"/>
-                        <a:cs typeface="Times New Roman" panose="02020603050405020304" pitchFamily="18" charset="0"/>
-                      </a:endParaRPr>
-                    </a:p>
-                  </a:txBody>
-                  <a:tcPr marL="68580" marR="68580" marT="0" marB="0"/>
-                </a:tc>
-                <a:tc>
-                  <a:txBody>
-                    <a:bodyPr/>
-                    <a:lstStyle/>
-                    <a:p>
-                      <a:pPr algn="just">
-                        <a:lnSpc>
-                          <a:spcPct val="115000"/>
-                        </a:lnSpc>
-                        <a:spcAft>
-                          <a:spcPts val="1000"/>
-                        </a:spcAft>
-                      </a:pPr>
-                      <a:r>
-                        <a:rPr lang="ru-RU" sz="1000">
-                          <a:effectLst/>
-                        </a:rPr>
-                        <a:t>+</a:t>
-                      </a:r>
-                      <a:endParaRPr lang="ru-RU" sz="1100">
-                        <a:effectLst/>
-                        <a:latin typeface="Calibri" panose="020F0502020204030204" pitchFamily="34" charset="0"/>
-                        <a:ea typeface="Calibri" panose="020F0502020204030204" pitchFamily="34" charset="0"/>
-                        <a:cs typeface="Times New Roman" panose="02020603050405020304" pitchFamily="18" charset="0"/>
-                      </a:endParaRPr>
-                    </a:p>
-                  </a:txBody>
-                  <a:tcPr marL="68580" marR="68580" marT="0" marB="0"/>
-                </a:tc>
-                <a:tc>
-                  <a:txBody>
-                    <a:bodyPr/>
-                    <a:lstStyle/>
-                    <a:p>
-                      <a:pPr algn="just">
-                        <a:lnSpc>
-                          <a:spcPct val="115000"/>
-                        </a:lnSpc>
-                        <a:spcAft>
-                          <a:spcPts val="1000"/>
-                        </a:spcAft>
-                      </a:pPr>
-                      <a:r>
-                        <a:rPr lang="ru-RU" sz="1000">
-                          <a:effectLst/>
-                        </a:rPr>
-                        <a:t> </a:t>
-                      </a:r>
-                      <a:endParaRPr lang="ru-RU" sz="1100">
-                        <a:effectLst/>
-                        <a:latin typeface="Calibri" panose="020F0502020204030204" pitchFamily="34" charset="0"/>
-                        <a:ea typeface="Calibri" panose="020F0502020204030204" pitchFamily="34" charset="0"/>
-                        <a:cs typeface="Times New Roman" panose="02020603050405020304" pitchFamily="18" charset="0"/>
-                      </a:endParaRPr>
-                    </a:p>
-                  </a:txBody>
-                  <a:tcPr marL="68580" marR="68580" marT="0" marB="0"/>
-                </a:tc>
-                <a:tc>
-                  <a:txBody>
-                    <a:bodyPr/>
-                    <a:lstStyle/>
-                    <a:p>
-                      <a:pPr algn="just">
-                        <a:lnSpc>
-                          <a:spcPct val="115000"/>
-                        </a:lnSpc>
-                        <a:spcAft>
-                          <a:spcPts val="1000"/>
-                        </a:spcAft>
-                      </a:pPr>
-                      <a:r>
-                        <a:rPr lang="ru-RU" sz="1000">
-                          <a:effectLst/>
-                        </a:rPr>
-                        <a:t> </a:t>
-                      </a:r>
-                      <a:endParaRPr lang="ru-RU" sz="1100">
-                        <a:effectLst/>
-                        <a:latin typeface="Calibri" panose="020F0502020204030204" pitchFamily="34" charset="0"/>
-                        <a:ea typeface="Calibri" panose="020F0502020204030204" pitchFamily="34" charset="0"/>
-                        <a:cs typeface="Times New Roman" panose="02020603050405020304" pitchFamily="18" charset="0"/>
-                      </a:endParaRPr>
-                    </a:p>
-                  </a:txBody>
-                  <a:tcPr marL="68580" marR="68580" marT="0" marB="0"/>
-                </a:tc>
-                <a:tc>
-                  <a:txBody>
-                    <a:bodyPr/>
-                    <a:lstStyle/>
-                    <a:p>
-                      <a:pPr algn="just">
-                        <a:lnSpc>
-                          <a:spcPct val="115000"/>
-                        </a:lnSpc>
-                        <a:spcAft>
-                          <a:spcPts val="1000"/>
-                        </a:spcAft>
-                      </a:pPr>
-                      <a:r>
-                        <a:rPr lang="ru-RU" sz="1000">
-                          <a:effectLst/>
-                        </a:rPr>
-                        <a:t> </a:t>
-                      </a:r>
-                      <a:endParaRPr lang="ru-RU" sz="1100">
-                        <a:effectLst/>
-                        <a:latin typeface="Calibri" panose="020F0502020204030204" pitchFamily="34" charset="0"/>
-                        <a:ea typeface="Calibri" panose="020F0502020204030204" pitchFamily="34" charset="0"/>
-                        <a:cs typeface="Times New Roman" panose="02020603050405020304" pitchFamily="18" charset="0"/>
-                      </a:endParaRPr>
-                    </a:p>
-                  </a:txBody>
-                  <a:tcPr marL="68580" marR="68580" marT="0" marB="0"/>
-                </a:tc>
-                <a:tc>
-                  <a:txBody>
-                    <a:bodyPr/>
-                    <a:lstStyle/>
-                    <a:p>
-                      <a:pPr algn="just">
-                        <a:lnSpc>
-                          <a:spcPct val="115000"/>
-                        </a:lnSpc>
-                        <a:spcAft>
-                          <a:spcPts val="1000"/>
-                        </a:spcAft>
-                      </a:pPr>
-                      <a:r>
-                        <a:rPr lang="ru-RU" sz="1000">
-                          <a:effectLst/>
-                        </a:rPr>
-                        <a:t>1</a:t>
-                      </a:r>
-                      <a:endParaRPr lang="ru-RU" sz="1100">
-                        <a:effectLst/>
-                        <a:latin typeface="Calibri" panose="020F0502020204030204" pitchFamily="34" charset="0"/>
-                        <a:ea typeface="Calibri" panose="020F0502020204030204" pitchFamily="34" charset="0"/>
-                        <a:cs typeface="Times New Roman" panose="02020603050405020304" pitchFamily="18" charset="0"/>
-                      </a:endParaRPr>
-                    </a:p>
-                  </a:txBody>
-                  <a:tcPr marL="68580" marR="68580" marT="0" marB="0"/>
-                </a:tc>
-                <a:extLst>
-                  <a:ext uri="{0D108BD9-81ED-4DB2-BD59-A6C34878D82A}">
-                    <a16:rowId xmlns:a16="http://schemas.microsoft.com/office/drawing/2014/main" val="3988746008"/>
-                  </a:ext>
-                </a:extLst>
-              </a:tr>
-              <a:tr h="429846">
-                <a:tc>
-                  <a:txBody>
-                    <a:bodyPr/>
-                    <a:lstStyle/>
-                    <a:p>
-                      <a:pPr algn="just">
-                        <a:lnSpc>
-                          <a:spcPct val="115000"/>
-                        </a:lnSpc>
-                        <a:spcAft>
-                          <a:spcPts val="1000"/>
-                        </a:spcAft>
-                      </a:pPr>
-                      <a:r>
-                        <a:rPr lang="ru-RU" sz="1000">
-                          <a:effectLst/>
-                        </a:rPr>
-                        <a:t>Автоназначение заявок</a:t>
-                      </a:r>
-                      <a:endParaRPr lang="ru-RU" sz="1100">
-                        <a:effectLst/>
-                        <a:latin typeface="Calibri" panose="020F0502020204030204" pitchFamily="34" charset="0"/>
-                        <a:ea typeface="Calibri" panose="020F0502020204030204" pitchFamily="34" charset="0"/>
-                        <a:cs typeface="Times New Roman" panose="02020603050405020304" pitchFamily="18" charset="0"/>
-                      </a:endParaRPr>
-                    </a:p>
-                  </a:txBody>
-                  <a:tcPr marL="68580" marR="68580" marT="0" marB="0"/>
-                </a:tc>
-                <a:tc>
-                  <a:txBody>
-                    <a:bodyPr/>
-                    <a:lstStyle/>
-                    <a:p>
-                      <a:pPr algn="just">
-                        <a:lnSpc>
-                          <a:spcPct val="115000"/>
-                        </a:lnSpc>
-                        <a:spcAft>
-                          <a:spcPts val="1000"/>
-                        </a:spcAft>
-                      </a:pPr>
-                      <a:r>
-                        <a:rPr lang="ru-RU" sz="1000">
-                          <a:effectLst/>
-                        </a:rPr>
-                        <a:t> </a:t>
-                      </a:r>
-                      <a:endParaRPr lang="ru-RU" sz="1100">
-                        <a:effectLst/>
-                        <a:latin typeface="Calibri" panose="020F0502020204030204" pitchFamily="34" charset="0"/>
-                        <a:ea typeface="Calibri" panose="020F0502020204030204" pitchFamily="34" charset="0"/>
-                        <a:cs typeface="Times New Roman" panose="02020603050405020304" pitchFamily="18" charset="0"/>
-                      </a:endParaRPr>
-                    </a:p>
-                  </a:txBody>
-                  <a:tcPr marL="68580" marR="68580" marT="0" marB="0"/>
-                </a:tc>
-                <a:tc>
-                  <a:txBody>
-                    <a:bodyPr/>
-                    <a:lstStyle/>
-                    <a:p>
-                      <a:pPr algn="just">
-                        <a:lnSpc>
-                          <a:spcPct val="115000"/>
-                        </a:lnSpc>
-                        <a:spcAft>
-                          <a:spcPts val="1000"/>
-                        </a:spcAft>
-                      </a:pPr>
-                      <a:r>
-                        <a:rPr lang="ru-RU" sz="1000">
-                          <a:effectLst/>
-                        </a:rPr>
-                        <a:t> </a:t>
-                      </a:r>
-                      <a:endParaRPr lang="ru-RU" sz="1100">
-                        <a:effectLst/>
-                        <a:latin typeface="Calibri" panose="020F0502020204030204" pitchFamily="34" charset="0"/>
-                        <a:ea typeface="Calibri" panose="020F0502020204030204" pitchFamily="34" charset="0"/>
-                        <a:cs typeface="Times New Roman" panose="02020603050405020304" pitchFamily="18" charset="0"/>
-                      </a:endParaRPr>
-                    </a:p>
-                  </a:txBody>
-                  <a:tcPr marL="68580" marR="68580" marT="0" marB="0"/>
-                </a:tc>
-                <a:tc>
-                  <a:txBody>
-                    <a:bodyPr/>
-                    <a:lstStyle/>
-                    <a:p>
-                      <a:pPr algn="just">
-                        <a:lnSpc>
-                          <a:spcPct val="115000"/>
-                        </a:lnSpc>
-                        <a:spcAft>
-                          <a:spcPts val="1000"/>
-                        </a:spcAft>
-                      </a:pPr>
-                      <a:r>
-                        <a:rPr lang="ru-RU" sz="1000">
-                          <a:effectLst/>
-                        </a:rPr>
-                        <a:t> </a:t>
-                      </a:r>
-                      <a:endParaRPr lang="ru-RU" sz="1100">
-                        <a:effectLst/>
-                        <a:latin typeface="Calibri" panose="020F0502020204030204" pitchFamily="34" charset="0"/>
-                        <a:ea typeface="Calibri" panose="020F0502020204030204" pitchFamily="34" charset="0"/>
-                        <a:cs typeface="Times New Roman" panose="02020603050405020304" pitchFamily="18" charset="0"/>
-                      </a:endParaRPr>
-                    </a:p>
-                  </a:txBody>
-                  <a:tcPr marL="68580" marR="68580" marT="0" marB="0"/>
-                </a:tc>
-                <a:tc>
-                  <a:txBody>
-                    <a:bodyPr/>
-                    <a:lstStyle/>
-                    <a:p>
-                      <a:pPr algn="just">
-                        <a:lnSpc>
-                          <a:spcPct val="115000"/>
-                        </a:lnSpc>
-                        <a:spcAft>
-                          <a:spcPts val="1000"/>
-                        </a:spcAft>
-                      </a:pPr>
-                      <a:r>
-                        <a:rPr lang="ru-RU" sz="1000" dirty="0">
-                          <a:effectLst/>
-                        </a:rPr>
-                        <a:t>+</a:t>
-                      </a:r>
-                      <a:endParaRPr lang="ru-RU" sz="1100" dirty="0">
-                        <a:effectLst/>
-                        <a:latin typeface="Calibri" panose="020F0502020204030204" pitchFamily="34" charset="0"/>
-                        <a:ea typeface="Calibri" panose="020F0502020204030204" pitchFamily="34" charset="0"/>
-                        <a:cs typeface="Times New Roman" panose="02020603050405020304" pitchFamily="18" charset="0"/>
-                      </a:endParaRPr>
-                    </a:p>
-                  </a:txBody>
-                  <a:tcPr marL="68580" marR="68580" marT="0" marB="0"/>
-                </a:tc>
-                <a:tc>
-                  <a:txBody>
-                    <a:bodyPr/>
-                    <a:lstStyle/>
-                    <a:p>
-                      <a:pPr algn="just">
-                        <a:lnSpc>
-                          <a:spcPct val="115000"/>
-                        </a:lnSpc>
-                        <a:spcAft>
-                          <a:spcPts val="1000"/>
-                        </a:spcAft>
-                      </a:pPr>
-                      <a:r>
-                        <a:rPr lang="ru-RU" sz="1000">
-                          <a:effectLst/>
-                        </a:rPr>
-                        <a:t> </a:t>
-                      </a:r>
-                      <a:endParaRPr lang="ru-RU" sz="1100">
-                        <a:effectLst/>
-                        <a:latin typeface="Calibri" panose="020F0502020204030204" pitchFamily="34" charset="0"/>
-                        <a:ea typeface="Calibri" panose="020F0502020204030204" pitchFamily="34" charset="0"/>
-                        <a:cs typeface="Times New Roman" panose="02020603050405020304" pitchFamily="18" charset="0"/>
-                      </a:endParaRPr>
-                    </a:p>
-                  </a:txBody>
-                  <a:tcPr marL="68580" marR="68580" marT="0" marB="0"/>
-                </a:tc>
-                <a:tc>
-                  <a:txBody>
-                    <a:bodyPr/>
-                    <a:lstStyle/>
-                    <a:p>
-                      <a:pPr algn="just">
-                        <a:lnSpc>
-                          <a:spcPct val="115000"/>
-                        </a:lnSpc>
-                        <a:spcAft>
-                          <a:spcPts val="1000"/>
-                        </a:spcAft>
-                      </a:pPr>
-                      <a:r>
-                        <a:rPr lang="ru-RU" sz="1000">
-                          <a:effectLst/>
-                        </a:rPr>
-                        <a:t> </a:t>
-                      </a:r>
-                      <a:endParaRPr lang="ru-RU" sz="1100">
-                        <a:effectLst/>
-                        <a:latin typeface="Calibri" panose="020F0502020204030204" pitchFamily="34" charset="0"/>
-                        <a:ea typeface="Calibri" panose="020F0502020204030204" pitchFamily="34" charset="0"/>
-                        <a:cs typeface="Times New Roman" panose="02020603050405020304" pitchFamily="18" charset="0"/>
-                      </a:endParaRPr>
-                    </a:p>
-                  </a:txBody>
-                  <a:tcPr marL="68580" marR="68580" marT="0" marB="0"/>
-                </a:tc>
-                <a:tc>
-                  <a:txBody>
-                    <a:bodyPr/>
-                    <a:lstStyle/>
-                    <a:p>
-                      <a:pPr algn="just">
-                        <a:lnSpc>
-                          <a:spcPct val="115000"/>
-                        </a:lnSpc>
-                        <a:spcAft>
-                          <a:spcPts val="1000"/>
-                        </a:spcAft>
-                      </a:pPr>
-                      <a:r>
-                        <a:rPr lang="ru-RU" sz="1000">
-                          <a:effectLst/>
-                        </a:rPr>
-                        <a:t>1</a:t>
-                      </a:r>
-                      <a:endParaRPr lang="ru-RU" sz="1100">
-                        <a:effectLst/>
-                        <a:latin typeface="Calibri" panose="020F0502020204030204" pitchFamily="34" charset="0"/>
-                        <a:ea typeface="Calibri" panose="020F0502020204030204" pitchFamily="34" charset="0"/>
-                        <a:cs typeface="Times New Roman" panose="02020603050405020304" pitchFamily="18" charset="0"/>
-                      </a:endParaRPr>
-                    </a:p>
-                  </a:txBody>
-                  <a:tcPr marL="68580" marR="68580" marT="0" marB="0"/>
-                </a:tc>
-                <a:extLst>
-                  <a:ext uri="{0D108BD9-81ED-4DB2-BD59-A6C34878D82A}">
-                    <a16:rowId xmlns:a16="http://schemas.microsoft.com/office/drawing/2014/main" val="506950960"/>
-                  </a:ext>
-                </a:extLst>
-              </a:tr>
-              <a:tr h="651264">
-                <a:tc>
-                  <a:txBody>
-                    <a:bodyPr/>
-                    <a:lstStyle/>
-                    <a:p>
-                      <a:pPr algn="just">
-                        <a:lnSpc>
-                          <a:spcPct val="115000"/>
-                        </a:lnSpc>
-                        <a:spcAft>
-                          <a:spcPts val="1000"/>
-                        </a:spcAft>
-                      </a:pPr>
-                      <a:r>
-                        <a:rPr lang="ru-RU" sz="1000">
-                          <a:effectLst/>
-                        </a:rPr>
-                        <a:t>Добавление нового сотрудника</a:t>
-                      </a:r>
-                      <a:endParaRPr lang="ru-RU" sz="1100">
-                        <a:effectLst/>
-                        <a:latin typeface="Calibri" panose="020F0502020204030204" pitchFamily="34" charset="0"/>
-                        <a:ea typeface="Calibri" panose="020F0502020204030204" pitchFamily="34" charset="0"/>
-                        <a:cs typeface="Times New Roman" panose="02020603050405020304" pitchFamily="18" charset="0"/>
-                      </a:endParaRPr>
-                    </a:p>
-                  </a:txBody>
-                  <a:tcPr marL="68580" marR="68580" marT="0" marB="0"/>
-                </a:tc>
-                <a:tc>
-                  <a:txBody>
-                    <a:bodyPr/>
-                    <a:lstStyle/>
-                    <a:p>
-                      <a:pPr algn="just">
-                        <a:lnSpc>
-                          <a:spcPct val="115000"/>
-                        </a:lnSpc>
-                        <a:spcAft>
-                          <a:spcPts val="1000"/>
-                        </a:spcAft>
-                      </a:pPr>
-                      <a:r>
-                        <a:rPr lang="ru-RU" sz="1000">
-                          <a:effectLst/>
-                        </a:rPr>
-                        <a:t> </a:t>
-                      </a:r>
-                      <a:endParaRPr lang="ru-RU" sz="1100">
-                        <a:effectLst/>
-                        <a:latin typeface="Calibri" panose="020F0502020204030204" pitchFamily="34" charset="0"/>
-                        <a:ea typeface="Calibri" panose="020F0502020204030204" pitchFamily="34" charset="0"/>
-                        <a:cs typeface="Times New Roman" panose="02020603050405020304" pitchFamily="18" charset="0"/>
-                      </a:endParaRPr>
-                    </a:p>
-                  </a:txBody>
-                  <a:tcPr marL="68580" marR="68580" marT="0" marB="0"/>
-                </a:tc>
-                <a:tc>
-                  <a:txBody>
-                    <a:bodyPr/>
-                    <a:lstStyle/>
-                    <a:p>
-                      <a:pPr algn="just">
-                        <a:lnSpc>
-                          <a:spcPct val="115000"/>
-                        </a:lnSpc>
-                        <a:spcAft>
-                          <a:spcPts val="1000"/>
-                        </a:spcAft>
-                      </a:pPr>
-                      <a:r>
-                        <a:rPr lang="ru-RU" sz="1000">
-                          <a:effectLst/>
-                        </a:rPr>
-                        <a:t> </a:t>
-                      </a:r>
-                      <a:endParaRPr lang="ru-RU" sz="1100">
-                        <a:effectLst/>
-                        <a:latin typeface="Calibri" panose="020F0502020204030204" pitchFamily="34" charset="0"/>
-                        <a:ea typeface="Calibri" panose="020F0502020204030204" pitchFamily="34" charset="0"/>
-                        <a:cs typeface="Times New Roman" panose="02020603050405020304" pitchFamily="18" charset="0"/>
-                      </a:endParaRPr>
-                    </a:p>
-                  </a:txBody>
-                  <a:tcPr marL="68580" marR="68580" marT="0" marB="0"/>
-                </a:tc>
-                <a:tc>
-                  <a:txBody>
-                    <a:bodyPr/>
-                    <a:lstStyle/>
-                    <a:p>
-                      <a:pPr algn="just">
-                        <a:lnSpc>
-                          <a:spcPct val="115000"/>
-                        </a:lnSpc>
-                        <a:spcAft>
-                          <a:spcPts val="1000"/>
-                        </a:spcAft>
-                      </a:pPr>
-                      <a:r>
-                        <a:rPr lang="ru-RU" sz="1000">
-                          <a:effectLst/>
-                        </a:rPr>
-                        <a:t> </a:t>
-                      </a:r>
-                      <a:endParaRPr lang="ru-RU" sz="1100">
-                        <a:effectLst/>
-                        <a:latin typeface="Calibri" panose="020F0502020204030204" pitchFamily="34" charset="0"/>
-                        <a:ea typeface="Calibri" panose="020F0502020204030204" pitchFamily="34" charset="0"/>
-                        <a:cs typeface="Times New Roman" panose="02020603050405020304" pitchFamily="18" charset="0"/>
-                      </a:endParaRPr>
-                    </a:p>
-                  </a:txBody>
-                  <a:tcPr marL="68580" marR="68580" marT="0" marB="0"/>
-                </a:tc>
-                <a:tc>
-                  <a:txBody>
-                    <a:bodyPr/>
-                    <a:lstStyle/>
-                    <a:p>
-                      <a:pPr algn="just">
-                        <a:lnSpc>
-                          <a:spcPct val="115000"/>
-                        </a:lnSpc>
-                        <a:spcAft>
-                          <a:spcPts val="1000"/>
-                        </a:spcAft>
-                      </a:pPr>
-                      <a:r>
-                        <a:rPr lang="ru-RU" sz="1000">
-                          <a:effectLst/>
-                        </a:rPr>
-                        <a:t> </a:t>
-                      </a:r>
-                      <a:endParaRPr lang="ru-RU" sz="1100">
-                        <a:effectLst/>
-                        <a:latin typeface="Calibri" panose="020F0502020204030204" pitchFamily="34" charset="0"/>
-                        <a:ea typeface="Calibri" panose="020F0502020204030204" pitchFamily="34" charset="0"/>
-                        <a:cs typeface="Times New Roman" panose="02020603050405020304" pitchFamily="18" charset="0"/>
-                      </a:endParaRPr>
-                    </a:p>
-                  </a:txBody>
-                  <a:tcPr marL="68580" marR="68580" marT="0" marB="0"/>
-                </a:tc>
-                <a:tc>
-                  <a:txBody>
-                    <a:bodyPr/>
-                    <a:lstStyle/>
-                    <a:p>
-                      <a:pPr algn="just">
-                        <a:lnSpc>
-                          <a:spcPct val="115000"/>
-                        </a:lnSpc>
-                        <a:spcAft>
-                          <a:spcPts val="1000"/>
-                        </a:spcAft>
-                      </a:pPr>
-                      <a:r>
-                        <a:rPr lang="ru-RU" sz="1000">
-                          <a:effectLst/>
-                        </a:rPr>
-                        <a:t>+</a:t>
-                      </a:r>
-                      <a:endParaRPr lang="ru-RU" sz="1100">
-                        <a:effectLst/>
-                        <a:latin typeface="Calibri" panose="020F0502020204030204" pitchFamily="34" charset="0"/>
-                        <a:ea typeface="Calibri" panose="020F0502020204030204" pitchFamily="34" charset="0"/>
-                        <a:cs typeface="Times New Roman" panose="02020603050405020304" pitchFamily="18" charset="0"/>
-                      </a:endParaRPr>
-                    </a:p>
-                  </a:txBody>
-                  <a:tcPr marL="68580" marR="68580" marT="0" marB="0"/>
-                </a:tc>
-                <a:tc>
-                  <a:txBody>
-                    <a:bodyPr/>
-                    <a:lstStyle/>
-                    <a:p>
-                      <a:pPr algn="just">
-                        <a:lnSpc>
-                          <a:spcPct val="115000"/>
-                        </a:lnSpc>
-                        <a:spcAft>
-                          <a:spcPts val="1000"/>
-                        </a:spcAft>
-                      </a:pPr>
-                      <a:r>
-                        <a:rPr lang="ru-RU" sz="1000">
-                          <a:effectLst/>
-                        </a:rPr>
-                        <a:t> </a:t>
-                      </a:r>
-                      <a:endParaRPr lang="ru-RU" sz="1100">
-                        <a:effectLst/>
-                        <a:latin typeface="Calibri" panose="020F0502020204030204" pitchFamily="34" charset="0"/>
-                        <a:ea typeface="Calibri" panose="020F0502020204030204" pitchFamily="34" charset="0"/>
-                        <a:cs typeface="Times New Roman" panose="02020603050405020304" pitchFamily="18" charset="0"/>
-                      </a:endParaRPr>
-                    </a:p>
-                  </a:txBody>
-                  <a:tcPr marL="68580" marR="68580" marT="0" marB="0"/>
-                </a:tc>
-                <a:tc>
-                  <a:txBody>
-                    <a:bodyPr/>
-                    <a:lstStyle/>
-                    <a:p>
-                      <a:pPr algn="just">
-                        <a:lnSpc>
-                          <a:spcPct val="115000"/>
-                        </a:lnSpc>
-                        <a:spcAft>
-                          <a:spcPts val="1000"/>
-                        </a:spcAft>
-                      </a:pPr>
-                      <a:r>
-                        <a:rPr lang="ru-RU" sz="1000">
-                          <a:effectLst/>
-                        </a:rPr>
-                        <a:t>1</a:t>
-                      </a:r>
-                      <a:endParaRPr lang="ru-RU" sz="1100">
-                        <a:effectLst/>
-                        <a:latin typeface="Calibri" panose="020F0502020204030204" pitchFamily="34" charset="0"/>
-                        <a:ea typeface="Calibri" panose="020F0502020204030204" pitchFamily="34" charset="0"/>
-                        <a:cs typeface="Times New Roman" panose="02020603050405020304" pitchFamily="18" charset="0"/>
-                      </a:endParaRPr>
-                    </a:p>
-                  </a:txBody>
-                  <a:tcPr marL="68580" marR="68580" marT="0" marB="0"/>
-                </a:tc>
-                <a:extLst>
-                  <a:ext uri="{0D108BD9-81ED-4DB2-BD59-A6C34878D82A}">
-                    <a16:rowId xmlns:a16="http://schemas.microsoft.com/office/drawing/2014/main" val="2968170819"/>
-                  </a:ext>
-                </a:extLst>
-              </a:tr>
-              <a:tr h="651264">
-                <a:tc>
-                  <a:txBody>
-                    <a:bodyPr/>
-                    <a:lstStyle/>
-                    <a:p>
-                      <a:pPr algn="just">
-                        <a:lnSpc>
-                          <a:spcPct val="115000"/>
-                        </a:lnSpc>
-                        <a:spcAft>
-                          <a:spcPts val="1000"/>
-                        </a:spcAft>
-                      </a:pPr>
-                      <a:r>
-                        <a:rPr lang="ru-RU" sz="1000">
-                          <a:effectLst/>
-                        </a:rPr>
-                        <a:t>Экспорт данных в .xlsx</a:t>
-                      </a:r>
-                      <a:endParaRPr lang="ru-RU" sz="1100">
-                        <a:effectLst/>
-                        <a:latin typeface="Calibri" panose="020F0502020204030204" pitchFamily="34" charset="0"/>
-                        <a:ea typeface="Calibri" panose="020F0502020204030204" pitchFamily="34" charset="0"/>
-                        <a:cs typeface="Times New Roman" panose="02020603050405020304" pitchFamily="18" charset="0"/>
-                      </a:endParaRPr>
-                    </a:p>
-                  </a:txBody>
-                  <a:tcPr marL="68580" marR="68580" marT="0" marB="0"/>
-                </a:tc>
-                <a:tc>
-                  <a:txBody>
-                    <a:bodyPr/>
-                    <a:lstStyle/>
-                    <a:p>
-                      <a:pPr algn="just">
-                        <a:lnSpc>
-                          <a:spcPct val="115000"/>
-                        </a:lnSpc>
-                        <a:spcAft>
-                          <a:spcPts val="1000"/>
-                        </a:spcAft>
-                      </a:pPr>
-                      <a:r>
-                        <a:rPr lang="ru-RU" sz="1000">
-                          <a:effectLst/>
-                        </a:rPr>
-                        <a:t> </a:t>
-                      </a:r>
-                      <a:endParaRPr lang="ru-RU" sz="1100">
-                        <a:effectLst/>
-                        <a:latin typeface="Calibri" panose="020F0502020204030204" pitchFamily="34" charset="0"/>
-                        <a:ea typeface="Calibri" panose="020F0502020204030204" pitchFamily="34" charset="0"/>
-                        <a:cs typeface="Times New Roman" panose="02020603050405020304" pitchFamily="18" charset="0"/>
-                      </a:endParaRPr>
-                    </a:p>
-                  </a:txBody>
-                  <a:tcPr marL="68580" marR="68580" marT="0" marB="0"/>
-                </a:tc>
-                <a:tc>
-                  <a:txBody>
-                    <a:bodyPr/>
-                    <a:lstStyle/>
-                    <a:p>
-                      <a:pPr algn="just">
-                        <a:lnSpc>
-                          <a:spcPct val="115000"/>
-                        </a:lnSpc>
-                        <a:spcAft>
-                          <a:spcPts val="1000"/>
-                        </a:spcAft>
-                      </a:pPr>
-                      <a:r>
-                        <a:rPr lang="ru-RU" sz="1000">
-                          <a:effectLst/>
-                        </a:rPr>
-                        <a:t> </a:t>
-                      </a:r>
-                      <a:endParaRPr lang="ru-RU" sz="1100">
-                        <a:effectLst/>
-                        <a:latin typeface="Calibri" panose="020F0502020204030204" pitchFamily="34" charset="0"/>
-                        <a:ea typeface="Calibri" panose="020F0502020204030204" pitchFamily="34" charset="0"/>
-                        <a:cs typeface="Times New Roman" panose="02020603050405020304" pitchFamily="18" charset="0"/>
-                      </a:endParaRPr>
-                    </a:p>
-                  </a:txBody>
-                  <a:tcPr marL="68580" marR="68580" marT="0" marB="0"/>
-                </a:tc>
-                <a:tc>
-                  <a:txBody>
-                    <a:bodyPr/>
-                    <a:lstStyle/>
-                    <a:p>
-                      <a:pPr algn="just">
-                        <a:lnSpc>
-                          <a:spcPct val="115000"/>
-                        </a:lnSpc>
-                        <a:spcAft>
-                          <a:spcPts val="1000"/>
-                        </a:spcAft>
-                      </a:pPr>
-                      <a:r>
-                        <a:rPr lang="ru-RU" sz="1000">
-                          <a:effectLst/>
-                        </a:rPr>
-                        <a:t> </a:t>
-                      </a:r>
-                      <a:endParaRPr lang="ru-RU" sz="1100">
-                        <a:effectLst/>
-                        <a:latin typeface="Calibri" panose="020F0502020204030204" pitchFamily="34" charset="0"/>
-                        <a:ea typeface="Calibri" panose="020F0502020204030204" pitchFamily="34" charset="0"/>
-                        <a:cs typeface="Times New Roman" panose="02020603050405020304" pitchFamily="18" charset="0"/>
-                      </a:endParaRPr>
-                    </a:p>
-                  </a:txBody>
-                  <a:tcPr marL="68580" marR="68580" marT="0" marB="0"/>
-                </a:tc>
-                <a:tc>
-                  <a:txBody>
-                    <a:bodyPr/>
-                    <a:lstStyle/>
-                    <a:p>
-                      <a:pPr algn="just">
-                        <a:lnSpc>
-                          <a:spcPct val="115000"/>
-                        </a:lnSpc>
-                        <a:spcAft>
-                          <a:spcPts val="1000"/>
-                        </a:spcAft>
-                      </a:pPr>
-                      <a:r>
-                        <a:rPr lang="ru-RU" sz="1000">
-                          <a:effectLst/>
-                        </a:rPr>
-                        <a:t> </a:t>
-                      </a:r>
-                      <a:endParaRPr lang="ru-RU" sz="1100">
-                        <a:effectLst/>
-                        <a:latin typeface="Calibri" panose="020F0502020204030204" pitchFamily="34" charset="0"/>
-                        <a:ea typeface="Calibri" panose="020F0502020204030204" pitchFamily="34" charset="0"/>
-                        <a:cs typeface="Times New Roman" panose="02020603050405020304" pitchFamily="18" charset="0"/>
-                      </a:endParaRPr>
-                    </a:p>
-                  </a:txBody>
-                  <a:tcPr marL="68580" marR="68580" marT="0" marB="0"/>
-                </a:tc>
-                <a:tc>
-                  <a:txBody>
-                    <a:bodyPr/>
-                    <a:lstStyle/>
-                    <a:p>
-                      <a:pPr algn="just">
-                        <a:lnSpc>
-                          <a:spcPct val="115000"/>
-                        </a:lnSpc>
-                        <a:spcAft>
-                          <a:spcPts val="1000"/>
-                        </a:spcAft>
-                      </a:pPr>
-                      <a:r>
-                        <a:rPr lang="ru-RU" sz="1000">
-                          <a:effectLst/>
-                        </a:rPr>
-                        <a:t> </a:t>
-                      </a:r>
-                      <a:endParaRPr lang="ru-RU" sz="1100">
-                        <a:effectLst/>
-                        <a:latin typeface="Calibri" panose="020F0502020204030204" pitchFamily="34" charset="0"/>
-                        <a:ea typeface="Calibri" panose="020F0502020204030204" pitchFamily="34" charset="0"/>
-                        <a:cs typeface="Times New Roman" panose="02020603050405020304" pitchFamily="18" charset="0"/>
-                      </a:endParaRPr>
-                    </a:p>
-                  </a:txBody>
-                  <a:tcPr marL="68580" marR="68580" marT="0" marB="0"/>
-                </a:tc>
-                <a:tc>
-                  <a:txBody>
-                    <a:bodyPr/>
-                    <a:lstStyle/>
-                    <a:p>
-                      <a:pPr algn="just">
-                        <a:lnSpc>
-                          <a:spcPct val="115000"/>
-                        </a:lnSpc>
-                        <a:spcAft>
-                          <a:spcPts val="1000"/>
-                        </a:spcAft>
-                      </a:pPr>
-                      <a:r>
-                        <a:rPr lang="ru-RU" sz="1000">
-                          <a:effectLst/>
-                        </a:rPr>
-                        <a:t>+</a:t>
-                      </a:r>
-                      <a:endParaRPr lang="ru-RU" sz="1100">
-                        <a:effectLst/>
-                        <a:latin typeface="Calibri" panose="020F0502020204030204" pitchFamily="34" charset="0"/>
-                        <a:ea typeface="Calibri" panose="020F0502020204030204" pitchFamily="34" charset="0"/>
-                        <a:cs typeface="Times New Roman" panose="02020603050405020304" pitchFamily="18" charset="0"/>
-                      </a:endParaRPr>
-                    </a:p>
-                  </a:txBody>
-                  <a:tcPr marL="68580" marR="68580" marT="0" marB="0"/>
-                </a:tc>
-                <a:tc>
-                  <a:txBody>
-                    <a:bodyPr/>
-                    <a:lstStyle/>
-                    <a:p>
-                      <a:pPr algn="just">
-                        <a:lnSpc>
-                          <a:spcPct val="115000"/>
-                        </a:lnSpc>
-                        <a:spcAft>
-                          <a:spcPts val="1000"/>
-                        </a:spcAft>
-                      </a:pPr>
-                      <a:r>
-                        <a:rPr lang="ru-RU" sz="1000" dirty="0">
-                          <a:effectLst/>
-                        </a:rPr>
-                        <a:t>1</a:t>
-                      </a:r>
-                      <a:endParaRPr lang="ru-RU" sz="1100" dirty="0">
-                        <a:effectLst/>
-                        <a:latin typeface="Calibri" panose="020F0502020204030204" pitchFamily="34" charset="0"/>
-                        <a:ea typeface="Calibri" panose="020F0502020204030204" pitchFamily="34" charset="0"/>
-                        <a:cs typeface="Times New Roman" panose="02020603050405020304" pitchFamily="18" charset="0"/>
-                      </a:endParaRPr>
-                    </a:p>
-                  </a:txBody>
-                  <a:tcPr marL="68580" marR="68580" marT="0" marB="0"/>
+                  <a:tcPr marL="68580" marR="68580" marT="0" marB="0" anchor="ctr"/>
                 </a:tc>
                 <a:extLst>
                   <a:ext uri="{0D108BD9-81ED-4DB2-BD59-A6C34878D82A}">
@@ -6060,7 +7593,7 @@
           <a:p>
             <a:fld id="{44641D0F-78C1-463B-93D6-F54005450624}" type="slidenum">
               <a:rPr lang="ru-RU" smtClean="0"/>
-              <a:t>11</a:t>
+              <a:t>16</a:t>
             </a:fld>
             <a:endParaRPr lang="ru-RU"/>
           </a:p>
@@ -6079,7 +7612,7 @@
 </p:sld>
 </file>
 
-<file path=ppt/slides/slide12.xml><?xml version="1.0" encoding="utf-8"?>
+<file path=ppt/slides/slide17.xml><?xml version="1.0" encoding="utf-8"?>
 <p:sld xmlns:a="http://schemas.openxmlformats.org/drawingml/2006/main" xmlns:r="http://schemas.openxmlformats.org/officeDocument/2006/relationships" xmlns:p="http://schemas.openxmlformats.org/presentationml/2006/main">
   <p:cSld>
     <p:spTree>
@@ -6443,7 +7976,7 @@
           <a:p>
             <a:fld id="{44641D0F-78C1-463B-93D6-F54005450624}" type="slidenum">
               <a:rPr lang="ru-RU" smtClean="0"/>
-              <a:t>12</a:t>
+              <a:t>17</a:t>
             </a:fld>
             <a:endParaRPr lang="ru-RU"/>
           </a:p>
@@ -7827,7 +9360,7 @@
           <p:nvPr/>
         </p:nvPicPr>
         <p:blipFill>
-          <a:blip r:embed="rId2">
+          <a:blip r:embed="rId2" cstate="hqprint">
             <a:extLst>
               <a:ext uri="{28A0092B-C50C-407E-A947-70E740481C1C}">
                 <a14:useLocalDpi xmlns:a14="http://schemas.microsoft.com/office/drawing/2010/main" val="0"/>
@@ -7874,7 +9407,7 @@
           <p:nvPr/>
         </p:nvPicPr>
         <p:blipFill>
-          <a:blip r:embed="rId3">
+          <a:blip r:embed="rId3" cstate="hqprint">
             <a:extLst>
               <a:ext uri="{28A0092B-C50C-407E-A947-70E740481C1C}">
                 <a14:useLocalDpi xmlns:a14="http://schemas.microsoft.com/office/drawing/2010/main" val="0"/>
@@ -8141,10 +9674,39 @@
       </p:grpSpPr>
       <p:sp>
         <p:nvSpPr>
-          <p:cNvPr id="3" name="Заголовок 1">
-            <a:extLst>
-              <a:ext uri="{FF2B5EF4-FFF2-40B4-BE49-F238E27FC236}">
-                <a16:creationId xmlns:a16="http://schemas.microsoft.com/office/drawing/2014/main" id="{51955872-14BB-4E29-92F5-4F5109463142}"/>
+          <p:cNvPr id="4" name="Номер слайда 3">
+            <a:extLst>
+              <a:ext uri="{FF2B5EF4-FFF2-40B4-BE49-F238E27FC236}">
+                <a16:creationId xmlns:a16="http://schemas.microsoft.com/office/drawing/2014/main" id="{1FCB528B-0F91-4C91-BDDF-16BD5B9E59EC}"/>
+              </a:ext>
+            </a:extLst>
+          </p:cNvPr>
+          <p:cNvSpPr>
+            <a:spLocks noGrp="1"/>
+          </p:cNvSpPr>
+          <p:nvPr>
+            <p:ph type="sldNum" sz="quarter" idx="12"/>
+          </p:nvPr>
+        </p:nvSpPr>
+        <p:spPr/>
+        <p:txBody>
+          <a:bodyPr/>
+          <a:lstStyle/>
+          <a:p>
+            <a:fld id="{44641D0F-78C1-463B-93D6-F54005450624}" type="slidenum">
+              <a:rPr lang="ru-RU" smtClean="0"/>
+              <a:t>6</a:t>
+            </a:fld>
+            <a:endParaRPr lang="ru-RU"/>
+          </a:p>
+        </p:txBody>
+      </p:sp>
+      <p:sp>
+        <p:nvSpPr>
+          <p:cNvPr id="5" name="Заголовок 1">
+            <a:extLst>
+              <a:ext uri="{FF2B5EF4-FFF2-40B4-BE49-F238E27FC236}">
+                <a16:creationId xmlns:a16="http://schemas.microsoft.com/office/drawing/2014/main" id="{8868CF3C-B1A2-49C6-93D2-DC305AAA95CA}"/>
               </a:ext>
             </a:extLst>
           </p:cNvPr>
@@ -8157,7 +9719,7 @@
         </p:nvSpPr>
         <p:spPr>
           <a:xfrm>
-            <a:off x="628650" y="188763"/>
+            <a:off x="628650" y="136524"/>
             <a:ext cx="7886700" cy="649706"/>
           </a:xfrm>
         </p:spPr>
@@ -8173,86 +9735,327 @@
                 <a:latin typeface="Times New Roman" panose="02020603050405020304" pitchFamily="18" charset="0"/>
                 <a:cs typeface="Times New Roman" panose="02020603050405020304" pitchFamily="18" charset="0"/>
               </a:rPr>
-              <a:t>Разработка базы данных. </a:t>
-            </a:r>
-            <a:r>
-              <a:rPr lang="en-US" sz="2200" dirty="0">
+              <a:t>Выбор инструментальных средств</a:t>
+            </a:r>
+          </a:p>
+        </p:txBody>
+      </p:sp>
+      <p:pic>
+        <p:nvPicPr>
+          <p:cNvPr id="1026" name="Picture 2" descr="Picture background">
+            <a:extLst>
+              <a:ext uri="{FF2B5EF4-FFF2-40B4-BE49-F238E27FC236}">
+                <a16:creationId xmlns:a16="http://schemas.microsoft.com/office/drawing/2014/main" id="{43303529-075B-4473-9312-2CD4D8FD8CFE}"/>
+              </a:ext>
+            </a:extLst>
+          </p:cNvPr>
+          <p:cNvPicPr>
+            <a:picLocks noChangeAspect="1" noChangeArrowheads="1"/>
+          </p:cNvPicPr>
+          <p:nvPr/>
+        </p:nvPicPr>
+        <p:blipFill rotWithShape="1">
+          <a:blip r:embed="rId2" cstate="hqprint">
+            <a:extLst>
+              <a:ext uri="{28A0092B-C50C-407E-A947-70E740481C1C}">
+                <a14:useLocalDpi xmlns:a14="http://schemas.microsoft.com/office/drawing/2010/main" val="0"/>
+              </a:ext>
+            </a:extLst>
+          </a:blip>
+          <a:srcRect l="16624" t="20712" r="19343" b="15925"/>
+          <a:stretch/>
+        </p:blipFill>
+        <p:spPr bwMode="auto">
+          <a:xfrm>
+            <a:off x="628650" y="1175115"/>
+            <a:ext cx="1800000" cy="1335834"/>
+          </a:xfrm>
+          <a:prstGeom prst="rect">
+            <a:avLst/>
+          </a:prstGeom>
+          <a:noFill/>
+          <a:extLst>
+            <a:ext uri="{909E8E84-426E-40DD-AFC4-6F175D3DCCD1}">
+              <a14:hiddenFill xmlns:a14="http://schemas.microsoft.com/office/drawing/2010/main">
+                <a:solidFill>
+                  <a:srgbClr val="FFFFFF"/>
+                </a:solidFill>
+              </a14:hiddenFill>
+            </a:ext>
+          </a:extLst>
+        </p:spPr>
+      </p:pic>
+      <p:sp>
+        <p:nvSpPr>
+          <p:cNvPr id="7" name="TextBox 6">
+            <a:extLst>
+              <a:ext uri="{FF2B5EF4-FFF2-40B4-BE49-F238E27FC236}">
+                <a16:creationId xmlns:a16="http://schemas.microsoft.com/office/drawing/2014/main" id="{B3A33079-87AD-42F3-872C-508E4D022AC6}"/>
+              </a:ext>
+            </a:extLst>
+          </p:cNvPr>
+          <p:cNvSpPr txBox="1"/>
+          <p:nvPr/>
+        </p:nvSpPr>
+        <p:spPr>
+          <a:xfrm>
+            <a:off x="2689977" y="1734377"/>
+            <a:ext cx="4994077" cy="461665"/>
+          </a:xfrm>
+          <a:prstGeom prst="rect">
+            <a:avLst/>
+          </a:prstGeom>
+          <a:noFill/>
+        </p:spPr>
+        <p:txBody>
+          <a:bodyPr wrap="square" rtlCol="0">
+            <a:spAutoFit/>
+          </a:bodyPr>
+          <a:lstStyle/>
+          <a:p>
+            <a:pPr algn="ctr"/>
+            <a:r>
+              <a:rPr lang="ru-RU" sz="2400" dirty="0">
                 <a:latin typeface="Times New Roman" panose="02020603050405020304" pitchFamily="18" charset="0"/>
                 <a:cs typeface="Times New Roman" panose="02020603050405020304" pitchFamily="18" charset="0"/>
               </a:rPr>
-              <a:t>ER-</a:t>
-            </a:r>
-            <a:r>
-              <a:rPr lang="ru-RU" sz="2200" dirty="0">
+              <a:t>Для работы с базой данных, </a:t>
+            </a:r>
+            <a:r>
+              <a:rPr lang="en-US" sz="2400" dirty="0">
                 <a:latin typeface="Times New Roman" panose="02020603050405020304" pitchFamily="18" charset="0"/>
                 <a:cs typeface="Times New Roman" panose="02020603050405020304" pitchFamily="18" charset="0"/>
               </a:rPr>
-              <a:t>диаграмма</a:t>
-            </a:r>
+              <a:t>v. 6.0.36</a:t>
+            </a:r>
+            <a:endParaRPr lang="ru-RU" sz="2400" dirty="0">
+              <a:latin typeface="Times New Roman" panose="02020603050405020304" pitchFamily="18" charset="0"/>
+              <a:cs typeface="Times New Roman" panose="02020603050405020304" pitchFamily="18" charset="0"/>
+            </a:endParaRPr>
           </a:p>
         </p:txBody>
       </p:sp>
       <p:pic>
         <p:nvPicPr>
-          <p:cNvPr id="5" name="Рисунок 4">
-            <a:extLst>
-              <a:ext uri="{FF2B5EF4-FFF2-40B4-BE49-F238E27FC236}">
-                <a16:creationId xmlns:a16="http://schemas.microsoft.com/office/drawing/2014/main" id="{9527A8C7-7906-4860-88AC-6578BC1AEA3B}"/>
-              </a:ext>
-            </a:extLst>
-          </p:cNvPr>
-          <p:cNvPicPr/>
+          <p:cNvPr id="1028" name="Picture 4" descr="Picture background">
+            <a:extLst>
+              <a:ext uri="{FF2B5EF4-FFF2-40B4-BE49-F238E27FC236}">
+                <a16:creationId xmlns:a16="http://schemas.microsoft.com/office/drawing/2014/main" id="{72AF4E87-DE44-4B4F-886D-11313C39B242}"/>
+              </a:ext>
+            </a:extLst>
+          </p:cNvPr>
+          <p:cNvPicPr>
+            <a:picLocks noChangeAspect="1" noChangeArrowheads="1"/>
+          </p:cNvPicPr>
           <p:nvPr/>
         </p:nvPicPr>
         <p:blipFill>
-          <a:blip r:embed="rId2"/>
+          <a:blip r:embed="rId3" cstate="hqprint">
+            <a:extLst>
+              <a:ext uri="{28A0092B-C50C-407E-A947-70E740481C1C}">
+                <a14:useLocalDpi xmlns:a14="http://schemas.microsoft.com/office/drawing/2010/main" val="0"/>
+              </a:ext>
+            </a:extLst>
+          </a:blip>
+          <a:srcRect/>
           <a:stretch>
             <a:fillRect/>
           </a:stretch>
         </p:blipFill>
-        <p:spPr>
-          <a:xfrm>
-            <a:off x="1928812" y="838469"/>
-            <a:ext cx="6119495" cy="5922010"/>
+        <p:spPr bwMode="auto">
+          <a:xfrm>
+            <a:off x="269147" y="3355468"/>
+            <a:ext cx="3179069" cy="894113"/>
           </a:xfrm>
           <a:prstGeom prst="rect">
             <a:avLst/>
           </a:prstGeom>
+          <a:noFill/>
+          <a:extLst>
+            <a:ext uri="{909E8E84-426E-40DD-AFC4-6F175D3DCCD1}">
+              <a14:hiddenFill xmlns:a14="http://schemas.microsoft.com/office/drawing/2010/main">
+                <a:solidFill>
+                  <a:srgbClr val="FFFFFF"/>
+                </a:solidFill>
+              </a14:hiddenFill>
+            </a:ext>
+          </a:extLst>
         </p:spPr>
       </p:pic>
       <p:sp>
         <p:nvSpPr>
-          <p:cNvPr id="2" name="Номер слайда 1">
-            <a:extLst>
-              <a:ext uri="{FF2B5EF4-FFF2-40B4-BE49-F238E27FC236}">
-                <a16:creationId xmlns:a16="http://schemas.microsoft.com/office/drawing/2014/main" id="{695FCEA6-9B04-4831-8274-FE5CE68E105B}"/>
-              </a:ext>
-            </a:extLst>
-          </p:cNvPr>
-          <p:cNvSpPr>
-            <a:spLocks noGrp="1"/>
-          </p:cNvSpPr>
-          <p:nvPr>
-            <p:ph type="sldNum" sz="quarter" idx="12"/>
-          </p:nvPr>
-        </p:nvSpPr>
-        <p:spPr/>
-        <p:txBody>
-          <a:bodyPr/>
-          <a:lstStyle/>
-          <a:p>
-            <a:fld id="{44641D0F-78C1-463B-93D6-F54005450624}" type="slidenum">
-              <a:rPr lang="ru-RU" smtClean="0"/>
-              <a:t>6</a:t>
-            </a:fld>
-            <a:endParaRPr lang="ru-RU"/>
+          <p:cNvPr id="9" name="TextBox 8">
+            <a:extLst>
+              <a:ext uri="{FF2B5EF4-FFF2-40B4-BE49-F238E27FC236}">
+                <a16:creationId xmlns:a16="http://schemas.microsoft.com/office/drawing/2014/main" id="{29D509FA-AC05-49F5-B117-5126E38B0A6B}"/>
+              </a:ext>
+            </a:extLst>
+          </p:cNvPr>
+          <p:cNvSpPr txBox="1"/>
+          <p:nvPr/>
+        </p:nvSpPr>
+        <p:spPr>
+          <a:xfrm>
+            <a:off x="2971439" y="3571691"/>
+            <a:ext cx="5543911" cy="461665"/>
+          </a:xfrm>
+          <a:prstGeom prst="rect">
+            <a:avLst/>
+          </a:prstGeom>
+          <a:noFill/>
+        </p:spPr>
+        <p:txBody>
+          <a:bodyPr wrap="square" rtlCol="0">
+            <a:spAutoFit/>
+          </a:bodyPr>
+          <a:lstStyle/>
+          <a:p>
+            <a:pPr algn="ctr"/>
+            <a:r>
+              <a:rPr lang="ru-RU" sz="2400" dirty="0">
+                <a:latin typeface="Times New Roman" panose="02020603050405020304" pitchFamily="18" charset="0"/>
+                <a:cs typeface="Times New Roman" panose="02020603050405020304" pitchFamily="18" charset="0"/>
+              </a:rPr>
+              <a:t>Для построения диаграмм, </a:t>
+            </a:r>
+            <a:r>
+              <a:rPr lang="en-US" sz="2400" dirty="0">
+                <a:latin typeface="Times New Roman" panose="02020603050405020304" pitchFamily="18" charset="0"/>
+                <a:cs typeface="Times New Roman" panose="02020603050405020304" pitchFamily="18" charset="0"/>
+              </a:rPr>
+              <a:t>v. </a:t>
+            </a:r>
+            <a:r>
+              <a:rPr lang="ru-RU" sz="2400" dirty="0">
+                <a:latin typeface="Times New Roman" panose="02020603050405020304" pitchFamily="18" charset="0"/>
+                <a:cs typeface="Times New Roman" panose="02020603050405020304" pitchFamily="18" charset="0"/>
+              </a:rPr>
+              <a:t>2</a:t>
+            </a:r>
+            <a:r>
+              <a:rPr lang="en-US" sz="2400" dirty="0">
+                <a:latin typeface="Times New Roman" panose="02020603050405020304" pitchFamily="18" charset="0"/>
+                <a:cs typeface="Times New Roman" panose="02020603050405020304" pitchFamily="18" charset="0"/>
+              </a:rPr>
+              <a:t>.0.</a:t>
+            </a:r>
+            <a:r>
+              <a:rPr lang="ru-RU" sz="2400" dirty="0">
+                <a:latin typeface="Times New Roman" panose="02020603050405020304" pitchFamily="18" charset="0"/>
+                <a:cs typeface="Times New Roman" panose="02020603050405020304" pitchFamily="18" charset="0"/>
+              </a:rPr>
+              <a:t>2</a:t>
+            </a:r>
+          </a:p>
+        </p:txBody>
+      </p:sp>
+      <p:pic>
+        <p:nvPicPr>
+          <p:cNvPr id="1030" name="Picture 6" descr="Picture background">
+            <a:extLst>
+              <a:ext uri="{FF2B5EF4-FFF2-40B4-BE49-F238E27FC236}">
+                <a16:creationId xmlns:a16="http://schemas.microsoft.com/office/drawing/2014/main" id="{C3FD8F68-BD2C-4BD2-B517-B5E9A09C1EAC}"/>
+              </a:ext>
+            </a:extLst>
+          </p:cNvPr>
+          <p:cNvPicPr>
+            <a:picLocks noChangeAspect="1" noChangeArrowheads="1"/>
+          </p:cNvPicPr>
+          <p:nvPr/>
+        </p:nvPicPr>
+        <p:blipFill>
+          <a:blip r:embed="rId4" cstate="hqprint">
+            <a:extLst>
+              <a:ext uri="{28A0092B-C50C-407E-A947-70E740481C1C}">
+                <a14:useLocalDpi xmlns:a14="http://schemas.microsoft.com/office/drawing/2010/main" val="0"/>
+              </a:ext>
+            </a:extLst>
+          </a:blip>
+          <a:srcRect/>
+          <a:stretch>
+            <a:fillRect/>
+          </a:stretch>
+        </p:blipFill>
+        <p:spPr bwMode="auto">
+          <a:xfrm>
+            <a:off x="503144" y="4903169"/>
+            <a:ext cx="1080000" cy="1080000"/>
+          </a:xfrm>
+          <a:prstGeom prst="rect">
+            <a:avLst/>
+          </a:prstGeom>
+          <a:noFill/>
+          <a:extLst>
+            <a:ext uri="{909E8E84-426E-40DD-AFC4-6F175D3DCCD1}">
+              <a14:hiddenFill xmlns:a14="http://schemas.microsoft.com/office/drawing/2010/main">
+                <a:solidFill>
+                  <a:srgbClr val="FFFFFF"/>
+                </a:solidFill>
+              </a14:hiddenFill>
+            </a:ext>
+          </a:extLst>
+        </p:spPr>
+      </p:pic>
+      <p:sp>
+        <p:nvSpPr>
+          <p:cNvPr id="11" name="TextBox 10">
+            <a:extLst>
+              <a:ext uri="{FF2B5EF4-FFF2-40B4-BE49-F238E27FC236}">
+                <a16:creationId xmlns:a16="http://schemas.microsoft.com/office/drawing/2014/main" id="{983F7E0F-E20D-4BAE-87C6-F6E2190CE29F}"/>
+              </a:ext>
+            </a:extLst>
+          </p:cNvPr>
+          <p:cNvSpPr txBox="1"/>
+          <p:nvPr/>
+        </p:nvSpPr>
+        <p:spPr>
+          <a:xfrm>
+            <a:off x="1858682" y="5212336"/>
+            <a:ext cx="6656668" cy="461665"/>
+          </a:xfrm>
+          <a:prstGeom prst="rect">
+            <a:avLst/>
+          </a:prstGeom>
+          <a:noFill/>
+        </p:spPr>
+        <p:txBody>
+          <a:bodyPr wrap="square" rtlCol="0">
+            <a:spAutoFit/>
+          </a:bodyPr>
+          <a:lstStyle/>
+          <a:p>
+            <a:r>
+              <a:rPr lang="en-US" sz="2400" dirty="0">
+                <a:latin typeface="Times New Roman" panose="02020603050405020304" pitchFamily="18" charset="0"/>
+                <a:cs typeface="Times New Roman" panose="02020603050405020304" pitchFamily="18" charset="0"/>
+              </a:rPr>
+              <a:t>ClosedXML, </a:t>
+            </a:r>
+            <a:r>
+              <a:rPr lang="ru-RU" sz="2400" dirty="0">
+                <a:latin typeface="Times New Roman" panose="02020603050405020304" pitchFamily="18" charset="0"/>
+                <a:cs typeface="Times New Roman" panose="02020603050405020304" pitchFamily="18" charset="0"/>
+              </a:rPr>
+              <a:t>для импорта в </a:t>
+            </a:r>
+            <a:r>
+              <a:rPr lang="en-US" sz="2400" dirty="0">
+                <a:latin typeface="Times New Roman" panose="02020603050405020304" pitchFamily="18" charset="0"/>
+                <a:cs typeface="Times New Roman" panose="02020603050405020304" pitchFamily="18" charset="0"/>
+              </a:rPr>
+              <a:t>Excel, v. 0.105</a:t>
+            </a:r>
+            <a:endParaRPr lang="ru-RU" sz="2400" dirty="0">
+              <a:latin typeface="Times New Roman" panose="02020603050405020304" pitchFamily="18" charset="0"/>
+              <a:cs typeface="Times New Roman" panose="02020603050405020304" pitchFamily="18" charset="0"/>
+            </a:endParaRPr>
           </a:p>
         </p:txBody>
       </p:sp>
     </p:spTree>
     <p:extLst>
       <p:ext uri="{BB962C8B-B14F-4D97-AF65-F5344CB8AC3E}">
-        <p14:creationId xmlns:p14="http://schemas.microsoft.com/office/powerpoint/2010/main" val="3059184497"/>
+        <p14:creationId xmlns:p14="http://schemas.microsoft.com/office/powerpoint/2010/main" val="2695953323"/>
       </p:ext>
     </p:extLst>
   </p:cSld>
@@ -8281,10 +10084,10 @@
       </p:grpSpPr>
       <p:sp>
         <p:nvSpPr>
-          <p:cNvPr id="4" name="Заголовок 1">
-            <a:extLst>
-              <a:ext uri="{FF2B5EF4-FFF2-40B4-BE49-F238E27FC236}">
-                <a16:creationId xmlns:a16="http://schemas.microsoft.com/office/drawing/2014/main" id="{4D05EC05-0418-4B2A-95D7-9AFE885F98BC}"/>
+          <p:cNvPr id="3" name="Заголовок 1">
+            <a:extLst>
+              <a:ext uri="{FF2B5EF4-FFF2-40B4-BE49-F238E27FC236}">
+                <a16:creationId xmlns:a16="http://schemas.microsoft.com/office/drawing/2014/main" id="{51955872-14BB-4E29-92F5-4F5109463142}"/>
               </a:ext>
             </a:extLst>
           </p:cNvPr>
@@ -8313,21 +10116,66 @@
                 <a:latin typeface="Times New Roman" panose="02020603050405020304" pitchFamily="18" charset="0"/>
                 <a:cs typeface="Times New Roman" panose="02020603050405020304" pitchFamily="18" charset="0"/>
               </a:rPr>
-              <a:t>Диаграмма прецедентов</a:t>
-            </a:r>
+              <a:t>Разработка базы данных. </a:t>
+            </a:r>
+            <a:r>
+              <a:rPr lang="en-US" sz="2200" dirty="0">
+                <a:latin typeface="Times New Roman" panose="02020603050405020304" pitchFamily="18" charset="0"/>
+                <a:cs typeface="Times New Roman" panose="02020603050405020304" pitchFamily="18" charset="0"/>
+              </a:rPr>
+              <a:t>ER-</a:t>
+            </a:r>
+            <a:r>
+              <a:rPr lang="ru-RU" sz="2200" dirty="0">
+                <a:latin typeface="Times New Roman" panose="02020603050405020304" pitchFamily="18" charset="0"/>
+                <a:cs typeface="Times New Roman" panose="02020603050405020304" pitchFamily="18" charset="0"/>
+              </a:rPr>
+              <a:t>диаграмма</a:t>
+            </a:r>
+          </a:p>
+        </p:txBody>
+      </p:sp>
+      <p:sp>
+        <p:nvSpPr>
+          <p:cNvPr id="2" name="Номер слайда 1">
+            <a:extLst>
+              <a:ext uri="{FF2B5EF4-FFF2-40B4-BE49-F238E27FC236}">
+                <a16:creationId xmlns:a16="http://schemas.microsoft.com/office/drawing/2014/main" id="{695FCEA6-9B04-4831-8274-FE5CE68E105B}"/>
+              </a:ext>
+            </a:extLst>
+          </p:cNvPr>
+          <p:cNvSpPr>
+            <a:spLocks noGrp="1"/>
+          </p:cNvSpPr>
+          <p:nvPr>
+            <p:ph type="sldNum" sz="quarter" idx="12"/>
+          </p:nvPr>
+        </p:nvSpPr>
+        <p:spPr/>
+        <p:txBody>
+          <a:bodyPr/>
+          <a:lstStyle/>
+          <a:p>
+            <a:fld id="{44641D0F-78C1-463B-93D6-F54005450624}" type="slidenum">
+              <a:rPr lang="ru-RU" smtClean="0"/>
+              <a:t>7</a:t>
+            </a:fld>
+            <a:endParaRPr lang="ru-RU"/>
           </a:p>
         </p:txBody>
       </p:sp>
       <p:pic>
         <p:nvPicPr>
-          <p:cNvPr id="5" name="Рисунок 4">
-            <a:extLst>
-              <a:ext uri="{FF2B5EF4-FFF2-40B4-BE49-F238E27FC236}">
-                <a16:creationId xmlns:a16="http://schemas.microsoft.com/office/drawing/2014/main" id="{26413FA8-6D2F-4D4A-8EA6-7E6CEAB6362D}"/>
-              </a:ext>
-            </a:extLst>
-          </p:cNvPr>
-          <p:cNvPicPr/>
+          <p:cNvPr id="6" name="Рисунок 5">
+            <a:extLst>
+              <a:ext uri="{FF2B5EF4-FFF2-40B4-BE49-F238E27FC236}">
+                <a16:creationId xmlns:a16="http://schemas.microsoft.com/office/drawing/2014/main" id="{0E470E06-9002-46A4-9DCC-F2F19412EA2B}"/>
+              </a:ext>
+            </a:extLst>
+          </p:cNvPr>
+          <p:cNvPicPr>
+            <a:picLocks noChangeAspect="1"/>
+          </p:cNvPicPr>
           <p:nvPr/>
         </p:nvPicPr>
         <p:blipFill>
@@ -8338,47 +10186,18 @@
         </p:blipFill>
         <p:spPr>
           <a:xfrm>
-            <a:off x="2592070" y="1161732"/>
-            <a:ext cx="3959860" cy="5387975"/>
+            <a:off x="1943603" y="974261"/>
+            <a:ext cx="5760000" cy="5694976"/>
           </a:xfrm>
           <a:prstGeom prst="rect">
             <a:avLst/>
           </a:prstGeom>
         </p:spPr>
       </p:pic>
-      <p:sp>
-        <p:nvSpPr>
-          <p:cNvPr id="2" name="Номер слайда 1">
-            <a:extLst>
-              <a:ext uri="{FF2B5EF4-FFF2-40B4-BE49-F238E27FC236}">
-                <a16:creationId xmlns:a16="http://schemas.microsoft.com/office/drawing/2014/main" id="{27612032-B860-47C9-BAD4-36DD15011667}"/>
-              </a:ext>
-            </a:extLst>
-          </p:cNvPr>
-          <p:cNvSpPr>
-            <a:spLocks noGrp="1"/>
-          </p:cNvSpPr>
-          <p:nvPr>
-            <p:ph type="sldNum" sz="quarter" idx="12"/>
-          </p:nvPr>
-        </p:nvSpPr>
-        <p:spPr/>
-        <p:txBody>
-          <a:bodyPr/>
-          <a:lstStyle/>
-          <a:p>
-            <a:fld id="{44641D0F-78C1-463B-93D6-F54005450624}" type="slidenum">
-              <a:rPr lang="ru-RU" smtClean="0"/>
-              <a:t>7</a:t>
-            </a:fld>
-            <a:endParaRPr lang="ru-RU"/>
-          </a:p>
-        </p:txBody>
-      </p:sp>
     </p:spTree>
     <p:extLst>
       <p:ext uri="{BB962C8B-B14F-4D97-AF65-F5344CB8AC3E}">
-        <p14:creationId xmlns:p14="http://schemas.microsoft.com/office/powerpoint/2010/main" val="2165959847"/>
+        <p14:creationId xmlns:p14="http://schemas.microsoft.com/office/powerpoint/2010/main" val="3059184497"/>
       </p:ext>
     </p:extLst>
   </p:cSld>
@@ -8391,16 +10210,6 @@
 <file path=ppt/slides/slide8.xml><?xml version="1.0" encoding="utf-8"?>
 <p:sld xmlns:a="http://schemas.openxmlformats.org/drawingml/2006/main" xmlns:r="http://schemas.openxmlformats.org/officeDocument/2006/relationships" xmlns:p="http://schemas.openxmlformats.org/presentationml/2006/main">
   <p:cSld>
-    <p:bg>
-      <p:bgPr>
-        <a:solidFill>
-          <a:schemeClr val="bg1">
-            <a:lumMod val="95000"/>
-          </a:schemeClr>
-        </a:solidFill>
-        <a:effectLst/>
-      </p:bgPr>
-    </p:bg>
     <p:spTree>
       <p:nvGrpSpPr>
         <p:cNvPr id="1" name=""/>
@@ -8420,7 +10229,7 @@
           <p:cNvPr id="4" name="Заголовок 1">
             <a:extLst>
               <a:ext uri="{FF2B5EF4-FFF2-40B4-BE49-F238E27FC236}">
-                <a16:creationId xmlns:a16="http://schemas.microsoft.com/office/drawing/2014/main" id="{1AA7E887-5627-475D-861F-EBC3A60CB809}"/>
+                <a16:creationId xmlns:a16="http://schemas.microsoft.com/office/drawing/2014/main" id="{4D05EC05-0418-4B2A-95D7-9AFE885F98BC}"/>
               </a:ext>
             </a:extLst>
           </p:cNvPr>
@@ -8449,7 +10258,7 @@
                 <a:latin typeface="Times New Roman" panose="02020603050405020304" pitchFamily="18" charset="0"/>
                 <a:cs typeface="Times New Roman" panose="02020603050405020304" pitchFamily="18" charset="0"/>
               </a:rPr>
-              <a:t>Пользовательский интерфейс</a:t>
+              <a:t>Диаграмма прецедентов</a:t>
             </a:r>
           </a:p>
         </p:txBody>
@@ -8459,7 +10268,7 @@
           <p:cNvPr id="5" name="Рисунок 4">
             <a:extLst>
               <a:ext uri="{FF2B5EF4-FFF2-40B4-BE49-F238E27FC236}">
-                <a16:creationId xmlns:a16="http://schemas.microsoft.com/office/drawing/2014/main" id="{8611B140-90FA-4D8F-9074-600CEC04C170}"/>
+                <a16:creationId xmlns:a16="http://schemas.microsoft.com/office/drawing/2014/main" id="{26413FA8-6D2F-4D4A-8EA6-7E6CEAB6362D}"/>
               </a:ext>
             </a:extLst>
           </p:cNvPr>
@@ -8474,101 +10283,20 @@
         </p:blipFill>
         <p:spPr>
           <a:xfrm>
-            <a:off x="405180" y="997000"/>
-            <a:ext cx="4319905" cy="3041015"/>
+            <a:off x="2592070" y="1161732"/>
+            <a:ext cx="3959860" cy="5387975"/>
           </a:xfrm>
           <a:prstGeom prst="rect">
             <a:avLst/>
           </a:prstGeom>
         </p:spPr>
       </p:pic>
-      <p:pic>
-        <p:nvPicPr>
-          <p:cNvPr id="6" name="Рисунок 5">
-            <a:extLst>
-              <a:ext uri="{FF2B5EF4-FFF2-40B4-BE49-F238E27FC236}">
-                <a16:creationId xmlns:a16="http://schemas.microsoft.com/office/drawing/2014/main" id="{2DA3FB9F-B1D5-4586-8ADF-6C9F054A3B58}"/>
-              </a:ext>
-            </a:extLst>
-          </p:cNvPr>
-          <p:cNvPicPr/>
-          <p:nvPr/>
-        </p:nvPicPr>
-        <p:blipFill rotWithShape="1">
-          <a:blip r:embed="rId3"/>
-          <a:srcRect l="3718" t="7608" r="3369" b="20241"/>
-          <a:stretch/>
-        </p:blipFill>
-        <p:spPr>
-          <a:xfrm>
-            <a:off x="405180" y="4407300"/>
-            <a:ext cx="4013734" cy="2261937"/>
-          </a:xfrm>
-          <a:prstGeom prst="rect">
-            <a:avLst/>
-          </a:prstGeom>
-        </p:spPr>
-      </p:pic>
-      <p:pic>
-        <p:nvPicPr>
-          <p:cNvPr id="8" name="Рисунок 7">
-            <a:extLst>
-              <a:ext uri="{FF2B5EF4-FFF2-40B4-BE49-F238E27FC236}">
-                <a16:creationId xmlns:a16="http://schemas.microsoft.com/office/drawing/2014/main" id="{9BDE3FD6-8611-43E2-B668-36CC1E9FBA18}"/>
-              </a:ext>
-            </a:extLst>
-          </p:cNvPr>
-          <p:cNvPicPr/>
-          <p:nvPr/>
-        </p:nvPicPr>
-        <p:blipFill rotWithShape="1">
-          <a:blip r:embed="rId4"/>
-          <a:srcRect l="1992" t="3689" r="2325" b="3546"/>
-          <a:stretch/>
-        </p:blipFill>
-        <p:spPr>
-          <a:xfrm>
-            <a:off x="5294376" y="1051559"/>
-            <a:ext cx="3444444" cy="2377441"/>
-          </a:xfrm>
-          <a:prstGeom prst="rect">
-            <a:avLst/>
-          </a:prstGeom>
-        </p:spPr>
-      </p:pic>
-      <p:pic>
-        <p:nvPicPr>
-          <p:cNvPr id="9" name="Рисунок 8">
-            <a:extLst>
-              <a:ext uri="{FF2B5EF4-FFF2-40B4-BE49-F238E27FC236}">
-                <a16:creationId xmlns:a16="http://schemas.microsoft.com/office/drawing/2014/main" id="{7E1CCC58-8645-43E1-AC38-C90B82299671}"/>
-              </a:ext>
-            </a:extLst>
-          </p:cNvPr>
-          <p:cNvPicPr/>
-          <p:nvPr/>
-        </p:nvPicPr>
-        <p:blipFill rotWithShape="1">
-          <a:blip r:embed="rId5"/>
-          <a:srcRect l="6430" t="7160" r="3391" b="3996"/>
-          <a:stretch/>
-        </p:blipFill>
-        <p:spPr>
-          <a:xfrm>
-            <a:off x="6141924" y="4407300"/>
-            <a:ext cx="2596896" cy="2020825"/>
-          </a:xfrm>
-          <a:prstGeom prst="rect">
-            <a:avLst/>
-          </a:prstGeom>
-        </p:spPr>
-      </p:pic>
       <p:sp>
         <p:nvSpPr>
           <p:cNvPr id="2" name="Номер слайда 1">
             <a:extLst>
               <a:ext uri="{FF2B5EF4-FFF2-40B4-BE49-F238E27FC236}">
-                <a16:creationId xmlns:a16="http://schemas.microsoft.com/office/drawing/2014/main" id="{AEAB4D2C-9F9A-4174-8DF0-2EC8512F1A49}"/>
+                <a16:creationId xmlns:a16="http://schemas.microsoft.com/office/drawing/2014/main" id="{27612032-B860-47C9-BAD4-36DD15011667}"/>
               </a:ext>
             </a:extLst>
           </p:cNvPr>
@@ -8595,7 +10323,7 @@
     </p:spTree>
     <p:extLst>
       <p:ext uri="{BB962C8B-B14F-4D97-AF65-F5344CB8AC3E}">
-        <p14:creationId xmlns:p14="http://schemas.microsoft.com/office/powerpoint/2010/main" val="1529939008"/>
+        <p14:creationId xmlns:p14="http://schemas.microsoft.com/office/powerpoint/2010/main" val="2165959847"/>
       </p:ext>
     </p:extLst>
   </p:cSld>
@@ -8608,16 +10336,6 @@
 <file path=ppt/slides/slide9.xml><?xml version="1.0" encoding="utf-8"?>
 <p:sld xmlns:a="http://schemas.openxmlformats.org/drawingml/2006/main" xmlns:r="http://schemas.openxmlformats.org/officeDocument/2006/relationships" xmlns:p="http://schemas.openxmlformats.org/presentationml/2006/main">
   <p:cSld>
-    <p:bg>
-      <p:bgPr>
-        <a:solidFill>
-          <a:schemeClr val="bg1">
-            <a:lumMod val="95000"/>
-          </a:schemeClr>
-        </a:solidFill>
-        <a:effectLst/>
-      </p:bgPr>
-    </p:bg>
     <p:spTree>
       <p:nvGrpSpPr>
         <p:cNvPr id="1" name=""/>
@@ -8634,10 +10352,39 @@
       </p:grpSpPr>
       <p:sp>
         <p:nvSpPr>
-          <p:cNvPr id="4" name="Заголовок 1">
-            <a:extLst>
-              <a:ext uri="{FF2B5EF4-FFF2-40B4-BE49-F238E27FC236}">
-                <a16:creationId xmlns:a16="http://schemas.microsoft.com/office/drawing/2014/main" id="{3E2D9A15-0AC2-4520-9FD3-2B658C516A96}"/>
+          <p:cNvPr id="4" name="Номер слайда 3">
+            <a:extLst>
+              <a:ext uri="{FF2B5EF4-FFF2-40B4-BE49-F238E27FC236}">
+                <a16:creationId xmlns:a16="http://schemas.microsoft.com/office/drawing/2014/main" id="{9FB1FBEB-A638-4700-BE97-7B95F385F879}"/>
+              </a:ext>
+            </a:extLst>
+          </p:cNvPr>
+          <p:cNvSpPr>
+            <a:spLocks noGrp="1"/>
+          </p:cNvSpPr>
+          <p:nvPr>
+            <p:ph type="sldNum" sz="quarter" idx="12"/>
+          </p:nvPr>
+        </p:nvSpPr>
+        <p:spPr/>
+        <p:txBody>
+          <a:bodyPr/>
+          <a:lstStyle/>
+          <a:p>
+            <a:fld id="{44641D0F-78C1-463B-93D6-F54005450624}" type="slidenum">
+              <a:rPr lang="ru-RU" smtClean="0"/>
+              <a:t>9</a:t>
+            </a:fld>
+            <a:endParaRPr lang="ru-RU"/>
+          </a:p>
+        </p:txBody>
+      </p:sp>
+      <p:sp>
+        <p:nvSpPr>
+          <p:cNvPr id="5" name="Заголовок 1">
+            <a:extLst>
+              <a:ext uri="{FF2B5EF4-FFF2-40B4-BE49-F238E27FC236}">
+                <a16:creationId xmlns:a16="http://schemas.microsoft.com/office/drawing/2014/main" id="{77E659A1-6B9E-4035-B5B6-9188CADCA669}"/>
               </a:ext>
             </a:extLst>
           </p:cNvPr>
@@ -8650,7 +10397,7 @@
         </p:nvSpPr>
         <p:spPr>
           <a:xfrm>
-            <a:off x="628650" y="188763"/>
+            <a:off x="628650" y="105097"/>
             <a:ext cx="7886700" cy="649706"/>
           </a:xfrm>
         </p:spPr>
@@ -8666,21 +10413,23 @@
                 <a:latin typeface="Times New Roman" panose="02020603050405020304" pitchFamily="18" charset="0"/>
                 <a:cs typeface="Times New Roman" panose="02020603050405020304" pitchFamily="18" charset="0"/>
               </a:rPr>
-              <a:t>Пользовательский интерфейс</a:t>
+              <a:t>Диаграмма классов</a:t>
             </a:r>
           </a:p>
         </p:txBody>
       </p:sp>
       <p:pic>
         <p:nvPicPr>
-          <p:cNvPr id="5" name="Рисунок 4">
-            <a:extLst>
-              <a:ext uri="{FF2B5EF4-FFF2-40B4-BE49-F238E27FC236}">
-                <a16:creationId xmlns:a16="http://schemas.microsoft.com/office/drawing/2014/main" id="{AD1B5DE0-61E4-4BAE-AA60-F04FB5320BFE}"/>
-              </a:ext>
-            </a:extLst>
-          </p:cNvPr>
-          <p:cNvPicPr/>
+          <p:cNvPr id="7" name="Рисунок 6">
+            <a:extLst>
+              <a:ext uri="{FF2B5EF4-FFF2-40B4-BE49-F238E27FC236}">
+                <a16:creationId xmlns:a16="http://schemas.microsoft.com/office/drawing/2014/main" id="{C07FEAA1-F7C5-4A46-AE70-77CF8DD92FE8}"/>
+              </a:ext>
+            </a:extLst>
+          </p:cNvPr>
+          <p:cNvPicPr>
+            <a:picLocks noChangeAspect="1"/>
+          </p:cNvPicPr>
           <p:nvPr/>
         </p:nvPicPr>
         <p:blipFill>
@@ -8691,101 +10440,18 @@
         </p:blipFill>
         <p:spPr>
           <a:xfrm>
-            <a:off x="473202" y="1074927"/>
-            <a:ext cx="4319905" cy="2824480"/>
+            <a:off x="1692000" y="1027666"/>
+            <a:ext cx="5760000" cy="5511247"/>
           </a:xfrm>
           <a:prstGeom prst="rect">
             <a:avLst/>
           </a:prstGeom>
         </p:spPr>
       </p:pic>
-      <p:pic>
-        <p:nvPicPr>
-          <p:cNvPr id="7" name="Рисунок 6">
-            <a:extLst>
-              <a:ext uri="{FF2B5EF4-FFF2-40B4-BE49-F238E27FC236}">
-                <a16:creationId xmlns:a16="http://schemas.microsoft.com/office/drawing/2014/main" id="{0E60C6CC-086F-4062-9284-8833CABC1AF2}"/>
-              </a:ext>
-            </a:extLst>
-          </p:cNvPr>
-          <p:cNvPicPr/>
-          <p:nvPr/>
-        </p:nvPicPr>
-        <p:blipFill rotWithShape="1">
-          <a:blip r:embed="rId3"/>
-          <a:srcRect l="5256" t="11614" r="1745" b="13182"/>
-          <a:stretch/>
-        </p:blipFill>
-        <p:spPr>
-          <a:xfrm>
-            <a:off x="473202" y="4370833"/>
-            <a:ext cx="6025896" cy="1792224"/>
-          </a:xfrm>
-          <a:prstGeom prst="rect">
-            <a:avLst/>
-          </a:prstGeom>
-        </p:spPr>
-      </p:pic>
-      <p:pic>
-        <p:nvPicPr>
-          <p:cNvPr id="9" name="Рисунок 8">
-            <a:extLst>
-              <a:ext uri="{FF2B5EF4-FFF2-40B4-BE49-F238E27FC236}">
-                <a16:creationId xmlns:a16="http://schemas.microsoft.com/office/drawing/2014/main" id="{B7B1BD34-C672-4424-AFD1-E6FD5738521A}"/>
-              </a:ext>
-            </a:extLst>
-          </p:cNvPr>
-          <p:cNvPicPr/>
-          <p:nvPr/>
-        </p:nvPicPr>
-        <p:blipFill rotWithShape="1">
-          <a:blip r:embed="rId4"/>
-          <a:srcRect l="468"/>
-          <a:stretch/>
-        </p:blipFill>
-        <p:spPr>
-          <a:xfrm>
-            <a:off x="5257800" y="1074927"/>
-            <a:ext cx="3582987" cy="1887855"/>
-          </a:xfrm>
-          <a:prstGeom prst="rect">
-            <a:avLst/>
-          </a:prstGeom>
-        </p:spPr>
-      </p:pic>
-      <p:sp>
-        <p:nvSpPr>
-          <p:cNvPr id="2" name="Номер слайда 1">
-            <a:extLst>
-              <a:ext uri="{FF2B5EF4-FFF2-40B4-BE49-F238E27FC236}">
-                <a16:creationId xmlns:a16="http://schemas.microsoft.com/office/drawing/2014/main" id="{C5D6368A-04C7-4FDF-837B-CE4858E70E1D}"/>
-              </a:ext>
-            </a:extLst>
-          </p:cNvPr>
-          <p:cNvSpPr>
-            <a:spLocks noGrp="1"/>
-          </p:cNvSpPr>
-          <p:nvPr>
-            <p:ph type="sldNum" sz="quarter" idx="12"/>
-          </p:nvPr>
-        </p:nvSpPr>
-        <p:spPr/>
-        <p:txBody>
-          <a:bodyPr/>
-          <a:lstStyle/>
-          <a:p>
-            <a:fld id="{44641D0F-78C1-463B-93D6-F54005450624}" type="slidenum">
-              <a:rPr lang="ru-RU" smtClean="0"/>
-              <a:t>9</a:t>
-            </a:fld>
-            <a:endParaRPr lang="ru-RU"/>
-          </a:p>
-        </p:txBody>
-      </p:sp>
     </p:spTree>
     <p:extLst>
       <p:ext uri="{BB962C8B-B14F-4D97-AF65-F5344CB8AC3E}">
-        <p14:creationId xmlns:p14="http://schemas.microsoft.com/office/powerpoint/2010/main" val="1536907784"/>
+        <p14:creationId xmlns:p14="http://schemas.microsoft.com/office/powerpoint/2010/main" val="2711950427"/>
       </p:ext>
     </p:extLst>
   </p:cSld>

--- a/doc/Презентация.pptx
+++ b/doc/Презентация.pptx
@@ -213,7 +213,7 @@
           <a:p>
             <a:fld id="{00508DE2-56E3-4C9D-8706-AAC98AF6EC0E}" type="datetimeFigureOut">
               <a:rPr lang="ru-RU" smtClean="0"/>
-              <a:t>13.06.2025</a:t>
+              <a:t>16.06.2025</a:t>
             </a:fld>
             <a:endParaRPr lang="ru-RU"/>
           </a:p>
@@ -611,7 +611,7 @@
           <a:p>
             <a:fld id="{4809B9FD-3EB7-4750-AD34-3240FF4EA2E2}" type="datetime1">
               <a:rPr lang="ru-RU" smtClean="0"/>
-              <a:t>13.06.2025</a:t>
+              <a:t>16.06.2025</a:t>
             </a:fld>
             <a:endParaRPr lang="ru-RU"/>
           </a:p>
@@ -781,7 +781,7 @@
           <a:p>
             <a:fld id="{79EAEE0F-B241-4881-9884-0AC1EBDB3CF4}" type="datetime1">
               <a:rPr lang="ru-RU" smtClean="0"/>
-              <a:t>13.06.2025</a:t>
+              <a:t>16.06.2025</a:t>
             </a:fld>
             <a:endParaRPr lang="ru-RU"/>
           </a:p>
@@ -961,7 +961,7 @@
           <a:p>
             <a:fld id="{C3792946-917E-4583-979D-C5DC6F3996B0}" type="datetime1">
               <a:rPr lang="ru-RU" smtClean="0"/>
-              <a:t>13.06.2025</a:t>
+              <a:t>16.06.2025</a:t>
             </a:fld>
             <a:endParaRPr lang="ru-RU"/>
           </a:p>
@@ -1131,7 +1131,7 @@
           <a:p>
             <a:fld id="{96116439-D4D5-4BE1-BC35-A3E3D712C6FE}" type="datetime1">
               <a:rPr lang="ru-RU" smtClean="0"/>
-              <a:t>13.06.2025</a:t>
+              <a:t>16.06.2025</a:t>
             </a:fld>
             <a:endParaRPr lang="ru-RU"/>
           </a:p>
@@ -1375,7 +1375,7 @@
           <a:p>
             <a:fld id="{0DACFD73-FE64-4D9D-8710-32532E2D95E6}" type="datetime1">
               <a:rPr lang="ru-RU" smtClean="0"/>
-              <a:t>13.06.2025</a:t>
+              <a:t>16.06.2025</a:t>
             </a:fld>
             <a:endParaRPr lang="ru-RU"/>
           </a:p>
@@ -1607,7 +1607,7 @@
           <a:p>
             <a:fld id="{C0FFDF7D-B288-4DFC-92F2-7CC08805B1D6}" type="datetime1">
               <a:rPr lang="ru-RU" smtClean="0"/>
-              <a:t>13.06.2025</a:t>
+              <a:t>16.06.2025</a:t>
             </a:fld>
             <a:endParaRPr lang="ru-RU"/>
           </a:p>
@@ -1974,7 +1974,7 @@
           <a:p>
             <a:fld id="{4FC2E585-4892-4CF6-998F-0474A72C01A1}" type="datetime1">
               <a:rPr lang="ru-RU" smtClean="0"/>
-              <a:t>13.06.2025</a:t>
+              <a:t>16.06.2025</a:t>
             </a:fld>
             <a:endParaRPr lang="ru-RU"/>
           </a:p>
@@ -2092,7 +2092,7 @@
           <a:p>
             <a:fld id="{B5D1F70F-D3F4-4F61-9951-326E2DBEE675}" type="datetime1">
               <a:rPr lang="ru-RU" smtClean="0"/>
-              <a:t>13.06.2025</a:t>
+              <a:t>16.06.2025</a:t>
             </a:fld>
             <a:endParaRPr lang="ru-RU"/>
           </a:p>
@@ -2187,7 +2187,7 @@
           <a:p>
             <a:fld id="{C944E742-8B29-4283-A9E4-C62AB0BAFAA3}" type="datetime1">
               <a:rPr lang="ru-RU" smtClean="0"/>
-              <a:t>13.06.2025</a:t>
+              <a:t>16.06.2025</a:t>
             </a:fld>
             <a:endParaRPr lang="ru-RU"/>
           </a:p>
@@ -2464,7 +2464,7 @@
           <a:p>
             <a:fld id="{8208315C-255A-438D-AB33-2DFB0819CB5F}" type="datetime1">
               <a:rPr lang="ru-RU" smtClean="0"/>
-              <a:t>13.06.2025</a:t>
+              <a:t>16.06.2025</a:t>
             </a:fld>
             <a:endParaRPr lang="ru-RU"/>
           </a:p>
@@ -2721,7 +2721,7 @@
           <a:p>
             <a:fld id="{E40ED026-223E-4398-A373-3D5E6FA207ED}" type="datetime1">
               <a:rPr lang="ru-RU" smtClean="0"/>
-              <a:t>13.06.2025</a:t>
+              <a:t>16.06.2025</a:t>
             </a:fld>
             <a:endParaRPr lang="ru-RU"/>
           </a:p>
@@ -2934,7 +2934,7 @@
           <a:p>
             <a:fld id="{3EABAF89-EB28-4AB6-BEF6-F8CFC39F668A}" type="datetime1">
               <a:rPr lang="ru-RU" smtClean="0"/>
-              <a:t>13.06.2025</a:t>
+              <a:t>16.06.2025</a:t>
             </a:fld>
             <a:endParaRPr lang="ru-RU"/>
           </a:p>
@@ -3409,13 +3409,6 @@
                 <a:spcPts val="1700"/>
               </a:lnSpc>
             </a:pPr>
-            <a:r>
-              <a:rPr lang="ru-RU" sz="2400" dirty="0">
-                <a:latin typeface="Times New Roman" panose="02020603050405020304" pitchFamily="18" charset="0"/>
-                <a:cs typeface="Times New Roman" panose="02020603050405020304" pitchFamily="18" charset="0"/>
-              </a:rPr>
-              <a:t/>
-            </a:r>
             <a:br>
               <a:rPr lang="ru-RU" sz="2400" dirty="0">
                 <a:latin typeface="Times New Roman" panose="02020603050405020304" pitchFamily="18" charset="0"/>
@@ -4105,19 +4098,8 @@
                 <a:latin typeface="Times New Roman" panose="02020603050405020304" pitchFamily="18" charset="0"/>
                 <a:cs typeface="Times New Roman" panose="02020603050405020304" pitchFamily="18" charset="0"/>
               </a:rPr>
-              <a:t>Диаграмма </a:t>
-            </a:r>
-            <a:r>
-              <a:rPr lang="ru-RU" sz="2200" dirty="0" smtClean="0">
-                <a:latin typeface="Times New Roman" panose="02020603050405020304" pitchFamily="18" charset="0"/>
-                <a:cs typeface="Times New Roman" panose="02020603050405020304" pitchFamily="18" charset="0"/>
-              </a:rPr>
-              <a:t>компонентов</a:t>
-            </a:r>
-            <a:endParaRPr lang="ru-RU" sz="2200" dirty="0">
-              <a:latin typeface="Times New Roman" panose="02020603050405020304" pitchFamily="18" charset="0"/>
-              <a:cs typeface="Times New Roman" panose="02020603050405020304" pitchFamily="18" charset="0"/>
-            </a:endParaRPr>
+              <a:t>Диаграмма компонентов</a:t>
+            </a:r>
           </a:p>
         </p:txBody>
       </p:sp>
@@ -4234,16 +4216,12 @@
           <a:p>
             <a:pPr algn="ctr"/>
             <a:r>
-              <a:rPr lang="ru-RU" sz="2200" dirty="0" smtClean="0">
+              <a:rPr lang="ru-RU" sz="2200" dirty="0">
                 <a:latin typeface="Times New Roman" panose="02020603050405020304" pitchFamily="18" charset="0"/>
                 <a:cs typeface="Times New Roman" panose="02020603050405020304" pitchFamily="18" charset="0"/>
               </a:rPr>
               <a:t>Архитектура</a:t>
             </a:r>
-            <a:endParaRPr lang="ru-RU" sz="2200" dirty="0">
-              <a:latin typeface="Times New Roman" panose="02020603050405020304" pitchFamily="18" charset="0"/>
-              <a:cs typeface="Times New Roman" panose="02020603050405020304" pitchFamily="18" charset="0"/>
-            </a:endParaRPr>
           </a:p>
         </p:txBody>
       </p:sp>
@@ -4277,16 +4255,12 @@
           <a:p>
             <a:pPr algn="ctr"/>
             <a:r>
-              <a:rPr lang="ru-RU" dirty="0" smtClean="0">
+              <a:rPr lang="ru-RU" dirty="0">
                 <a:latin typeface="Times New Roman" panose="02020603050405020304" pitchFamily="18" charset="0"/>
                 <a:cs typeface="Times New Roman" panose="02020603050405020304" pitchFamily="18" charset="0"/>
               </a:rPr>
               <a:t>Диаграмма развертывания</a:t>
             </a:r>
-            <a:endParaRPr lang="ru-RU" dirty="0">
-              <a:latin typeface="Times New Roman" panose="02020603050405020304" pitchFamily="18" charset="0"/>
-              <a:cs typeface="Times New Roman" panose="02020603050405020304" pitchFamily="18" charset="0"/>
-            </a:endParaRPr>
           </a:p>
         </p:txBody>
       </p:sp>
@@ -4346,14 +4320,14 @@
               </a:lnSpc>
             </a:pPr>
             <a:r>
-              <a:rPr lang="ru-RU" dirty="0" smtClean="0">
+              <a:rPr lang="ru-RU" dirty="0">
                 <a:latin typeface="Times New Roman" panose="02020603050405020304" pitchFamily="18" charset="0"/>
                 <a:cs typeface="Times New Roman" panose="02020603050405020304" pitchFamily="18" charset="0"/>
               </a:rPr>
               <a:t>Шаблон</a:t>
             </a:r>
             <a:r>
-              <a:rPr lang="en-US" dirty="0" smtClean="0">
+              <a:rPr lang="en-US" dirty="0">
                 <a:latin typeface="Times New Roman" panose="02020603050405020304" pitchFamily="18" charset="0"/>
                 <a:cs typeface="Times New Roman" panose="02020603050405020304" pitchFamily="18" charset="0"/>
               </a:rPr>
@@ -4395,7 +4369,7 @@
           <a:lstStyle/>
           <a:p>
             <a:r>
-              <a:rPr lang="en-US" dirty="0" smtClean="0">
+              <a:rPr lang="en-US" dirty="0">
                 <a:latin typeface="Times New Roman" panose="02020603050405020304" pitchFamily="18" charset="0"/>
                 <a:cs typeface="Times New Roman" panose="02020603050405020304" pitchFamily="18" charset="0"/>
               </a:rPr>
@@ -4478,7 +4452,7 @@
           <a:lstStyle/>
           <a:p>
             <a:r>
-              <a:rPr lang="en-US" dirty="0" smtClean="0">
+              <a:rPr lang="en-US" dirty="0">
                 <a:latin typeface="Times New Roman" panose="02020603050405020304" pitchFamily="18" charset="0"/>
                 <a:cs typeface="Times New Roman" panose="02020603050405020304" pitchFamily="18" charset="0"/>
               </a:rPr>
@@ -4561,7 +4535,7 @@
           <a:lstStyle/>
           <a:p>
             <a:r>
-              <a:rPr lang="en-US" dirty="0" smtClean="0">
+              <a:rPr lang="en-US" dirty="0">
                 <a:latin typeface="Times New Roman" panose="02020603050405020304" pitchFamily="18" charset="0"/>
                 <a:cs typeface="Times New Roman" panose="02020603050405020304" pitchFamily="18" charset="0"/>
               </a:rPr>
@@ -4644,18 +4618,11 @@
           <a:lstStyle/>
           <a:p>
             <a:r>
-              <a:rPr lang="en-US" dirty="0" smtClean="0">
+              <a:rPr lang="en-US" dirty="0">
                 <a:latin typeface="Times New Roman" panose="02020603050405020304" pitchFamily="18" charset="0"/>
                 <a:cs typeface="Times New Roman" panose="02020603050405020304" pitchFamily="18" charset="0"/>
               </a:rPr>
-              <a:t>Excel</a:t>
-            </a:r>
-            <a:r>
-              <a:rPr lang="en-US" dirty="0" smtClean="0">
-                <a:latin typeface="Times New Roman" panose="02020603050405020304" pitchFamily="18" charset="0"/>
-                <a:cs typeface="Times New Roman" panose="02020603050405020304" pitchFamily="18" charset="0"/>
-              </a:rPr>
-              <a:t>Service</a:t>
+              <a:t>ExcelService</a:t>
             </a:r>
             <a:endParaRPr lang="ru-RU" dirty="0">
               <a:latin typeface="Times New Roman" panose="02020603050405020304" pitchFamily="18" charset="0"/>
@@ -4734,21 +4701,14 @@
           <a:lstStyle/>
           <a:p>
             <a:r>
-              <a:rPr lang="ru-RU" dirty="0" smtClean="0">
+              <a:rPr lang="ru-RU" dirty="0">
                 <a:latin typeface="Times New Roman" panose="02020603050405020304" pitchFamily="18" charset="0"/>
                 <a:cs typeface="Times New Roman" panose="02020603050405020304" pitchFamily="18" charset="0"/>
               </a:rPr>
-              <a:t>И</a:t>
-            </a:r>
-            <a:r>
-              <a:rPr lang="ru-RU" dirty="0" smtClean="0">
-                <a:latin typeface="Times New Roman" panose="02020603050405020304" pitchFamily="18" charset="0"/>
-                <a:cs typeface="Times New Roman" panose="02020603050405020304" pitchFamily="18" charset="0"/>
-              </a:rPr>
-              <a:t>мпорт в </a:t>
-            </a:r>
-            <a:r>
-              <a:rPr lang="en-US" dirty="0" smtClean="0">
+              <a:t>Импорт в </a:t>
+            </a:r>
+            <a:r>
+              <a:rPr lang="en-US" dirty="0">
                 <a:latin typeface="Times New Roman" panose="02020603050405020304" pitchFamily="18" charset="0"/>
                 <a:cs typeface="Times New Roman" panose="02020603050405020304" pitchFamily="18" charset="0"/>
               </a:rPr>
@@ -4790,16 +4750,12 @@
           <a:lstStyle/>
           <a:p>
             <a:r>
-              <a:rPr lang="ru-RU" dirty="0" smtClean="0">
+              <a:rPr lang="ru-RU" dirty="0">
                 <a:latin typeface="Times New Roman" panose="02020603050405020304" pitchFamily="18" charset="0"/>
                 <a:cs typeface="Times New Roman" panose="02020603050405020304" pitchFamily="18" charset="0"/>
               </a:rPr>
               <a:t>Отрисовка диаграмм</a:t>
             </a:r>
-            <a:endParaRPr lang="ru-RU" dirty="0">
-              <a:latin typeface="Times New Roman" panose="02020603050405020304" pitchFamily="18" charset="0"/>
-              <a:cs typeface="Times New Roman" panose="02020603050405020304" pitchFamily="18" charset="0"/>
-            </a:endParaRPr>
           </a:p>
         </p:txBody>
       </p:sp>
@@ -4832,16 +4788,12 @@
           <a:lstStyle/>
           <a:p>
             <a:r>
-              <a:rPr lang="ru-RU" dirty="0" smtClean="0">
+              <a:rPr lang="ru-RU" dirty="0">
                 <a:latin typeface="Times New Roman" panose="02020603050405020304" pitchFamily="18" charset="0"/>
                 <a:cs typeface="Times New Roman" panose="02020603050405020304" pitchFamily="18" charset="0"/>
               </a:rPr>
               <a:t>Проверка форматов данных</a:t>
             </a:r>
-            <a:endParaRPr lang="ru-RU" dirty="0">
-              <a:latin typeface="Times New Roman" panose="02020603050405020304" pitchFamily="18" charset="0"/>
-              <a:cs typeface="Times New Roman" panose="02020603050405020304" pitchFamily="18" charset="0"/>
-            </a:endParaRPr>
           </a:p>
         </p:txBody>
       </p:sp>
@@ -4874,16 +4826,12 @@
           <a:lstStyle/>
           <a:p>
             <a:r>
-              <a:rPr lang="ru-RU" dirty="0" smtClean="0">
+              <a:rPr lang="ru-RU" dirty="0">
                 <a:latin typeface="Times New Roman" panose="02020603050405020304" pitchFamily="18" charset="0"/>
                 <a:cs typeface="Times New Roman" panose="02020603050405020304" pitchFamily="18" charset="0"/>
               </a:rPr>
               <a:t>Шифрование паролей</a:t>
             </a:r>
-            <a:endParaRPr lang="ru-RU" dirty="0">
-              <a:latin typeface="Times New Roman" panose="02020603050405020304" pitchFamily="18" charset="0"/>
-              <a:cs typeface="Times New Roman" panose="02020603050405020304" pitchFamily="18" charset="0"/>
-            </a:endParaRPr>
           </a:p>
         </p:txBody>
       </p:sp>
@@ -5408,10 +5356,10 @@
       </p:sp>
       <p:pic>
         <p:nvPicPr>
-          <p:cNvPr id="6" name="Рисунок 5">
-            <a:extLst>
-              <a:ext uri="{FF2B5EF4-FFF2-40B4-BE49-F238E27FC236}">
-                <a16:creationId xmlns:a16="http://schemas.microsoft.com/office/drawing/2014/main" id="{C0A84E5E-75F2-40CF-BD4C-4061B65685D3}"/>
+          <p:cNvPr id="8" name="Рисунок 7">
+            <a:extLst>
+              <a:ext uri="{FF2B5EF4-FFF2-40B4-BE49-F238E27FC236}">
+                <a16:creationId xmlns:a16="http://schemas.microsoft.com/office/drawing/2014/main" id="{D9BF2976-AA3C-4737-9B09-4ECC22FAB019}"/>
               </a:ext>
             </a:extLst>
           </p:cNvPr>
@@ -5426,34 +5374,6 @@
         </p:blipFill>
         <p:spPr>
           <a:xfrm>
-            <a:off x="4907949" y="3688589"/>
-            <a:ext cx="3831336" cy="2667762"/>
-          </a:xfrm>
-          <a:prstGeom prst="rect">
-            <a:avLst/>
-          </a:prstGeom>
-        </p:spPr>
-      </p:pic>
-      <p:pic>
-        <p:nvPicPr>
-          <p:cNvPr id="8" name="Рисунок 7">
-            <a:extLst>
-              <a:ext uri="{FF2B5EF4-FFF2-40B4-BE49-F238E27FC236}">
-                <a16:creationId xmlns:a16="http://schemas.microsoft.com/office/drawing/2014/main" id="{D9BF2976-AA3C-4737-9B09-4ECC22FAB019}"/>
-              </a:ext>
-            </a:extLst>
-          </p:cNvPr>
-          <p:cNvPicPr/>
-          <p:nvPr/>
-        </p:nvPicPr>
-        <p:blipFill>
-          <a:blip r:embed="rId3"/>
-          <a:stretch>
-            <a:fillRect/>
-          </a:stretch>
-        </p:blipFill>
-        <p:spPr>
-          <a:xfrm>
             <a:off x="451802" y="806472"/>
             <a:ext cx="5039995" cy="2703830"/>
           </a:xfrm>
@@ -5475,7 +5395,7 @@
           <p:nvPr/>
         </p:nvPicPr>
         <p:blipFill rotWithShape="1">
-          <a:blip r:embed="rId4"/>
+          <a:blip r:embed="rId3"/>
           <a:srcRect l="10497" t="13514" r="9279" b="9244"/>
           <a:stretch/>
         </p:blipFill>
@@ -5524,6 +5444,36 @@
             <a:extLst>
               <a:ext uri="{FF2B5EF4-FFF2-40B4-BE49-F238E27FC236}">
                 <a16:creationId xmlns:a16="http://schemas.microsoft.com/office/drawing/2014/main" id="{41977E3D-8E59-4B08-B347-7FFD99D4BFC0}"/>
+              </a:ext>
+            </a:extLst>
+          </p:cNvPr>
+          <p:cNvPicPr>
+            <a:picLocks noChangeAspect="1"/>
+          </p:cNvPicPr>
+          <p:nvPr/>
+        </p:nvPicPr>
+        <p:blipFill>
+          <a:blip r:embed="rId4"/>
+          <a:stretch>
+            <a:fillRect/>
+          </a:stretch>
+        </p:blipFill>
+        <p:spPr>
+          <a:xfrm>
+            <a:off x="6702754" y="806587"/>
+            <a:ext cx="1499653" cy="2703600"/>
+          </a:xfrm>
+          <a:prstGeom prst="rect">
+            <a:avLst/>
+          </a:prstGeom>
+        </p:spPr>
+      </p:pic>
+      <p:pic>
+        <p:nvPicPr>
+          <p:cNvPr id="7" name="Рисунок 6">
+            <a:extLst>
+              <a:ext uri="{FF2B5EF4-FFF2-40B4-BE49-F238E27FC236}">
+                <a16:creationId xmlns:a16="http://schemas.microsoft.com/office/drawing/2014/main" id="{402CA175-11A7-40BF-AF12-92E40079E2A6}"/>
               </a:ext>
             </a:extLst>
           </p:cNvPr>
@@ -5540,8 +5490,8 @@
         </p:blipFill>
         <p:spPr>
           <a:xfrm>
-            <a:off x="6253747" y="806587"/>
-            <a:ext cx="1499653" cy="2703600"/>
+            <a:off x="4962407" y="3805881"/>
+            <a:ext cx="3240000" cy="2263756"/>
           </a:xfrm>
           <a:prstGeom prst="rect">
             <a:avLst/>
